--- a/maquette.pptx
+++ b/maquette.pptx
@@ -104,7 +104,49 @@
       </a:defRPr>
     </a:lvl9pPr>
   </p:defaultTextStyle>
+  <p:extLst>
+    <p:ext uri="{EFAFB233-063F-42B5-8137-9DF3F51BA10A}">
+      <p15:sldGuideLst xmlns:p15="http://schemas.microsoft.com/office/powerpoint/2012/main"/>
+    </p:ext>
+  </p:extLst>
 </p:presentation>
+</file>
+
+<file path=ppt/changesInfos/changesInfo1.xml><?xml version="1.0" encoding="utf-8"?>
+<pc:chgInfo xmlns:a="http://schemas.openxmlformats.org/drawingml/2006/main" xmlns:r="http://schemas.openxmlformats.org/officeDocument/2006/relationships" xmlns:ac="http://schemas.microsoft.com/office/drawing/2013/main/command" xmlns:pc="http://schemas.microsoft.com/office/powerpoint/2013/main/command">
+  <pc:docChgLst>
+    <pc:chgData name="Fabrice Pestel" userId="cd3130c1f59029cf" providerId="LiveId" clId="{23ED2170-82A5-4620-BF0F-89B57C48E960}"/>
+    <pc:docChg chg="undo custSel modSld">
+      <pc:chgData name="Fabrice Pestel" userId="cd3130c1f59029cf" providerId="LiveId" clId="{23ED2170-82A5-4620-BF0F-89B57C48E960}" dt="2021-03-06T18:19:03.485" v="33" actId="20577"/>
+      <pc:docMkLst>
+        <pc:docMk/>
+      </pc:docMkLst>
+      <pc:sldChg chg="modSp mod">
+        <pc:chgData name="Fabrice Pestel" userId="cd3130c1f59029cf" providerId="LiveId" clId="{23ED2170-82A5-4620-BF0F-89B57C48E960}" dt="2021-03-06T18:19:03.485" v="33" actId="20577"/>
+        <pc:sldMkLst>
+          <pc:docMk/>
+          <pc:sldMk cId="3917275153" sldId="256"/>
+        </pc:sldMkLst>
+        <pc:spChg chg="mod">
+          <ac:chgData name="Fabrice Pestel" userId="cd3130c1f59029cf" providerId="LiveId" clId="{23ED2170-82A5-4620-BF0F-89B57C48E960}" dt="2021-03-06T07:26:59.440" v="25" actId="20577"/>
+          <ac:spMkLst>
+            <pc:docMk/>
+            <pc:sldMk cId="3917275153" sldId="256"/>
+            <ac:spMk id="2" creationId="{428903ED-94FB-4AAB-9582-269388E784AD}"/>
+          </ac:spMkLst>
+        </pc:spChg>
+        <pc:spChg chg="mod">
+          <ac:chgData name="Fabrice Pestel" userId="cd3130c1f59029cf" providerId="LiveId" clId="{23ED2170-82A5-4620-BF0F-89B57C48E960}" dt="2021-03-06T18:19:03.485" v="33" actId="20577"/>
+          <ac:spMkLst>
+            <pc:docMk/>
+            <pc:sldMk cId="3917275153" sldId="256"/>
+            <ac:spMk id="14" creationId="{A3E61F0D-CB53-43B4-97ED-5DACD7BB1531}"/>
+          </ac:spMkLst>
+        </pc:spChg>
+      </pc:sldChg>
+    </pc:docChg>
+  </pc:docChgLst>
+</pc:chgInfo>
 </file>
 
 <file path=ppt/slideLayouts/slideLayout1.xml><?xml version="1.0" encoding="utf-8"?>
@@ -238,7 +280,7 @@
           <a:p>
             <a:fld id="{99051032-7637-48FE-AC7D-486E690C31D3}" type="datetimeFigureOut">
               <a:rPr lang="en-BE" smtClean="0"/>
-              <a:t>04/03/2021</a:t>
+              <a:t>06/03/2021</a:t>
             </a:fld>
             <a:endParaRPr lang="en-BE"/>
           </a:p>
@@ -408,7 +450,7 @@
           <a:p>
             <a:fld id="{99051032-7637-48FE-AC7D-486E690C31D3}" type="datetimeFigureOut">
               <a:rPr lang="en-BE" smtClean="0"/>
-              <a:t>04/03/2021</a:t>
+              <a:t>06/03/2021</a:t>
             </a:fld>
             <a:endParaRPr lang="en-BE"/>
           </a:p>
@@ -588,7 +630,7 @@
           <a:p>
             <a:fld id="{99051032-7637-48FE-AC7D-486E690C31D3}" type="datetimeFigureOut">
               <a:rPr lang="en-BE" smtClean="0"/>
-              <a:t>04/03/2021</a:t>
+              <a:t>06/03/2021</a:t>
             </a:fld>
             <a:endParaRPr lang="en-BE"/>
           </a:p>
@@ -758,7 +800,7 @@
           <a:p>
             <a:fld id="{99051032-7637-48FE-AC7D-486E690C31D3}" type="datetimeFigureOut">
               <a:rPr lang="en-BE" smtClean="0"/>
-              <a:t>04/03/2021</a:t>
+              <a:t>06/03/2021</a:t>
             </a:fld>
             <a:endParaRPr lang="en-BE"/>
           </a:p>
@@ -1002,7 +1044,7 @@
           <a:p>
             <a:fld id="{99051032-7637-48FE-AC7D-486E690C31D3}" type="datetimeFigureOut">
               <a:rPr lang="en-BE" smtClean="0"/>
-              <a:t>04/03/2021</a:t>
+              <a:t>06/03/2021</a:t>
             </a:fld>
             <a:endParaRPr lang="en-BE"/>
           </a:p>
@@ -1234,7 +1276,7 @@
           <a:p>
             <a:fld id="{99051032-7637-48FE-AC7D-486E690C31D3}" type="datetimeFigureOut">
               <a:rPr lang="en-BE" smtClean="0"/>
-              <a:t>04/03/2021</a:t>
+              <a:t>06/03/2021</a:t>
             </a:fld>
             <a:endParaRPr lang="en-BE"/>
           </a:p>
@@ -1601,7 +1643,7 @@
           <a:p>
             <a:fld id="{99051032-7637-48FE-AC7D-486E690C31D3}" type="datetimeFigureOut">
               <a:rPr lang="en-BE" smtClean="0"/>
-              <a:t>04/03/2021</a:t>
+              <a:t>06/03/2021</a:t>
             </a:fld>
             <a:endParaRPr lang="en-BE"/>
           </a:p>
@@ -1719,7 +1761,7 @@
           <a:p>
             <a:fld id="{99051032-7637-48FE-AC7D-486E690C31D3}" type="datetimeFigureOut">
               <a:rPr lang="en-BE" smtClean="0"/>
-              <a:t>04/03/2021</a:t>
+              <a:t>06/03/2021</a:t>
             </a:fld>
             <a:endParaRPr lang="en-BE"/>
           </a:p>
@@ -1814,7 +1856,7 @@
           <a:p>
             <a:fld id="{99051032-7637-48FE-AC7D-486E690C31D3}" type="datetimeFigureOut">
               <a:rPr lang="en-BE" smtClean="0"/>
-              <a:t>04/03/2021</a:t>
+              <a:t>06/03/2021</a:t>
             </a:fld>
             <a:endParaRPr lang="en-BE"/>
           </a:p>
@@ -2091,7 +2133,7 @@
           <a:p>
             <a:fld id="{99051032-7637-48FE-AC7D-486E690C31D3}" type="datetimeFigureOut">
               <a:rPr lang="en-BE" smtClean="0"/>
-              <a:t>04/03/2021</a:t>
+              <a:t>06/03/2021</a:t>
             </a:fld>
             <a:endParaRPr lang="en-BE"/>
           </a:p>
@@ -2348,7 +2390,7 @@
           <a:p>
             <a:fld id="{99051032-7637-48FE-AC7D-486E690C31D3}" type="datetimeFigureOut">
               <a:rPr lang="en-BE" smtClean="0"/>
-              <a:t>04/03/2021</a:t>
+              <a:t>06/03/2021</a:t>
             </a:fld>
             <a:endParaRPr lang="en-BE"/>
           </a:p>
@@ -2561,7 +2603,7 @@
           <a:p>
             <a:fld id="{99051032-7637-48FE-AC7D-486E690C31D3}" type="datetimeFigureOut">
               <a:rPr lang="en-BE" smtClean="0"/>
-              <a:t>04/03/2021</a:t>
+              <a:t>06/03/2021</a:t>
             </a:fld>
             <a:endParaRPr lang="en-BE"/>
           </a:p>
@@ -2987,7 +3029,7 @@
           <a:bodyPr/>
           <a:lstStyle/>
           <a:p>
-            <a:endParaRPr lang="en-BE"/>
+            <a:endParaRPr lang="en-BE" dirty="0"/>
           </a:p>
         </p:txBody>
       </p:sp>
@@ -3274,7 +3316,7 @@
           <a:p>
             <a:r>
               <a:rPr lang="fr-FR" sz="1100" dirty="0"/>
-              <a:t>&lt;body&gt;</a:t>
+              <a:t>&lt;main&gt;</a:t>
             </a:r>
             <a:endParaRPr lang="en-BE" sz="1100" dirty="0"/>
           </a:p>

--- a/maquette.pptx
+++ b/maquette.pptx
@@ -117,12 +117,12 @@
   <pc:docChgLst>
     <pc:chgData name="Fabrice Pestel" userId="cd3130c1f59029cf" providerId="LiveId" clId="{23ED2170-82A5-4620-BF0F-89B57C48E960}"/>
     <pc:docChg chg="undo custSel modSld">
-      <pc:chgData name="Fabrice Pestel" userId="cd3130c1f59029cf" providerId="LiveId" clId="{23ED2170-82A5-4620-BF0F-89B57C48E960}" dt="2021-03-06T18:19:03.485" v="33" actId="20577"/>
+      <pc:chgData name="Fabrice Pestel" userId="cd3130c1f59029cf" providerId="LiveId" clId="{23ED2170-82A5-4620-BF0F-89B57C48E960}" dt="2021-04-05T13:22:16.688" v="124" actId="20577"/>
       <pc:docMkLst>
         <pc:docMk/>
       </pc:docMkLst>
-      <pc:sldChg chg="modSp mod">
-        <pc:chgData name="Fabrice Pestel" userId="cd3130c1f59029cf" providerId="LiveId" clId="{23ED2170-82A5-4620-BF0F-89B57C48E960}" dt="2021-03-06T18:19:03.485" v="33" actId="20577"/>
+      <pc:sldChg chg="addSp modSp mod">
+        <pc:chgData name="Fabrice Pestel" userId="cd3130c1f59029cf" providerId="LiveId" clId="{23ED2170-82A5-4620-BF0F-89B57C48E960}" dt="2021-04-05T13:22:16.688" v="124" actId="20577"/>
         <pc:sldMkLst>
           <pc:docMk/>
           <pc:sldMk cId="3917275153" sldId="256"/>
@@ -135,12 +135,132 @@
             <ac:spMk id="2" creationId="{428903ED-94FB-4AAB-9582-269388E784AD}"/>
           </ac:spMkLst>
         </pc:spChg>
+        <pc:spChg chg="add mod">
+          <ac:chgData name="Fabrice Pestel" userId="cd3130c1f59029cf" providerId="LiveId" clId="{23ED2170-82A5-4620-BF0F-89B57C48E960}" dt="2021-04-05T07:32:05.764" v="109" actId="208"/>
+          <ac:spMkLst>
+            <pc:docMk/>
+            <pc:sldMk cId="3917275153" sldId="256"/>
+            <ac:spMk id="4" creationId="{1C2C0D0A-EB27-4048-9E16-E8117BA65326}"/>
+          </ac:spMkLst>
+        </pc:spChg>
         <pc:spChg chg="mod">
           <ac:chgData name="Fabrice Pestel" userId="cd3130c1f59029cf" providerId="LiveId" clId="{23ED2170-82A5-4620-BF0F-89B57C48E960}" dt="2021-03-06T18:19:03.485" v="33" actId="20577"/>
           <ac:spMkLst>
             <pc:docMk/>
             <pc:sldMk cId="3917275153" sldId="256"/>
             <ac:spMk id="14" creationId="{A3E61F0D-CB53-43B4-97ED-5DACD7BB1531}"/>
+          </ac:spMkLst>
+        </pc:spChg>
+        <pc:spChg chg="mod">
+          <ac:chgData name="Fabrice Pestel" userId="cd3130c1f59029cf" providerId="LiveId" clId="{23ED2170-82A5-4620-BF0F-89B57C48E960}" dt="2021-04-05T07:28:00.942" v="87" actId="14100"/>
+          <ac:spMkLst>
+            <pc:docMk/>
+            <pc:sldMk cId="3917275153" sldId="256"/>
+            <ac:spMk id="18" creationId="{216E5290-266F-442A-973F-4217F3236260}"/>
+          </ac:spMkLst>
+        </pc:spChg>
+        <pc:spChg chg="mod">
+          <ac:chgData name="Fabrice Pestel" userId="cd3130c1f59029cf" providerId="LiveId" clId="{23ED2170-82A5-4620-BF0F-89B57C48E960}" dt="2021-04-05T07:28:08.067" v="88" actId="14100"/>
+          <ac:spMkLst>
+            <pc:docMk/>
+            <pc:sldMk cId="3917275153" sldId="256"/>
+            <ac:spMk id="19" creationId="{A7100B20-BCA1-4564-A677-A5A782934581}"/>
+          </ac:spMkLst>
+        </pc:spChg>
+        <pc:spChg chg="mod">
+          <ac:chgData name="Fabrice Pestel" userId="cd3130c1f59029cf" providerId="LiveId" clId="{23ED2170-82A5-4620-BF0F-89B57C48E960}" dt="2021-04-05T07:24:32.676" v="54" actId="20577"/>
+          <ac:spMkLst>
+            <pc:docMk/>
+            <pc:sldMk cId="3917275153" sldId="256"/>
+            <ac:spMk id="24" creationId="{F6DE365D-A3E5-4D3E-A549-8C97A2A36090}"/>
+          </ac:spMkLst>
+        </pc:spChg>
+        <pc:spChg chg="mod">
+          <ac:chgData name="Fabrice Pestel" userId="cd3130c1f59029cf" providerId="LiveId" clId="{23ED2170-82A5-4620-BF0F-89B57C48E960}" dt="2021-04-05T07:28:16.573" v="89" actId="1076"/>
+          <ac:spMkLst>
+            <pc:docMk/>
+            <pc:sldMk cId="3917275153" sldId="256"/>
+            <ac:spMk id="28" creationId="{2DDAD2C5-0556-40C8-80B2-8D606D04506F}"/>
+          </ac:spMkLst>
+        </pc:spChg>
+        <pc:spChg chg="mod">
+          <ac:chgData name="Fabrice Pestel" userId="cd3130c1f59029cf" providerId="LiveId" clId="{23ED2170-82A5-4620-BF0F-89B57C48E960}" dt="2021-04-05T07:29:28.820" v="90" actId="14100"/>
+          <ac:spMkLst>
+            <pc:docMk/>
+            <pc:sldMk cId="3917275153" sldId="256"/>
+            <ac:spMk id="41" creationId="{8F4B9ABD-A807-42A8-AC44-64AB562EDE00}"/>
+          </ac:spMkLst>
+        </pc:spChg>
+        <pc:spChg chg="mod">
+          <ac:chgData name="Fabrice Pestel" userId="cd3130c1f59029cf" providerId="LiveId" clId="{23ED2170-82A5-4620-BF0F-89B57C48E960}" dt="2021-04-05T07:25:07.199" v="84" actId="20577"/>
+          <ac:spMkLst>
+            <pc:docMk/>
+            <pc:sldMk cId="3917275153" sldId="256"/>
+            <ac:spMk id="53" creationId="{E15A3429-E91C-4499-AD4C-B7C7C116661C}"/>
+          </ac:spMkLst>
+        </pc:spChg>
+        <pc:spChg chg="mod">
+          <ac:chgData name="Fabrice Pestel" userId="cd3130c1f59029cf" providerId="LiveId" clId="{23ED2170-82A5-4620-BF0F-89B57C48E960}" dt="2021-04-05T07:32:32.135" v="111" actId="20577"/>
+          <ac:spMkLst>
+            <pc:docMk/>
+            <pc:sldMk cId="3917275153" sldId="256"/>
+            <ac:spMk id="60" creationId="{A0C9922B-66B4-444C-9939-3C9C726A5660}"/>
+          </ac:spMkLst>
+        </pc:spChg>
+        <pc:spChg chg="mod">
+          <ac:chgData name="Fabrice Pestel" userId="cd3130c1f59029cf" providerId="LiveId" clId="{23ED2170-82A5-4620-BF0F-89B57C48E960}" dt="2021-04-05T13:22:16.688" v="124" actId="20577"/>
+          <ac:spMkLst>
+            <pc:docMk/>
+            <pc:sldMk cId="3917275153" sldId="256"/>
+            <ac:spMk id="61" creationId="{11FDBBE8-D944-40E6-9145-63281DB7DABF}"/>
+          </ac:spMkLst>
+        </pc:spChg>
+        <pc:spChg chg="mod">
+          <ac:chgData name="Fabrice Pestel" userId="cd3130c1f59029cf" providerId="LiveId" clId="{23ED2170-82A5-4620-BF0F-89B57C48E960}" dt="2021-04-05T07:30:56.197" v="98" actId="14100"/>
+          <ac:spMkLst>
+            <pc:docMk/>
+            <pc:sldMk cId="3917275153" sldId="256"/>
+            <ac:spMk id="71" creationId="{1D4695D6-93A1-4DDA-BC81-96C865E11A12}"/>
+          </ac:spMkLst>
+        </pc:spChg>
+        <pc:spChg chg="mod">
+          <ac:chgData name="Fabrice Pestel" userId="cd3130c1f59029cf" providerId="LiveId" clId="{23ED2170-82A5-4620-BF0F-89B57C48E960}" dt="2021-04-05T07:31:04.574" v="100" actId="14100"/>
+          <ac:spMkLst>
+            <pc:docMk/>
+            <pc:sldMk cId="3917275153" sldId="256"/>
+            <ac:spMk id="72" creationId="{674AD395-7E8F-4C1F-89D8-740F91E346DF}"/>
+          </ac:spMkLst>
+        </pc:spChg>
+        <pc:spChg chg="mod">
+          <ac:chgData name="Fabrice Pestel" userId="cd3130c1f59029cf" providerId="LiveId" clId="{23ED2170-82A5-4620-BF0F-89B57C48E960}" dt="2021-04-05T07:31:08.734" v="101" actId="14100"/>
+          <ac:spMkLst>
+            <pc:docMk/>
+            <pc:sldMk cId="3917275153" sldId="256"/>
+            <ac:spMk id="73" creationId="{908ACD6E-5114-40AE-8143-2B3276D44161}"/>
+          </ac:spMkLst>
+        </pc:spChg>
+        <pc:spChg chg="mod">
+          <ac:chgData name="Fabrice Pestel" userId="cd3130c1f59029cf" providerId="LiveId" clId="{23ED2170-82A5-4620-BF0F-89B57C48E960}" dt="2021-04-05T07:31:32.254" v="106" actId="14100"/>
+          <ac:spMkLst>
+            <pc:docMk/>
+            <pc:sldMk cId="3917275153" sldId="256"/>
+            <ac:spMk id="74" creationId="{66360CD8-4086-4169-AEE8-D48A4C54EFAD}"/>
+          </ac:spMkLst>
+        </pc:spChg>
+        <pc:spChg chg="mod">
+          <ac:chgData name="Fabrice Pestel" userId="cd3130c1f59029cf" providerId="LiveId" clId="{23ED2170-82A5-4620-BF0F-89B57C48E960}" dt="2021-04-05T07:31:28.760" v="105" actId="14100"/>
+          <ac:spMkLst>
+            <pc:docMk/>
+            <pc:sldMk cId="3917275153" sldId="256"/>
+            <ac:spMk id="75" creationId="{3596288D-B5AC-4F84-B7E0-A87130C6B19A}"/>
+          </ac:spMkLst>
+        </pc:spChg>
+        <pc:spChg chg="mod">
+          <ac:chgData name="Fabrice Pestel" userId="cd3130c1f59029cf" providerId="LiveId" clId="{23ED2170-82A5-4620-BF0F-89B57C48E960}" dt="2021-04-05T07:31:18.407" v="103" actId="14100"/>
+          <ac:spMkLst>
+            <pc:docMk/>
+            <pc:sldMk cId="3917275153" sldId="256"/>
+            <ac:spMk id="76" creationId="{019EF918-2ED2-4CAE-8B8E-488C9DBF80E4}"/>
           </ac:spMkLst>
         </pc:spChg>
       </pc:sldChg>
@@ -280,7 +400,7 @@
           <a:p>
             <a:fld id="{99051032-7637-48FE-AC7D-486E690C31D3}" type="datetimeFigureOut">
               <a:rPr lang="en-BE" smtClean="0"/>
-              <a:t>06/03/2021</a:t>
+              <a:t>05/04/2021</a:t>
             </a:fld>
             <a:endParaRPr lang="en-BE"/>
           </a:p>
@@ -450,7 +570,7 @@
           <a:p>
             <a:fld id="{99051032-7637-48FE-AC7D-486E690C31D3}" type="datetimeFigureOut">
               <a:rPr lang="en-BE" smtClean="0"/>
-              <a:t>06/03/2021</a:t>
+              <a:t>05/04/2021</a:t>
             </a:fld>
             <a:endParaRPr lang="en-BE"/>
           </a:p>
@@ -630,7 +750,7 @@
           <a:p>
             <a:fld id="{99051032-7637-48FE-AC7D-486E690C31D3}" type="datetimeFigureOut">
               <a:rPr lang="en-BE" smtClean="0"/>
-              <a:t>06/03/2021</a:t>
+              <a:t>05/04/2021</a:t>
             </a:fld>
             <a:endParaRPr lang="en-BE"/>
           </a:p>
@@ -800,7 +920,7 @@
           <a:p>
             <a:fld id="{99051032-7637-48FE-AC7D-486E690C31D3}" type="datetimeFigureOut">
               <a:rPr lang="en-BE" smtClean="0"/>
-              <a:t>06/03/2021</a:t>
+              <a:t>05/04/2021</a:t>
             </a:fld>
             <a:endParaRPr lang="en-BE"/>
           </a:p>
@@ -1044,7 +1164,7 @@
           <a:p>
             <a:fld id="{99051032-7637-48FE-AC7D-486E690C31D3}" type="datetimeFigureOut">
               <a:rPr lang="en-BE" smtClean="0"/>
-              <a:t>06/03/2021</a:t>
+              <a:t>05/04/2021</a:t>
             </a:fld>
             <a:endParaRPr lang="en-BE"/>
           </a:p>
@@ -1276,7 +1396,7 @@
           <a:p>
             <a:fld id="{99051032-7637-48FE-AC7D-486E690C31D3}" type="datetimeFigureOut">
               <a:rPr lang="en-BE" smtClean="0"/>
-              <a:t>06/03/2021</a:t>
+              <a:t>05/04/2021</a:t>
             </a:fld>
             <a:endParaRPr lang="en-BE"/>
           </a:p>
@@ -1643,7 +1763,7 @@
           <a:p>
             <a:fld id="{99051032-7637-48FE-AC7D-486E690C31D3}" type="datetimeFigureOut">
               <a:rPr lang="en-BE" smtClean="0"/>
-              <a:t>06/03/2021</a:t>
+              <a:t>05/04/2021</a:t>
             </a:fld>
             <a:endParaRPr lang="en-BE"/>
           </a:p>
@@ -1761,7 +1881,7 @@
           <a:p>
             <a:fld id="{99051032-7637-48FE-AC7D-486E690C31D3}" type="datetimeFigureOut">
               <a:rPr lang="en-BE" smtClean="0"/>
-              <a:t>06/03/2021</a:t>
+              <a:t>05/04/2021</a:t>
             </a:fld>
             <a:endParaRPr lang="en-BE"/>
           </a:p>
@@ -1856,7 +1976,7 @@
           <a:p>
             <a:fld id="{99051032-7637-48FE-AC7D-486E690C31D3}" type="datetimeFigureOut">
               <a:rPr lang="en-BE" smtClean="0"/>
-              <a:t>06/03/2021</a:t>
+              <a:t>05/04/2021</a:t>
             </a:fld>
             <a:endParaRPr lang="en-BE"/>
           </a:p>
@@ -2133,7 +2253,7 @@
           <a:p>
             <a:fld id="{99051032-7637-48FE-AC7D-486E690C31D3}" type="datetimeFigureOut">
               <a:rPr lang="en-BE" smtClean="0"/>
-              <a:t>06/03/2021</a:t>
+              <a:t>05/04/2021</a:t>
             </a:fld>
             <a:endParaRPr lang="en-BE"/>
           </a:p>
@@ -2390,7 +2510,7 @@
           <a:p>
             <a:fld id="{99051032-7637-48FE-AC7D-486E690C31D3}" type="datetimeFigureOut">
               <a:rPr lang="en-BE" smtClean="0"/>
-              <a:t>06/03/2021</a:t>
+              <a:t>05/04/2021</a:t>
             </a:fld>
             <a:endParaRPr lang="en-BE"/>
           </a:p>
@@ -2603,7 +2723,7 @@
           <a:p>
             <a:fld id="{99051032-7637-48FE-AC7D-486E690C31D3}" type="datetimeFigureOut">
               <a:rPr lang="en-BE" smtClean="0"/>
-              <a:t>06/03/2021</a:t>
+              <a:t>05/04/2021</a:t>
             </a:fld>
             <a:endParaRPr lang="en-BE"/>
           </a:p>
@@ -3491,8 +3611,8 @@
         </p:nvSpPr>
         <p:spPr>
           <a:xfrm>
-            <a:off x="39329" y="2561610"/>
-            <a:ext cx="6248400" cy="689260"/>
+            <a:off x="39329" y="2561609"/>
+            <a:ext cx="6248400" cy="947197"/>
           </a:xfrm>
           <a:prstGeom prst="rect">
             <a:avLst/>
@@ -3543,8 +3663,8 @@
         </p:nvSpPr>
         <p:spPr>
           <a:xfrm>
-            <a:off x="39329" y="3298492"/>
-            <a:ext cx="6774426" cy="3436605"/>
+            <a:off x="39329" y="3542873"/>
+            <a:ext cx="6774426" cy="3192224"/>
           </a:xfrm>
           <a:prstGeom prst="rect">
             <a:avLst/>
@@ -3804,7 +3924,7 @@
         <p:spPr>
           <a:xfrm>
             <a:off x="2641963" y="1585691"/>
-            <a:ext cx="1003801" cy="261610"/>
+            <a:ext cx="790601" cy="261610"/>
           </a:xfrm>
           <a:prstGeom prst="rect">
             <a:avLst/>
@@ -3823,7 +3943,23 @@
                   <a:srgbClr val="FF0000"/>
                 </a:solidFill>
               </a:rPr>
-              <a:t>&lt;div #header&gt;</a:t>
+              <a:t>&lt;div .</a:t>
+            </a:r>
+            <a:r>
+              <a:rPr lang="fr-FR" sz="1100" dirty="0" err="1">
+                <a:solidFill>
+                  <a:srgbClr val="FF0000"/>
+                </a:solidFill>
+              </a:rPr>
+              <a:t>title</a:t>
+            </a:r>
+            <a:r>
+              <a:rPr lang="fr-FR" sz="1100" dirty="0">
+                <a:solidFill>
+                  <a:srgbClr val="FF0000"/>
+                </a:solidFill>
+              </a:rPr>
+              <a:t>&gt;</a:t>
             </a:r>
             <a:endParaRPr lang="en-BE" sz="1100" dirty="0">
               <a:solidFill>
@@ -3951,8 +4087,8 @@
         </p:nvSpPr>
         <p:spPr>
           <a:xfrm>
-            <a:off x="5659917" y="3289743"/>
-            <a:ext cx="1220206" cy="261610"/>
+            <a:off x="5264548" y="3459409"/>
+            <a:ext cx="1665841" cy="261610"/>
           </a:xfrm>
           <a:prstGeom prst="rect">
             <a:avLst/>
@@ -3971,7 +4107,7 @@
                   <a:srgbClr val="FF0000"/>
                 </a:solidFill>
               </a:rPr>
-              <a:t>&lt;section #results&gt;</a:t>
+              <a:t>&lt;section #search_results&gt;</a:t>
             </a:r>
             <a:endParaRPr lang="en-BE" sz="1100" dirty="0">
               <a:solidFill>
@@ -4431,8 +4567,8 @@
         </p:nvSpPr>
         <p:spPr>
           <a:xfrm>
-            <a:off x="101408" y="3355428"/>
-            <a:ext cx="3133111" cy="218560"/>
+            <a:off x="101408" y="3263476"/>
+            <a:ext cx="3133111" cy="236635"/>
           </a:xfrm>
           <a:prstGeom prst="rect">
             <a:avLst/>
@@ -5048,7 +5184,7 @@
         <p:spPr>
           <a:xfrm>
             <a:off x="2828018" y="2017307"/>
-            <a:ext cx="801823" cy="261610"/>
+            <a:ext cx="1449436" cy="261610"/>
           </a:xfrm>
           <a:prstGeom prst="rect">
             <a:avLst/>
@@ -5067,7 +5203,23 @@
                   <a:schemeClr val="accent1"/>
                 </a:solidFill>
               </a:rPr>
-              <a:t>&lt;h1 #title&gt;</a:t>
+              <a:t>&lt;h1 .</a:t>
+            </a:r>
+            <a:r>
+              <a:rPr lang="fr-FR" sz="1100" dirty="0" err="1">
+                <a:solidFill>
+                  <a:schemeClr val="accent1"/>
+                </a:solidFill>
+              </a:rPr>
+              <a:t>title</a:t>
+            </a:r>
+            <a:r>
+              <a:rPr lang="fr-FR" sz="1100" dirty="0">
+                <a:solidFill>
+                  <a:schemeClr val="accent1"/>
+                </a:solidFill>
+              </a:rPr>
+              <a:t>-description&gt;</a:t>
             </a:r>
             <a:endParaRPr lang="en-BE" sz="1100" dirty="0">
               <a:solidFill>
@@ -5412,7 +5564,7 @@
         <p:spPr>
           <a:xfrm>
             <a:off x="3569110" y="3580982"/>
-            <a:ext cx="990977" cy="230832"/>
+            <a:ext cx="962123" cy="230832"/>
           </a:xfrm>
           <a:prstGeom prst="rect">
             <a:avLst/>
@@ -5431,7 +5583,23 @@
                   <a:schemeClr val="accent1"/>
                 </a:solidFill>
               </a:rPr>
-              <a:t>&lt;article #results&gt;</a:t>
+              <a:t>&lt;article .</a:t>
+            </a:r>
+            <a:r>
+              <a:rPr lang="fr-FR" sz="900" dirty="0" err="1">
+                <a:solidFill>
+                  <a:schemeClr val="accent1"/>
+                </a:solidFill>
+              </a:rPr>
+              <a:t>results</a:t>
+            </a:r>
+            <a:r>
+              <a:rPr lang="fr-FR" sz="900" dirty="0">
+                <a:solidFill>
+                  <a:schemeClr val="accent1"/>
+                </a:solidFill>
+              </a:rPr>
+              <a:t>&gt;</a:t>
             </a:r>
             <a:endParaRPr lang="en-BE" sz="900" dirty="0">
               <a:solidFill>
@@ -5456,7 +5624,7 @@
         <p:spPr>
           <a:xfrm>
             <a:off x="5448085" y="3577412"/>
-            <a:ext cx="1366080" cy="230832"/>
+            <a:ext cx="1010213" cy="230832"/>
           </a:xfrm>
           <a:prstGeom prst="rect">
             <a:avLst/>
@@ -5491,7 +5659,23 @@
                   <a:schemeClr val="accent1"/>
                 </a:solidFill>
               </a:rPr>
-              <a:t> #popular_results&gt;</a:t>
+              <a:t> .</a:t>
+            </a:r>
+            <a:r>
+              <a:rPr lang="fr-FR" sz="900" dirty="0" err="1">
+                <a:solidFill>
+                  <a:schemeClr val="accent1"/>
+                </a:solidFill>
+              </a:rPr>
+              <a:t>populars</a:t>
+            </a:r>
+            <a:r>
+              <a:rPr lang="fr-FR" sz="900" dirty="0">
+                <a:solidFill>
+                  <a:schemeClr val="accent1"/>
+                </a:solidFill>
+              </a:rPr>
+              <a:t>&gt;</a:t>
             </a:r>
             <a:endParaRPr lang="en-BE" sz="900" dirty="0">
               <a:solidFill>
@@ -5967,8 +6151,8 @@
         </p:nvSpPr>
         <p:spPr>
           <a:xfrm>
-            <a:off x="219240" y="4007715"/>
-            <a:ext cx="1386007" cy="1086635"/>
+            <a:off x="290994" y="4045825"/>
+            <a:ext cx="1314253" cy="1048525"/>
           </a:xfrm>
           <a:prstGeom prst="rect">
             <a:avLst/>
@@ -5976,7 +6160,7 @@
           <a:noFill/>
           <a:ln>
             <a:solidFill>
-              <a:schemeClr val="accent6"/>
+              <a:schemeClr val="accent4"/>
             </a:solidFill>
           </a:ln>
         </p:spPr>
@@ -6019,8 +6203,8 @@
         </p:nvSpPr>
         <p:spPr>
           <a:xfrm>
-            <a:off x="219240" y="5130016"/>
-            <a:ext cx="1386007" cy="1086635"/>
+            <a:off x="273987" y="5130016"/>
+            <a:ext cx="1331260" cy="1043621"/>
           </a:xfrm>
           <a:prstGeom prst="rect">
             <a:avLst/>
@@ -6028,7 +6212,7 @@
           <a:noFill/>
           <a:ln>
             <a:solidFill>
-              <a:schemeClr val="accent6"/>
+              <a:schemeClr val="accent4"/>
             </a:solidFill>
           </a:ln>
         </p:spPr>
@@ -6071,8 +6255,8 @@
         </p:nvSpPr>
         <p:spPr>
           <a:xfrm>
-            <a:off x="1629840" y="5131531"/>
-            <a:ext cx="1386007" cy="1086635"/>
+            <a:off x="1629840" y="5131532"/>
+            <a:ext cx="1386007" cy="1042106"/>
           </a:xfrm>
           <a:prstGeom prst="rect">
             <a:avLst/>
@@ -6080,7 +6264,7 @@
           <a:noFill/>
           <a:ln>
             <a:solidFill>
-              <a:schemeClr val="accent6"/>
+              <a:schemeClr val="accent4"/>
             </a:solidFill>
           </a:ln>
         </p:spPr>
@@ -6123,8 +6307,8 @@
         </p:nvSpPr>
         <p:spPr>
           <a:xfrm>
-            <a:off x="1631449" y="4007715"/>
-            <a:ext cx="1386007" cy="1086635"/>
+            <a:off x="1631449" y="4052244"/>
+            <a:ext cx="1386007" cy="1042106"/>
           </a:xfrm>
           <a:prstGeom prst="rect">
             <a:avLst/>
@@ -6132,7 +6316,7 @@
           <a:noFill/>
           <a:ln>
             <a:solidFill>
-              <a:schemeClr val="accent6"/>
+              <a:schemeClr val="accent4"/>
             </a:solidFill>
           </a:ln>
         </p:spPr>
@@ -6175,8 +6359,8 @@
         </p:nvSpPr>
         <p:spPr>
           <a:xfrm>
-            <a:off x="3048381" y="4007715"/>
-            <a:ext cx="1386007" cy="1086635"/>
+            <a:off x="3048381" y="4067342"/>
+            <a:ext cx="1326909" cy="1027008"/>
           </a:xfrm>
           <a:prstGeom prst="rect">
             <a:avLst/>
@@ -6184,7 +6368,7 @@
           <a:noFill/>
           <a:ln>
             <a:solidFill>
-              <a:schemeClr val="accent6"/>
+              <a:schemeClr val="accent4"/>
             </a:solidFill>
           </a:ln>
         </p:spPr>
@@ -6228,7 +6412,7 @@
         <p:spPr>
           <a:xfrm>
             <a:off x="3048381" y="5135190"/>
-            <a:ext cx="1386007" cy="1086635"/>
+            <a:ext cx="1326909" cy="1041685"/>
           </a:xfrm>
           <a:prstGeom prst="rect">
             <a:avLst/>
@@ -6236,7 +6420,7 @@
           <a:noFill/>
           <a:ln>
             <a:solidFill>
-              <a:schemeClr val="accent6"/>
+              <a:schemeClr val="accent4"/>
             </a:solidFill>
           </a:ln>
         </p:spPr>
@@ -7642,6 +7826,58 @@
                 <a:schemeClr val="accent6"/>
               </a:solidFill>
             </a:endParaRPr>
+          </a:p>
+        </p:txBody>
+      </p:sp>
+      <p:sp>
+        <p:nvSpPr>
+          <p:cNvPr id="4" name="Rectangle 3">
+            <a:extLst>
+              <a:ext uri="{FF2B5EF4-FFF2-40B4-BE49-F238E27FC236}">
+                <a16:creationId xmlns:a16="http://schemas.microsoft.com/office/drawing/2014/main" id="{1C2C0D0A-EB27-4048-9E16-E8117BA65326}"/>
+              </a:ext>
+            </a:extLst>
+          </p:cNvPr>
+          <p:cNvSpPr/>
+          <p:nvPr/>
+        </p:nvSpPr>
+        <p:spPr>
+          <a:xfrm>
+            <a:off x="201974" y="4015821"/>
+            <a:ext cx="4294911" cy="2201471"/>
+          </a:xfrm>
+          <a:prstGeom prst="rect">
+            <a:avLst/>
+          </a:prstGeom>
+          <a:noFill/>
+          <a:ln>
+            <a:solidFill>
+              <a:schemeClr val="accent6"/>
+            </a:solidFill>
+          </a:ln>
+        </p:spPr>
+        <p:style>
+          <a:lnRef idx="2">
+            <a:schemeClr val="accent1">
+              <a:shade val="50000"/>
+            </a:schemeClr>
+          </a:lnRef>
+          <a:fillRef idx="1">
+            <a:schemeClr val="accent1"/>
+          </a:fillRef>
+          <a:effectRef idx="0">
+            <a:schemeClr val="accent1"/>
+          </a:effectRef>
+          <a:fontRef idx="minor">
+            <a:schemeClr val="lt1"/>
+          </a:fontRef>
+        </p:style>
+        <p:txBody>
+          <a:bodyPr rtlCol="0" anchor="ctr"/>
+          <a:lstStyle/>
+          <a:p>
+            <a:pPr algn="ctr"/>
+            <a:endParaRPr lang="en-BE"/>
           </a:p>
         </p:txBody>
       </p:sp>

--- a/maquette.pptx
+++ b/maquette.pptx
@@ -114,6 +114,246 @@
 
 <file path=ppt/changesInfos/changesInfo1.xml><?xml version="1.0" encoding="utf-8"?>
 <pc:chgInfo xmlns:a="http://schemas.openxmlformats.org/drawingml/2006/main" xmlns:r="http://schemas.openxmlformats.org/officeDocument/2006/relationships" xmlns:ac="http://schemas.microsoft.com/office/drawing/2013/main/command" xmlns:pc="http://schemas.microsoft.com/office/powerpoint/2013/main/command">
+  <pc:docChgLst>
+    <pc:chgData name="Fabrice" userId="cd3130c1f59029cf" providerId="LiveId" clId="{23ED2170-82A5-4620-BF0F-89B57C48E960}"/>
+    <pc:docChg chg="custSel modSld">
+      <pc:chgData name="Fabrice" userId="cd3130c1f59029cf" providerId="LiveId" clId="{23ED2170-82A5-4620-BF0F-89B57C48E960}" dt="2021-06-28T14:24:41.990" v="250"/>
+      <pc:docMkLst>
+        <pc:docMk/>
+      </pc:docMkLst>
+      <pc:sldChg chg="delSp modSp mod">
+        <pc:chgData name="Fabrice" userId="cd3130c1f59029cf" providerId="LiveId" clId="{23ED2170-82A5-4620-BF0F-89B57C48E960}" dt="2021-06-28T14:24:41.990" v="250"/>
+        <pc:sldMkLst>
+          <pc:docMk/>
+          <pc:sldMk cId="3917275153" sldId="256"/>
+        </pc:sldMkLst>
+        <pc:spChg chg="mod">
+          <ac:chgData name="Fabrice" userId="cd3130c1f59029cf" providerId="LiveId" clId="{23ED2170-82A5-4620-BF0F-89B57C48E960}" dt="2021-06-28T14:17:34.974" v="0" actId="14100"/>
+          <ac:spMkLst>
+            <pc:docMk/>
+            <pc:sldMk cId="3917275153" sldId="256"/>
+            <ac:spMk id="6" creationId="{03FC4BE9-7661-433E-8614-FC96F067B4C8}"/>
+          </ac:spMkLst>
+        </pc:spChg>
+        <pc:spChg chg="mod">
+          <ac:chgData name="Fabrice" userId="cd3130c1f59029cf" providerId="LiveId" clId="{23ED2170-82A5-4620-BF0F-89B57C48E960}" dt="2021-06-28T14:19:15.181" v="19" actId="14100"/>
+          <ac:spMkLst>
+            <pc:docMk/>
+            <pc:sldMk cId="3917275153" sldId="256"/>
+            <ac:spMk id="11" creationId="{E6D8D750-ABAF-4832-A2CE-FE13B4D9EB24}"/>
+          </ac:spMkLst>
+        </pc:spChg>
+        <pc:spChg chg="mod">
+          <ac:chgData name="Fabrice" userId="cd3130c1f59029cf" providerId="LiveId" clId="{23ED2170-82A5-4620-BF0F-89B57C48E960}" dt="2021-06-28T14:17:44.519" v="1" actId="1076"/>
+          <ac:spMkLst>
+            <pc:docMk/>
+            <pc:sldMk cId="3917275153" sldId="256"/>
+            <ac:spMk id="13" creationId="{0371EB67-A19F-402D-AE9A-75CC2C088C35}"/>
+          </ac:spMkLst>
+        </pc:spChg>
+        <pc:spChg chg="mod">
+          <ac:chgData name="Fabrice" userId="cd3130c1f59029cf" providerId="LiveId" clId="{23ED2170-82A5-4620-BF0F-89B57C48E960}" dt="2021-06-28T14:19:33.999" v="22" actId="1076"/>
+          <ac:spMkLst>
+            <pc:docMk/>
+            <pc:sldMk cId="3917275153" sldId="256"/>
+            <ac:spMk id="14" creationId="{A3E61F0D-CB53-43B4-97ED-5DACD7BB1531}"/>
+          </ac:spMkLst>
+        </pc:spChg>
+        <pc:spChg chg="mod">
+          <ac:chgData name="Fabrice" userId="cd3130c1f59029cf" providerId="LiveId" clId="{23ED2170-82A5-4620-BF0F-89B57C48E960}" dt="2021-06-28T14:18:17.107" v="2" actId="14100"/>
+          <ac:spMkLst>
+            <pc:docMk/>
+            <pc:sldMk cId="3917275153" sldId="256"/>
+            <ac:spMk id="16" creationId="{815196AE-28FA-487B-BBCF-C9DE298B5FE7}"/>
+          </ac:spMkLst>
+        </pc:spChg>
+        <pc:spChg chg="mod">
+          <ac:chgData name="Fabrice" userId="cd3130c1f59029cf" providerId="LiveId" clId="{23ED2170-82A5-4620-BF0F-89B57C48E960}" dt="2021-06-28T14:19:27.855" v="21" actId="14100"/>
+          <ac:spMkLst>
+            <pc:docMk/>
+            <pc:sldMk cId="3917275153" sldId="256"/>
+            <ac:spMk id="17" creationId="{6363F995-CEC3-447D-BCD5-ECB7C30A39B8}"/>
+          </ac:spMkLst>
+        </pc:spChg>
+        <pc:spChg chg="mod">
+          <ac:chgData name="Fabrice" userId="cd3130c1f59029cf" providerId="LiveId" clId="{23ED2170-82A5-4620-BF0F-89B57C48E960}" dt="2021-06-28T14:18:42.341" v="11" actId="20577"/>
+          <ac:spMkLst>
+            <pc:docMk/>
+            <pc:sldMk cId="3917275153" sldId="256"/>
+            <ac:spMk id="24" creationId="{F6DE365D-A3E5-4D3E-A549-8C97A2A36090}"/>
+          </ac:spMkLst>
+        </pc:spChg>
+        <pc:spChg chg="mod">
+          <ac:chgData name="Fabrice" userId="cd3130c1f59029cf" providerId="LiveId" clId="{23ED2170-82A5-4620-BF0F-89B57C48E960}" dt="2021-06-28T14:21:24.736" v="54" actId="20577"/>
+          <ac:spMkLst>
+            <pc:docMk/>
+            <pc:sldMk cId="3917275153" sldId="256"/>
+            <ac:spMk id="27" creationId="{68F72EF5-D8CF-417F-8EB4-DBD4A2392023}"/>
+          </ac:spMkLst>
+        </pc:spChg>
+        <pc:spChg chg="mod">
+          <ac:chgData name="Fabrice" userId="cd3130c1f59029cf" providerId="LiveId" clId="{23ED2170-82A5-4620-BF0F-89B57C48E960}" dt="2021-06-28T14:22:39.196" v="123" actId="20577"/>
+          <ac:spMkLst>
+            <pc:docMk/>
+            <pc:sldMk cId="3917275153" sldId="256"/>
+            <ac:spMk id="29" creationId="{4845E4ED-7189-42C2-9AE6-5DD6CB361090}"/>
+          </ac:spMkLst>
+        </pc:spChg>
+        <pc:spChg chg="mod">
+          <ac:chgData name="Fabrice" userId="cd3130c1f59029cf" providerId="LiveId" clId="{23ED2170-82A5-4620-BF0F-89B57C48E960}" dt="2021-06-28T14:24:20.537" v="213" actId="20577"/>
+          <ac:spMkLst>
+            <pc:docMk/>
+            <pc:sldMk cId="3917275153" sldId="256"/>
+            <ac:spMk id="30" creationId="{42D066B1-E863-4F58-A5A2-17E7BB4B1066}"/>
+          </ac:spMkLst>
+        </pc:spChg>
+        <pc:spChg chg="mod">
+          <ac:chgData name="Fabrice" userId="cd3130c1f59029cf" providerId="LiveId" clId="{23ED2170-82A5-4620-BF0F-89B57C48E960}" dt="2021-06-28T14:24:31.300" v="249" actId="20577"/>
+          <ac:spMkLst>
+            <pc:docMk/>
+            <pc:sldMk cId="3917275153" sldId="256"/>
+            <ac:spMk id="31" creationId="{5B92E21E-9053-4362-877E-A36FCAB37E4F}"/>
+          </ac:spMkLst>
+        </pc:spChg>
+        <pc:spChg chg="mod">
+          <ac:chgData name="Fabrice" userId="cd3130c1f59029cf" providerId="LiveId" clId="{23ED2170-82A5-4620-BF0F-89B57C48E960}" dt="2021-06-28T14:24:41.990" v="250"/>
+          <ac:spMkLst>
+            <pc:docMk/>
+            <pc:sldMk cId="3917275153" sldId="256"/>
+            <ac:spMk id="32" creationId="{73818DF7-5CAB-4939-83EC-53E2BB14CECA}"/>
+          </ac:spMkLst>
+        </pc:spChg>
+        <pc:spChg chg="mod">
+          <ac:chgData name="Fabrice" userId="cd3130c1f59029cf" providerId="LiveId" clId="{23ED2170-82A5-4620-BF0F-89B57C48E960}" dt="2021-06-28T14:20:31.069" v="27" actId="14100"/>
+          <ac:spMkLst>
+            <pc:docMk/>
+            <pc:sldMk cId="3917275153" sldId="256"/>
+            <ac:spMk id="34" creationId="{A09F9EE3-E4EC-46EF-B676-0CDE88B2A955}"/>
+          </ac:spMkLst>
+        </pc:spChg>
+        <pc:spChg chg="del">
+          <ac:chgData name="Fabrice" userId="cd3130c1f59029cf" providerId="LiveId" clId="{23ED2170-82A5-4620-BF0F-89B57C48E960}" dt="2021-06-28T14:20:15.893" v="23" actId="478"/>
+          <ac:spMkLst>
+            <pc:docMk/>
+            <pc:sldMk cId="3917275153" sldId="256"/>
+            <ac:spMk id="35" creationId="{38A76EF8-8015-4D32-BFCD-7AEB19549E57}"/>
+          </ac:spMkLst>
+        </pc:spChg>
+        <pc:spChg chg="mod">
+          <ac:chgData name="Fabrice" userId="cd3130c1f59029cf" providerId="LiveId" clId="{23ED2170-82A5-4620-BF0F-89B57C48E960}" dt="2021-06-28T14:18:48.006" v="18" actId="20577"/>
+          <ac:spMkLst>
+            <pc:docMk/>
+            <pc:sldMk cId="3917275153" sldId="256"/>
+            <ac:spMk id="52" creationId="{F65387A7-59B3-4AD0-97A8-9FD9FDEA00EF}"/>
+          </ac:spMkLst>
+        </pc:spChg>
+        <pc:spChg chg="mod">
+          <ac:chgData name="Fabrice" userId="cd3130c1f59029cf" providerId="LiveId" clId="{23ED2170-82A5-4620-BF0F-89B57C48E960}" dt="2021-06-28T14:20:39.228" v="33" actId="20577"/>
+          <ac:spMkLst>
+            <pc:docMk/>
+            <pc:sldMk cId="3917275153" sldId="256"/>
+            <ac:spMk id="53" creationId="{E15A3429-E91C-4499-AD4C-B7C7C116661C}"/>
+          </ac:spMkLst>
+        </pc:spChg>
+        <pc:spChg chg="del mod">
+          <ac:chgData name="Fabrice" userId="cd3130c1f59029cf" providerId="LiveId" clId="{23ED2170-82A5-4620-BF0F-89B57C48E960}" dt="2021-06-28T14:20:25.266" v="26" actId="21"/>
+          <ac:spMkLst>
+            <pc:docMk/>
+            <pc:sldMk cId="3917275153" sldId="256"/>
+            <ac:spMk id="54" creationId="{D0CF92CE-0D2E-4944-A928-CF7189E71D76}"/>
+          </ac:spMkLst>
+        </pc:spChg>
+        <pc:spChg chg="mod">
+          <ac:chgData name="Fabrice" userId="cd3130c1f59029cf" providerId="LiveId" clId="{23ED2170-82A5-4620-BF0F-89B57C48E960}" dt="2021-06-28T14:19:24.088" v="20" actId="14100"/>
+          <ac:spMkLst>
+            <pc:docMk/>
+            <pc:sldMk cId="3917275153" sldId="256"/>
+            <ac:spMk id="55" creationId="{8CD55DBA-B3DF-484D-90F1-C04C36BAC0EB}"/>
+          </ac:spMkLst>
+        </pc:spChg>
+        <pc:spChg chg="mod">
+          <ac:chgData name="Fabrice" userId="cd3130c1f59029cf" providerId="LiveId" clId="{23ED2170-82A5-4620-BF0F-89B57C48E960}" dt="2021-06-28T14:21:21.120" v="52" actId="20577"/>
+          <ac:spMkLst>
+            <pc:docMk/>
+            <pc:sldMk cId="3917275153" sldId="256"/>
+            <ac:spMk id="57" creationId="{6B58A52D-323F-4890-BDB1-44B704245B88}"/>
+          </ac:spMkLst>
+        </pc:spChg>
+        <pc:spChg chg="mod">
+          <ac:chgData name="Fabrice" userId="cd3130c1f59029cf" providerId="LiveId" clId="{23ED2170-82A5-4620-BF0F-89B57C48E960}" dt="2021-06-28T14:21:15.256" v="45" actId="20577"/>
+          <ac:spMkLst>
+            <pc:docMk/>
+            <pc:sldMk cId="3917275153" sldId="256"/>
+            <ac:spMk id="58" creationId="{E3AED526-FC08-43C6-B5C5-B2024FC7813E}"/>
+          </ac:spMkLst>
+        </pc:spChg>
+        <pc:spChg chg="mod">
+          <ac:chgData name="Fabrice" userId="cd3130c1f59029cf" providerId="LiveId" clId="{23ED2170-82A5-4620-BF0F-89B57C48E960}" dt="2021-06-28T14:21:44.740" v="69" actId="20577"/>
+          <ac:spMkLst>
+            <pc:docMk/>
+            <pc:sldMk cId="3917275153" sldId="256"/>
+            <ac:spMk id="59" creationId="{F689B7D2-5FD4-45A0-9773-66B88479758F}"/>
+          </ac:spMkLst>
+        </pc:spChg>
+        <pc:spChg chg="mod">
+          <ac:chgData name="Fabrice" userId="cd3130c1f59029cf" providerId="LiveId" clId="{23ED2170-82A5-4620-BF0F-89B57C48E960}" dt="2021-06-28T14:21:55.259" v="77" actId="20577"/>
+          <ac:spMkLst>
+            <pc:docMk/>
+            <pc:sldMk cId="3917275153" sldId="256"/>
+            <ac:spMk id="60" creationId="{A0C9922B-66B4-444C-9939-3C9C726A5660}"/>
+          </ac:spMkLst>
+        </pc:spChg>
+        <pc:spChg chg="mod">
+          <ac:chgData name="Fabrice" userId="cd3130c1f59029cf" providerId="LiveId" clId="{23ED2170-82A5-4620-BF0F-89B57C48E960}" dt="2021-06-28T14:22:15.954" v="98" actId="6549"/>
+          <ac:spMkLst>
+            <pc:docMk/>
+            <pc:sldMk cId="3917275153" sldId="256"/>
+            <ac:spMk id="61" creationId="{11FDBBE8-D944-40E6-9145-63281DB7DABF}"/>
+          </ac:spMkLst>
+        </pc:spChg>
+        <pc:spChg chg="mod">
+          <ac:chgData name="Fabrice" userId="cd3130c1f59029cf" providerId="LiveId" clId="{23ED2170-82A5-4620-BF0F-89B57C48E960}" dt="2021-06-28T14:22:47.065" v="140" actId="20577"/>
+          <ac:spMkLst>
+            <pc:docMk/>
+            <pc:sldMk cId="3917275153" sldId="256"/>
+            <ac:spMk id="62" creationId="{3ECC8D7C-8B8B-4008-BC00-70D7C86F24D3}"/>
+          </ac:spMkLst>
+        </pc:spChg>
+        <pc:spChg chg="mod">
+          <ac:chgData name="Fabrice" userId="cd3130c1f59029cf" providerId="LiveId" clId="{23ED2170-82A5-4620-BF0F-89B57C48E960}" dt="2021-06-28T14:23:19.162" v="180" actId="20577"/>
+          <ac:spMkLst>
+            <pc:docMk/>
+            <pc:sldMk cId="3917275153" sldId="256"/>
+            <ac:spMk id="63" creationId="{631F0C02-676B-4EB4-AEAC-3AA150F4EC93}"/>
+          </ac:spMkLst>
+        </pc:spChg>
+        <pc:spChg chg="mod">
+          <ac:chgData name="Fabrice" userId="cd3130c1f59029cf" providerId="LiveId" clId="{23ED2170-82A5-4620-BF0F-89B57C48E960}" dt="2021-06-28T14:22:08.729" v="92" actId="20577"/>
+          <ac:spMkLst>
+            <pc:docMk/>
+            <pc:sldMk cId="3917275153" sldId="256"/>
+            <ac:spMk id="87" creationId="{53AB2F5A-8748-4A48-A55D-B3E7A533CBDF}"/>
+          </ac:spMkLst>
+        </pc:spChg>
+        <pc:spChg chg="mod">
+          <ac:chgData name="Fabrice" userId="cd3130c1f59029cf" providerId="LiveId" clId="{23ED2170-82A5-4620-BF0F-89B57C48E960}" dt="2021-06-28T14:22:32.379" v="113" actId="20577"/>
+          <ac:spMkLst>
+            <pc:docMk/>
+            <pc:sldMk cId="3917275153" sldId="256"/>
+            <ac:spMk id="88" creationId="{92CBEDB4-2192-4B67-A066-EC8132FC825A}"/>
+          </ac:spMkLst>
+        </pc:spChg>
+        <pc:spChg chg="mod">
+          <ac:chgData name="Fabrice" userId="cd3130c1f59029cf" providerId="LiveId" clId="{23ED2170-82A5-4620-BF0F-89B57C48E960}" dt="2021-06-28T14:23:29.138" v="189" actId="20577"/>
+          <ac:spMkLst>
+            <pc:docMk/>
+            <pc:sldMk cId="3917275153" sldId="256"/>
+            <ac:spMk id="111" creationId="{615D27C1-6416-4C0C-8C03-EFDD01EC656A}"/>
+          </ac:spMkLst>
+        </pc:spChg>
+      </pc:sldChg>
+    </pc:docChg>
+  </pc:docChgLst>
   <pc:docChgLst>
     <pc:chgData name="Fabrice Pestel" userId="cd3130c1f59029cf" providerId="LiveId" clId="{23ED2170-82A5-4620-BF0F-89B57C48E960}"/>
     <pc:docChg chg="undo custSel modSld">
@@ -400,7 +640,7 @@
           <a:p>
             <a:fld id="{99051032-7637-48FE-AC7D-486E690C31D3}" type="datetimeFigureOut">
               <a:rPr lang="en-BE" smtClean="0"/>
-              <a:t>05/04/2021</a:t>
+              <a:t>28/06/2021</a:t>
             </a:fld>
             <a:endParaRPr lang="en-BE"/>
           </a:p>
@@ -570,7 +810,7 @@
           <a:p>
             <a:fld id="{99051032-7637-48FE-AC7D-486E690C31D3}" type="datetimeFigureOut">
               <a:rPr lang="en-BE" smtClean="0"/>
-              <a:t>05/04/2021</a:t>
+              <a:t>28/06/2021</a:t>
             </a:fld>
             <a:endParaRPr lang="en-BE"/>
           </a:p>
@@ -750,7 +990,7 @@
           <a:p>
             <a:fld id="{99051032-7637-48FE-AC7D-486E690C31D3}" type="datetimeFigureOut">
               <a:rPr lang="en-BE" smtClean="0"/>
-              <a:t>05/04/2021</a:t>
+              <a:t>28/06/2021</a:t>
             </a:fld>
             <a:endParaRPr lang="en-BE"/>
           </a:p>
@@ -920,7 +1160,7 @@
           <a:p>
             <a:fld id="{99051032-7637-48FE-AC7D-486E690C31D3}" type="datetimeFigureOut">
               <a:rPr lang="en-BE" smtClean="0"/>
-              <a:t>05/04/2021</a:t>
+              <a:t>28/06/2021</a:t>
             </a:fld>
             <a:endParaRPr lang="en-BE"/>
           </a:p>
@@ -1164,7 +1404,7 @@
           <a:p>
             <a:fld id="{99051032-7637-48FE-AC7D-486E690C31D3}" type="datetimeFigureOut">
               <a:rPr lang="en-BE" smtClean="0"/>
-              <a:t>05/04/2021</a:t>
+              <a:t>28/06/2021</a:t>
             </a:fld>
             <a:endParaRPr lang="en-BE"/>
           </a:p>
@@ -1396,7 +1636,7 @@
           <a:p>
             <a:fld id="{99051032-7637-48FE-AC7D-486E690C31D3}" type="datetimeFigureOut">
               <a:rPr lang="en-BE" smtClean="0"/>
-              <a:t>05/04/2021</a:t>
+              <a:t>28/06/2021</a:t>
             </a:fld>
             <a:endParaRPr lang="en-BE"/>
           </a:p>
@@ -1763,7 +2003,7 @@
           <a:p>
             <a:fld id="{99051032-7637-48FE-AC7D-486E690C31D3}" type="datetimeFigureOut">
               <a:rPr lang="en-BE" smtClean="0"/>
-              <a:t>05/04/2021</a:t>
+              <a:t>28/06/2021</a:t>
             </a:fld>
             <a:endParaRPr lang="en-BE"/>
           </a:p>
@@ -1881,7 +2121,7 @@
           <a:p>
             <a:fld id="{99051032-7637-48FE-AC7D-486E690C31D3}" type="datetimeFigureOut">
               <a:rPr lang="en-BE" smtClean="0"/>
-              <a:t>05/04/2021</a:t>
+              <a:t>28/06/2021</a:t>
             </a:fld>
             <a:endParaRPr lang="en-BE"/>
           </a:p>
@@ -1976,7 +2216,7 @@
           <a:p>
             <a:fld id="{99051032-7637-48FE-AC7D-486E690C31D3}" type="datetimeFigureOut">
               <a:rPr lang="en-BE" smtClean="0"/>
-              <a:t>05/04/2021</a:t>
+              <a:t>28/06/2021</a:t>
             </a:fld>
             <a:endParaRPr lang="en-BE"/>
           </a:p>
@@ -2253,7 +2493,7 @@
           <a:p>
             <a:fld id="{99051032-7637-48FE-AC7D-486E690C31D3}" type="datetimeFigureOut">
               <a:rPr lang="en-BE" smtClean="0"/>
-              <a:t>05/04/2021</a:t>
+              <a:t>28/06/2021</a:t>
             </a:fld>
             <a:endParaRPr lang="en-BE"/>
           </a:p>
@@ -2510,7 +2750,7 @@
           <a:p>
             <a:fld id="{99051032-7637-48FE-AC7D-486E690C31D3}" type="datetimeFigureOut">
               <a:rPr lang="en-BE" smtClean="0"/>
-              <a:t>05/04/2021</a:t>
+              <a:t>28/06/2021</a:t>
             </a:fld>
             <a:endParaRPr lang="en-BE"/>
           </a:p>
@@ -2723,7 +2963,7 @@
           <a:p>
             <a:fld id="{99051032-7637-48FE-AC7D-486E690C31D3}" type="datetimeFigureOut">
               <a:rPr lang="en-BE" smtClean="0"/>
-              <a:t>05/04/2021</a:t>
+              <a:t>28/06/2021</a:t>
             </a:fld>
             <a:endParaRPr lang="en-BE"/>
           </a:p>
@@ -3229,7 +3469,7 @@
         <p:spPr>
           <a:xfrm>
             <a:off x="0" y="1607574"/>
-            <a:ext cx="6858000" cy="921774"/>
+            <a:ext cx="6858000" cy="468804"/>
           </a:xfrm>
           <a:prstGeom prst="rect">
             <a:avLst/>
@@ -3280,8 +3520,8 @@
         </p:nvSpPr>
         <p:spPr>
           <a:xfrm>
-            <a:off x="0" y="2529348"/>
-            <a:ext cx="6858000" cy="7012858"/>
+            <a:off x="0" y="2105400"/>
+            <a:ext cx="6858000" cy="7436806"/>
           </a:xfrm>
           <a:prstGeom prst="rect">
             <a:avLst/>
@@ -3384,7 +3624,7 @@
         </p:nvSpPr>
         <p:spPr>
           <a:xfrm>
-            <a:off x="6187375" y="2301040"/>
+            <a:off x="6162081" y="1630446"/>
             <a:ext cx="731290" cy="261610"/>
           </a:xfrm>
           <a:prstGeom prst="rect">
@@ -3420,7 +3660,7 @@
         </p:nvSpPr>
         <p:spPr>
           <a:xfrm>
-            <a:off x="6246935" y="2494936"/>
+            <a:off x="6165235" y="2094744"/>
             <a:ext cx="611065" cy="261610"/>
           </a:xfrm>
           <a:prstGeom prst="rect">
@@ -3500,8 +3740,8 @@
         </p:nvSpPr>
         <p:spPr>
           <a:xfrm>
-            <a:off x="34413" y="1641986"/>
-            <a:ext cx="3534697" cy="852949"/>
+            <a:off x="34413" y="1641987"/>
+            <a:ext cx="3534697" cy="403292"/>
           </a:xfrm>
           <a:prstGeom prst="rect">
             <a:avLst/>
@@ -3560,7 +3800,7 @@
         <p:spPr>
           <a:xfrm>
             <a:off x="3598606" y="1641987"/>
-            <a:ext cx="3215149" cy="689260"/>
+            <a:ext cx="3215149" cy="397344"/>
           </a:xfrm>
           <a:prstGeom prst="rect">
             <a:avLst/>
@@ -3924,7 +4164,7 @@
         <p:spPr>
           <a:xfrm>
             <a:off x="2641963" y="1585691"/>
-            <a:ext cx="790601" cy="261610"/>
+            <a:ext cx="808235" cy="261610"/>
           </a:xfrm>
           <a:prstGeom prst="rect">
             <a:avLst/>
@@ -3943,23 +4183,7 @@
                   <a:srgbClr val="FF0000"/>
                 </a:solidFill>
               </a:rPr>
-              <a:t>&lt;div .</a:t>
-            </a:r>
-            <a:r>
-              <a:rPr lang="fr-FR" sz="1100" dirty="0" err="1">
-                <a:solidFill>
-                  <a:srgbClr val="FF0000"/>
-                </a:solidFill>
-              </a:rPr>
-              <a:t>title</a:t>
-            </a:r>
-            <a:r>
-              <a:rPr lang="fr-FR" sz="1100" dirty="0">
-                <a:solidFill>
-                  <a:srgbClr val="FF0000"/>
-                </a:solidFill>
-              </a:rPr>
-              <a:t>&gt;</a:t>
+              <a:t>&lt;div .logo&gt;</a:t>
             </a:r>
             <a:endParaRPr lang="en-BE" sz="1100" dirty="0">
               <a:solidFill>
@@ -4044,7 +4268,7 @@
         <p:spPr>
           <a:xfrm>
             <a:off x="4827221" y="2529348"/>
-            <a:ext cx="1539204" cy="261610"/>
+            <a:ext cx="1178528" cy="261610"/>
           </a:xfrm>
           <a:prstGeom prst="rect">
             <a:avLst/>
@@ -4063,7 +4287,23 @@
                   <a:srgbClr val="FF0000"/>
                 </a:solidFill>
               </a:rPr>
-              <a:t>&lt;section #search_area&gt;</a:t>
+              <a:t>&lt;section .</a:t>
+            </a:r>
+            <a:r>
+              <a:rPr lang="fr-FR" sz="1100" dirty="0" err="1">
+                <a:solidFill>
+                  <a:srgbClr val="FF0000"/>
+                </a:solidFill>
+              </a:rPr>
+              <a:t>search</a:t>
+            </a:r>
+            <a:r>
+              <a:rPr lang="fr-FR" sz="1100" dirty="0">
+                <a:solidFill>
+                  <a:srgbClr val="FF0000"/>
+                </a:solidFill>
+              </a:rPr>
+              <a:t>&gt;</a:t>
             </a:r>
             <a:endParaRPr lang="en-BE" sz="1100" dirty="0">
               <a:solidFill>
@@ -4132,7 +4372,7 @@
         <p:spPr>
           <a:xfrm>
             <a:off x="5536485" y="6749192"/>
-            <a:ext cx="1343638" cy="261610"/>
+            <a:ext cx="865943" cy="261610"/>
           </a:xfrm>
           <a:prstGeom prst="rect">
             <a:avLst/>
@@ -4151,7 +4391,23 @@
                   <a:srgbClr val="FF0000"/>
                 </a:solidFill>
               </a:rPr>
-              <a:t>&lt;section #activities&gt;</a:t>
+              <a:t>&lt;.</a:t>
+            </a:r>
+            <a:r>
+              <a:rPr lang="fr-FR" sz="1100" dirty="0" err="1">
+                <a:solidFill>
+                  <a:srgbClr val="FF0000"/>
+                </a:solidFill>
+              </a:rPr>
+              <a:t>activities</a:t>
+            </a:r>
+            <a:r>
+              <a:rPr lang="fr-FR" sz="1100" dirty="0">
+                <a:solidFill>
+                  <a:srgbClr val="FF0000"/>
+                </a:solidFill>
+              </a:rPr>
+              <a:t>&gt;</a:t>
             </a:r>
             <a:endParaRPr lang="en-BE" sz="1100" dirty="0">
               <a:solidFill>
@@ -4176,7 +4432,7 @@
         <p:spPr>
           <a:xfrm>
             <a:off x="765910" y="9542206"/>
-            <a:ext cx="933269" cy="261610"/>
+            <a:ext cx="1116011" cy="261610"/>
           </a:xfrm>
           <a:prstGeom prst="rect">
             <a:avLst/>
@@ -4195,7 +4451,23 @@
                   <a:srgbClr val="FF0000"/>
                 </a:solidFill>
               </a:rPr>
-              <a:t>&lt;div #about&gt;</a:t>
+              <a:t>&lt;.</a:t>
+            </a:r>
+            <a:r>
+              <a:rPr lang="fr-FR" sz="1100" dirty="0" err="1">
+                <a:solidFill>
+                  <a:srgbClr val="FF0000"/>
+                </a:solidFill>
+              </a:rPr>
+              <a:t>footer</a:t>
+            </a:r>
+            <a:r>
+              <a:rPr lang="fr-FR" sz="1100" dirty="0">
+                <a:solidFill>
+                  <a:srgbClr val="FF0000"/>
+                </a:solidFill>
+              </a:rPr>
+              <a:t>__links&gt;</a:t>
             </a:r>
             <a:endParaRPr lang="en-BE" sz="1100" dirty="0">
               <a:solidFill>
@@ -4220,7 +4492,7 @@
         <p:spPr>
           <a:xfrm>
             <a:off x="2937555" y="9531847"/>
-            <a:ext cx="1733167" cy="261610"/>
+            <a:ext cx="1116011" cy="261610"/>
           </a:xfrm>
           <a:prstGeom prst="rect">
             <a:avLst/>
@@ -4239,7 +4511,23 @@
                   <a:srgbClr val="FF0000"/>
                 </a:solidFill>
               </a:rPr>
-              <a:t>&lt;div #our_accomodations&gt;</a:t>
+              <a:t>&lt;.</a:t>
+            </a:r>
+            <a:r>
+              <a:rPr lang="fr-FR" sz="1100" dirty="0" err="1">
+                <a:solidFill>
+                  <a:srgbClr val="FF0000"/>
+                </a:solidFill>
+              </a:rPr>
+              <a:t>footer</a:t>
+            </a:r>
+            <a:r>
+              <a:rPr lang="fr-FR" sz="1100" dirty="0">
+                <a:solidFill>
+                  <a:srgbClr val="FF0000"/>
+                </a:solidFill>
+              </a:rPr>
+              <a:t>__links&gt;</a:t>
             </a:r>
             <a:endParaRPr lang="en-BE" sz="1100" dirty="0">
               <a:solidFill>
@@ -4264,7 +4552,7 @@
         <p:spPr>
           <a:xfrm>
             <a:off x="5187897" y="9557675"/>
-            <a:ext cx="1178528" cy="261610"/>
+            <a:ext cx="1116011" cy="261610"/>
           </a:xfrm>
           <a:prstGeom prst="rect">
             <a:avLst/>
@@ -4283,7 +4571,23 @@
                   <a:srgbClr val="FF0000"/>
                 </a:solidFill>
               </a:rPr>
-              <a:t>&lt;div #assistance&gt;</a:t>
+              <a:t>&lt;.</a:t>
+            </a:r>
+            <a:r>
+              <a:rPr lang="fr-FR" sz="1100" dirty="0" err="1">
+                <a:solidFill>
+                  <a:srgbClr val="FF0000"/>
+                </a:solidFill>
+              </a:rPr>
+              <a:t>footer</a:t>
+            </a:r>
+            <a:r>
+              <a:rPr lang="fr-FR" sz="1100" dirty="0">
+                <a:solidFill>
+                  <a:srgbClr val="FF0000"/>
+                </a:solidFill>
+              </a:rPr>
+              <a:t>__links&gt;</a:t>
             </a:r>
             <a:endParaRPr lang="en-BE" sz="1100" dirty="0">
               <a:solidFill>
@@ -4360,7 +4664,7 @@
         <p:spPr>
           <a:xfrm>
             <a:off x="101408" y="2066446"/>
-            <a:ext cx="3436533" cy="271352"/>
+            <a:ext cx="3436533" cy="406978"/>
           </a:xfrm>
           <a:prstGeom prst="rect">
             <a:avLst/>
@@ -4399,10 +4703,10 @@
       </p:sp>
       <p:sp>
         <p:nvSpPr>
-          <p:cNvPr id="35" name="Rectangle 34">
-            <a:extLst>
-              <a:ext uri="{FF2B5EF4-FFF2-40B4-BE49-F238E27FC236}">
-                <a16:creationId xmlns:a16="http://schemas.microsoft.com/office/drawing/2014/main" id="{38A76EF8-8015-4D32-BFCD-7AEB19549E57}"/>
+          <p:cNvPr id="39" name="Rectangle 38">
+            <a:extLst>
+              <a:ext uri="{FF2B5EF4-FFF2-40B4-BE49-F238E27FC236}">
+                <a16:creationId xmlns:a16="http://schemas.microsoft.com/office/drawing/2014/main" id="{70544949-4CF4-4B70-8FF6-83F8DA9D3FD1}"/>
               </a:ext>
             </a:extLst>
           </p:cNvPr>
@@ -4411,8 +4715,8 @@
         </p:nvSpPr>
         <p:spPr>
           <a:xfrm>
-            <a:off x="101408" y="2359681"/>
-            <a:ext cx="3436533" cy="122045"/>
+            <a:off x="101408" y="2576745"/>
+            <a:ext cx="4620717" cy="244647"/>
           </a:xfrm>
           <a:prstGeom prst="rect">
             <a:avLst/>
@@ -4451,10 +4755,10 @@
       </p:sp>
       <p:sp>
         <p:nvSpPr>
-          <p:cNvPr id="39" name="Rectangle 38">
-            <a:extLst>
-              <a:ext uri="{FF2B5EF4-FFF2-40B4-BE49-F238E27FC236}">
-                <a16:creationId xmlns:a16="http://schemas.microsoft.com/office/drawing/2014/main" id="{70544949-4CF4-4B70-8FF6-83F8DA9D3FD1}"/>
+          <p:cNvPr id="40" name="Rectangle 39">
+            <a:extLst>
+              <a:ext uri="{FF2B5EF4-FFF2-40B4-BE49-F238E27FC236}">
+                <a16:creationId xmlns:a16="http://schemas.microsoft.com/office/drawing/2014/main" id="{7A615193-EC7C-4F3C-912A-5D523178437F}"/>
               </a:ext>
             </a:extLst>
           </p:cNvPr>
@@ -4463,8 +4767,8 @@
         </p:nvSpPr>
         <p:spPr>
           <a:xfrm>
-            <a:off x="101408" y="2576745"/>
-            <a:ext cx="4620717" cy="244647"/>
+            <a:off x="101408" y="2844800"/>
+            <a:ext cx="6134057" cy="375863"/>
           </a:xfrm>
           <a:prstGeom prst="rect">
             <a:avLst/>
@@ -4503,10 +4807,10 @@
       </p:sp>
       <p:sp>
         <p:nvSpPr>
-          <p:cNvPr id="40" name="Rectangle 39">
-            <a:extLst>
-              <a:ext uri="{FF2B5EF4-FFF2-40B4-BE49-F238E27FC236}">
-                <a16:creationId xmlns:a16="http://schemas.microsoft.com/office/drawing/2014/main" id="{7A615193-EC7C-4F3C-912A-5D523178437F}"/>
+          <p:cNvPr id="41" name="Rectangle 40">
+            <a:extLst>
+              <a:ext uri="{FF2B5EF4-FFF2-40B4-BE49-F238E27FC236}">
+                <a16:creationId xmlns:a16="http://schemas.microsoft.com/office/drawing/2014/main" id="{8F4B9ABD-A807-42A8-AC44-64AB562EDE00}"/>
               </a:ext>
             </a:extLst>
           </p:cNvPr>
@@ -4515,8 +4819,8 @@
         </p:nvSpPr>
         <p:spPr>
           <a:xfrm>
-            <a:off x="101408" y="2844800"/>
-            <a:ext cx="6134057" cy="375863"/>
+            <a:off x="101408" y="3263476"/>
+            <a:ext cx="3133111" cy="236635"/>
           </a:xfrm>
           <a:prstGeom prst="rect">
             <a:avLst/>
@@ -4555,10 +4859,10 @@
       </p:sp>
       <p:sp>
         <p:nvSpPr>
-          <p:cNvPr id="41" name="Rectangle 40">
-            <a:extLst>
-              <a:ext uri="{FF2B5EF4-FFF2-40B4-BE49-F238E27FC236}">
-                <a16:creationId xmlns:a16="http://schemas.microsoft.com/office/drawing/2014/main" id="{8F4B9ABD-A807-42A8-AC44-64AB562EDE00}"/>
+          <p:cNvPr id="42" name="Rectangle 41">
+            <a:extLst>
+              <a:ext uri="{FF2B5EF4-FFF2-40B4-BE49-F238E27FC236}">
+                <a16:creationId xmlns:a16="http://schemas.microsoft.com/office/drawing/2014/main" id="{B12A4762-7CB2-4E5E-B1B4-74F07EFB7FCF}"/>
               </a:ext>
             </a:extLst>
           </p:cNvPr>
@@ -4567,8 +4871,8 @@
         </p:nvSpPr>
         <p:spPr>
           <a:xfrm>
-            <a:off x="101408" y="3263476"/>
-            <a:ext cx="3133111" cy="236635"/>
+            <a:off x="101408" y="3604195"/>
+            <a:ext cx="4402353" cy="3065011"/>
           </a:xfrm>
           <a:prstGeom prst="rect">
             <a:avLst/>
@@ -4607,10 +4911,10 @@
       </p:sp>
       <p:sp>
         <p:nvSpPr>
-          <p:cNvPr id="42" name="Rectangle 41">
-            <a:extLst>
-              <a:ext uri="{FF2B5EF4-FFF2-40B4-BE49-F238E27FC236}">
-                <a16:creationId xmlns:a16="http://schemas.microsoft.com/office/drawing/2014/main" id="{B12A4762-7CB2-4E5E-B1B4-74F07EFB7FCF}"/>
+          <p:cNvPr id="43" name="Rectangle 42">
+            <a:extLst>
+              <a:ext uri="{FF2B5EF4-FFF2-40B4-BE49-F238E27FC236}">
+                <a16:creationId xmlns:a16="http://schemas.microsoft.com/office/drawing/2014/main" id="{6A0124C0-D49D-4757-9DC0-60E6F6095B98}"/>
               </a:ext>
             </a:extLst>
           </p:cNvPr>
@@ -4619,8 +4923,8 @@
         </p:nvSpPr>
         <p:spPr>
           <a:xfrm>
-            <a:off x="101408" y="3604195"/>
-            <a:ext cx="4402353" cy="3065011"/>
+            <a:off x="4543090" y="3606141"/>
+            <a:ext cx="2213502" cy="3063065"/>
           </a:xfrm>
           <a:prstGeom prst="rect">
             <a:avLst/>
@@ -4659,10 +4963,10 @@
       </p:sp>
       <p:sp>
         <p:nvSpPr>
-          <p:cNvPr id="43" name="Rectangle 42">
-            <a:extLst>
-              <a:ext uri="{FF2B5EF4-FFF2-40B4-BE49-F238E27FC236}">
-                <a16:creationId xmlns:a16="http://schemas.microsoft.com/office/drawing/2014/main" id="{6A0124C0-D49D-4757-9DC0-60E6F6095B98}"/>
+          <p:cNvPr id="44" name="Rectangle 43">
+            <a:extLst>
+              <a:ext uri="{FF2B5EF4-FFF2-40B4-BE49-F238E27FC236}">
+                <a16:creationId xmlns:a16="http://schemas.microsoft.com/office/drawing/2014/main" id="{5979B28A-876B-4CFA-9B29-5733A19B6BE4}"/>
               </a:ext>
             </a:extLst>
           </p:cNvPr>
@@ -4671,8 +4975,8 @@
         </p:nvSpPr>
         <p:spPr>
           <a:xfrm>
-            <a:off x="4543090" y="3606141"/>
-            <a:ext cx="2213502" cy="3063065"/>
+            <a:off x="101408" y="6810233"/>
+            <a:ext cx="2450723" cy="255781"/>
           </a:xfrm>
           <a:prstGeom prst="rect">
             <a:avLst/>
@@ -4711,10 +5015,10 @@
       </p:sp>
       <p:sp>
         <p:nvSpPr>
-          <p:cNvPr id="44" name="Rectangle 43">
-            <a:extLst>
-              <a:ext uri="{FF2B5EF4-FFF2-40B4-BE49-F238E27FC236}">
-                <a16:creationId xmlns:a16="http://schemas.microsoft.com/office/drawing/2014/main" id="{5979B28A-876B-4CFA-9B29-5733A19B6BE4}"/>
+          <p:cNvPr id="45" name="Rectangle 44">
+            <a:extLst>
+              <a:ext uri="{FF2B5EF4-FFF2-40B4-BE49-F238E27FC236}">
+                <a16:creationId xmlns:a16="http://schemas.microsoft.com/office/drawing/2014/main" id="{72C6118A-0104-438F-B09F-EFC959AE8E66}"/>
               </a:ext>
             </a:extLst>
           </p:cNvPr>
@@ -4723,8 +5027,8 @@
         </p:nvSpPr>
         <p:spPr>
           <a:xfrm>
-            <a:off x="101408" y="6810233"/>
-            <a:ext cx="2450723" cy="255781"/>
+            <a:off x="101408" y="7098276"/>
+            <a:ext cx="6655184" cy="2252380"/>
           </a:xfrm>
           <a:prstGeom prst="rect">
             <a:avLst/>
@@ -4763,10 +5067,10 @@
       </p:sp>
       <p:sp>
         <p:nvSpPr>
-          <p:cNvPr id="45" name="Rectangle 44">
-            <a:extLst>
-              <a:ext uri="{FF2B5EF4-FFF2-40B4-BE49-F238E27FC236}">
-                <a16:creationId xmlns:a16="http://schemas.microsoft.com/office/drawing/2014/main" id="{72C6118A-0104-438F-B09F-EFC959AE8E66}"/>
+          <p:cNvPr id="46" name="Rectangle 45">
+            <a:extLst>
+              <a:ext uri="{FF2B5EF4-FFF2-40B4-BE49-F238E27FC236}">
+                <a16:creationId xmlns:a16="http://schemas.microsoft.com/office/drawing/2014/main" id="{23E8D32C-82F8-4BD8-9561-D4B3FC817747}"/>
               </a:ext>
             </a:extLst>
           </p:cNvPr>
@@ -4775,8 +5079,8 @@
         </p:nvSpPr>
         <p:spPr>
           <a:xfrm>
-            <a:off x="101408" y="7098276"/>
-            <a:ext cx="6655184" cy="2252380"/>
+            <a:off x="209266" y="9740307"/>
+            <a:ext cx="1206579" cy="132816"/>
           </a:xfrm>
           <a:prstGeom prst="rect">
             <a:avLst/>
@@ -4815,10 +5119,10 @@
       </p:sp>
       <p:sp>
         <p:nvSpPr>
-          <p:cNvPr id="46" name="Rectangle 45">
-            <a:extLst>
-              <a:ext uri="{FF2B5EF4-FFF2-40B4-BE49-F238E27FC236}">
-                <a16:creationId xmlns:a16="http://schemas.microsoft.com/office/drawing/2014/main" id="{23E8D32C-82F8-4BD8-9561-D4B3FC817747}"/>
+          <p:cNvPr id="47" name="Rectangle 46">
+            <a:extLst>
+              <a:ext uri="{FF2B5EF4-FFF2-40B4-BE49-F238E27FC236}">
+                <a16:creationId xmlns:a16="http://schemas.microsoft.com/office/drawing/2014/main" id="{2AFAF6D9-DFAF-4169-B504-575A1B2EC9AA}"/>
               </a:ext>
             </a:extLst>
           </p:cNvPr>
@@ -4827,8 +5131,8 @@
         </p:nvSpPr>
         <p:spPr>
           <a:xfrm>
-            <a:off x="209266" y="9740307"/>
-            <a:ext cx="1206579" cy="132816"/>
+            <a:off x="209266" y="9905385"/>
+            <a:ext cx="1206579" cy="556444"/>
           </a:xfrm>
           <a:prstGeom prst="rect">
             <a:avLst/>
@@ -4867,10 +5171,10 @@
       </p:sp>
       <p:sp>
         <p:nvSpPr>
-          <p:cNvPr id="47" name="Rectangle 46">
-            <a:extLst>
-              <a:ext uri="{FF2B5EF4-FFF2-40B4-BE49-F238E27FC236}">
-                <a16:creationId xmlns:a16="http://schemas.microsoft.com/office/drawing/2014/main" id="{2AFAF6D9-DFAF-4169-B504-575A1B2EC9AA}"/>
+          <p:cNvPr id="48" name="Rectangle 47">
+            <a:extLst>
+              <a:ext uri="{FF2B5EF4-FFF2-40B4-BE49-F238E27FC236}">
+                <a16:creationId xmlns:a16="http://schemas.microsoft.com/office/drawing/2014/main" id="{7BE29618-CFE6-4208-8F46-C80BF384EF54}"/>
               </a:ext>
             </a:extLst>
           </p:cNvPr>
@@ -4879,8 +5183,8 @@
         </p:nvSpPr>
         <p:spPr>
           <a:xfrm>
-            <a:off x="209266" y="9905385"/>
-            <a:ext cx="1206579" cy="556444"/>
+            <a:off x="2306472" y="9740307"/>
+            <a:ext cx="1542197" cy="165078"/>
           </a:xfrm>
           <a:prstGeom prst="rect">
             <a:avLst/>
@@ -4919,10 +5223,10 @@
       </p:sp>
       <p:sp>
         <p:nvSpPr>
-          <p:cNvPr id="48" name="Rectangle 47">
-            <a:extLst>
-              <a:ext uri="{FF2B5EF4-FFF2-40B4-BE49-F238E27FC236}">
-                <a16:creationId xmlns:a16="http://schemas.microsoft.com/office/drawing/2014/main" id="{7BE29618-CFE6-4208-8F46-C80BF384EF54}"/>
+          <p:cNvPr id="49" name="Rectangle 48">
+            <a:extLst>
+              <a:ext uri="{FF2B5EF4-FFF2-40B4-BE49-F238E27FC236}">
+                <a16:creationId xmlns:a16="http://schemas.microsoft.com/office/drawing/2014/main" id="{1AC1A7E9-C209-4D32-93DF-FD85B06AC66A}"/>
               </a:ext>
             </a:extLst>
           </p:cNvPr>
@@ -4931,8 +5235,8 @@
         </p:nvSpPr>
         <p:spPr>
           <a:xfrm>
-            <a:off x="2306472" y="9740307"/>
-            <a:ext cx="1542197" cy="165078"/>
+            <a:off x="2306472" y="9944258"/>
+            <a:ext cx="1542197" cy="517571"/>
           </a:xfrm>
           <a:prstGeom prst="rect">
             <a:avLst/>
@@ -4971,10 +5275,10 @@
       </p:sp>
       <p:sp>
         <p:nvSpPr>
-          <p:cNvPr id="49" name="Rectangle 48">
-            <a:extLst>
-              <a:ext uri="{FF2B5EF4-FFF2-40B4-BE49-F238E27FC236}">
-                <a16:creationId xmlns:a16="http://schemas.microsoft.com/office/drawing/2014/main" id="{1AC1A7E9-C209-4D32-93DF-FD85B06AC66A}"/>
+          <p:cNvPr id="50" name="Rectangle 49">
+            <a:extLst>
+              <a:ext uri="{FF2B5EF4-FFF2-40B4-BE49-F238E27FC236}">
+                <a16:creationId xmlns:a16="http://schemas.microsoft.com/office/drawing/2014/main" id="{C3CFA7B2-2673-4452-970A-988B9FB6530F}"/>
               </a:ext>
             </a:extLst>
           </p:cNvPr>
@@ -4983,8 +5287,8 @@
         </p:nvSpPr>
         <p:spPr>
           <a:xfrm>
-            <a:off x="2306472" y="9944258"/>
-            <a:ext cx="1542197" cy="517571"/>
+            <a:off x="4503761" y="9740307"/>
+            <a:ext cx="1137636" cy="165078"/>
           </a:xfrm>
           <a:prstGeom prst="rect">
             <a:avLst/>
@@ -5023,10 +5327,10 @@
       </p:sp>
       <p:sp>
         <p:nvSpPr>
-          <p:cNvPr id="50" name="Rectangle 49">
-            <a:extLst>
-              <a:ext uri="{FF2B5EF4-FFF2-40B4-BE49-F238E27FC236}">
-                <a16:creationId xmlns:a16="http://schemas.microsoft.com/office/drawing/2014/main" id="{C3CFA7B2-2673-4452-970A-988B9FB6530F}"/>
+          <p:cNvPr id="51" name="Rectangle 50">
+            <a:extLst>
+              <a:ext uri="{FF2B5EF4-FFF2-40B4-BE49-F238E27FC236}">
+                <a16:creationId xmlns:a16="http://schemas.microsoft.com/office/drawing/2014/main" id="{EE1721E6-AB42-42AC-A766-F5AC8ABE06AF}"/>
               </a:ext>
             </a:extLst>
           </p:cNvPr>
@@ -5035,8 +5339,8 @@
         </p:nvSpPr>
         <p:spPr>
           <a:xfrm>
-            <a:off x="4503761" y="9740307"/>
-            <a:ext cx="1137636" cy="165078"/>
+            <a:off x="4503761" y="9932936"/>
+            <a:ext cx="1178528" cy="528893"/>
           </a:xfrm>
           <a:prstGeom prst="rect">
             <a:avLst/>
@@ -5075,10 +5379,114 @@
       </p:sp>
       <p:sp>
         <p:nvSpPr>
-          <p:cNvPr id="51" name="Rectangle 50">
-            <a:extLst>
-              <a:ext uri="{FF2B5EF4-FFF2-40B4-BE49-F238E27FC236}">
-                <a16:creationId xmlns:a16="http://schemas.microsoft.com/office/drawing/2014/main" id="{EE1721E6-AB42-42AC-A766-F5AC8ABE06AF}"/>
+          <p:cNvPr id="52" name="TextBox 51">
+            <a:extLst>
+              <a:ext uri="{FF2B5EF4-FFF2-40B4-BE49-F238E27FC236}">
+                <a16:creationId xmlns:a16="http://schemas.microsoft.com/office/drawing/2014/main" id="{F65387A7-59B3-4AD0-97A8-9FD9FDEA00EF}"/>
+              </a:ext>
+            </a:extLst>
+          </p:cNvPr>
+          <p:cNvSpPr txBox="1"/>
+          <p:nvPr/>
+        </p:nvSpPr>
+        <p:spPr>
+          <a:xfrm>
+            <a:off x="2173545" y="1822623"/>
+            <a:ext cx="535724" cy="261610"/>
+          </a:xfrm>
+          <a:prstGeom prst="rect">
+            <a:avLst/>
+          </a:prstGeom>
+          <a:noFill/>
+        </p:spPr>
+        <p:txBody>
+          <a:bodyPr wrap="none" rtlCol="0">
+            <a:spAutoFit/>
+          </a:bodyPr>
+          <a:lstStyle/>
+          <a:p>
+            <a:r>
+              <a:rPr lang="fr-FR" sz="1100" dirty="0">
+                <a:solidFill>
+                  <a:schemeClr val="accent1"/>
+                </a:solidFill>
+              </a:rPr>
+              <a:t>&lt;</a:t>
+            </a:r>
+            <a:r>
+              <a:rPr lang="fr-FR" sz="1100" dirty="0" err="1">
+                <a:solidFill>
+                  <a:schemeClr val="accent1"/>
+                </a:solidFill>
+              </a:rPr>
+              <a:t>img</a:t>
+            </a:r>
+            <a:r>
+              <a:rPr lang="fr-FR" sz="1100" dirty="0">
+                <a:solidFill>
+                  <a:schemeClr val="accent1"/>
+                </a:solidFill>
+              </a:rPr>
+              <a:t>&gt;</a:t>
+            </a:r>
+            <a:endParaRPr lang="en-BE" sz="1100" dirty="0">
+              <a:solidFill>
+                <a:schemeClr val="accent1"/>
+              </a:solidFill>
+            </a:endParaRPr>
+          </a:p>
+        </p:txBody>
+      </p:sp>
+      <p:sp>
+        <p:nvSpPr>
+          <p:cNvPr id="53" name="TextBox 52">
+            <a:extLst>
+              <a:ext uri="{FF2B5EF4-FFF2-40B4-BE49-F238E27FC236}">
+                <a16:creationId xmlns:a16="http://schemas.microsoft.com/office/drawing/2014/main" id="{E15A3429-E91C-4499-AD4C-B7C7C116661C}"/>
+              </a:ext>
+            </a:extLst>
+          </p:cNvPr>
+          <p:cNvSpPr txBox="1"/>
+          <p:nvPr/>
+        </p:nvSpPr>
+        <p:spPr>
+          <a:xfrm>
+            <a:off x="2828018" y="2017307"/>
+            <a:ext cx="636713" cy="261610"/>
+          </a:xfrm>
+          <a:prstGeom prst="rect">
+            <a:avLst/>
+          </a:prstGeom>
+          <a:noFill/>
+        </p:spPr>
+        <p:txBody>
+          <a:bodyPr wrap="none" rtlCol="0">
+            <a:spAutoFit/>
+          </a:bodyPr>
+          <a:lstStyle/>
+          <a:p>
+            <a:r>
+              <a:rPr lang="fr-FR" sz="1100" dirty="0">
+                <a:solidFill>
+                  <a:schemeClr val="accent1"/>
+                </a:solidFill>
+              </a:rPr>
+              <a:t>&lt;.intro&gt;</a:t>
+            </a:r>
+            <a:endParaRPr lang="en-BE" sz="1100" dirty="0">
+              <a:solidFill>
+                <a:schemeClr val="accent1"/>
+              </a:solidFill>
+            </a:endParaRPr>
+          </a:p>
+        </p:txBody>
+      </p:sp>
+      <p:sp>
+        <p:nvSpPr>
+          <p:cNvPr id="55" name="Rectangle 54">
+            <a:extLst>
+              <a:ext uri="{FF2B5EF4-FFF2-40B4-BE49-F238E27FC236}">
+                <a16:creationId xmlns:a16="http://schemas.microsoft.com/office/drawing/2014/main" id="{8CD55DBA-B3DF-484D-90F1-C04C36BAC0EB}"/>
               </a:ext>
             </a:extLst>
           </p:cNvPr>
@@ -5087,8 +5495,8 @@
         </p:nvSpPr>
         <p:spPr>
           <a:xfrm>
-            <a:off x="4503761" y="9932936"/>
-            <a:ext cx="1178528" cy="528893"/>
+            <a:off x="4301613" y="1668856"/>
+            <a:ext cx="2510455" cy="307616"/>
           </a:xfrm>
           <a:prstGeom prst="rect">
             <a:avLst/>
@@ -5127,10 +5535,10 @@
       </p:sp>
       <p:sp>
         <p:nvSpPr>
-          <p:cNvPr id="52" name="TextBox 51">
-            <a:extLst>
-              <a:ext uri="{FF2B5EF4-FFF2-40B4-BE49-F238E27FC236}">
-                <a16:creationId xmlns:a16="http://schemas.microsoft.com/office/drawing/2014/main" id="{F65387A7-59B3-4AD0-97A8-9FD9FDEA00EF}"/>
+          <p:cNvPr id="56" name="TextBox 55">
+            <a:extLst>
+              <a:ext uri="{FF2B5EF4-FFF2-40B4-BE49-F238E27FC236}">
+                <a16:creationId xmlns:a16="http://schemas.microsoft.com/office/drawing/2014/main" id="{CF48875E-A23D-4DDA-A89D-4D04AA2FD0D8}"/>
               </a:ext>
             </a:extLst>
           </p:cNvPr>
@@ -5139,8 +5547,8 @@
         </p:nvSpPr>
         <p:spPr>
           <a:xfrm>
-            <a:off x="2173545" y="1822623"/>
-            <a:ext cx="570990" cy="261610"/>
+            <a:off x="4257368" y="1619940"/>
+            <a:ext cx="431528" cy="261610"/>
           </a:xfrm>
           <a:prstGeom prst="rect">
             <a:avLst/>
@@ -5159,7 +5567,23 @@
                   <a:schemeClr val="accent1"/>
                 </a:solidFill>
               </a:rPr>
-              <a:t>&lt;logo&gt;</a:t>
+              <a:t>&lt;</a:t>
+            </a:r>
+            <a:r>
+              <a:rPr lang="fr-FR" sz="1100" dirty="0" err="1">
+                <a:solidFill>
+                  <a:schemeClr val="accent1"/>
+                </a:solidFill>
+              </a:rPr>
+              <a:t>ul</a:t>
+            </a:r>
+            <a:r>
+              <a:rPr lang="fr-FR" sz="1100" dirty="0">
+                <a:solidFill>
+                  <a:schemeClr val="accent1"/>
+                </a:solidFill>
+              </a:rPr>
+              <a:t>&gt;</a:t>
             </a:r>
             <a:endParaRPr lang="en-BE" sz="1100" dirty="0">
               <a:solidFill>
@@ -5171,10 +5595,10 @@
       </p:sp>
       <p:sp>
         <p:nvSpPr>
-          <p:cNvPr id="53" name="TextBox 52">
-            <a:extLst>
-              <a:ext uri="{FF2B5EF4-FFF2-40B4-BE49-F238E27FC236}">
-                <a16:creationId xmlns:a16="http://schemas.microsoft.com/office/drawing/2014/main" id="{E15A3429-E91C-4499-AD4C-B7C7C116661C}"/>
+          <p:cNvPr id="57" name="TextBox 56">
+            <a:extLst>
+              <a:ext uri="{FF2B5EF4-FFF2-40B4-BE49-F238E27FC236}">
+                <a16:creationId xmlns:a16="http://schemas.microsoft.com/office/drawing/2014/main" id="{6B58A52D-323F-4890-BDB1-44B704245B88}"/>
               </a:ext>
             </a:extLst>
           </p:cNvPr>
@@ -5183,8 +5607,8 @@
         </p:nvSpPr>
         <p:spPr>
           <a:xfrm>
-            <a:off x="2828018" y="2017307"/>
-            <a:ext cx="1449436" cy="261610"/>
+            <a:off x="3726203" y="2538729"/>
+            <a:ext cx="790601" cy="230832"/>
           </a:xfrm>
           <a:prstGeom prst="rect">
             <a:avLst/>
@@ -5198,30 +5622,30 @@
           <a:lstStyle/>
           <a:p>
             <a:r>
-              <a:rPr lang="fr-FR" sz="1100" dirty="0">
+              <a:rPr lang="fr-FR" sz="900" dirty="0">
                 <a:solidFill>
                   <a:schemeClr val="accent1"/>
                 </a:solidFill>
               </a:rPr>
-              <a:t>&lt;h1 .</a:t>
-            </a:r>
-            <a:r>
-              <a:rPr lang="fr-FR" sz="1100" dirty="0" err="1">
+              <a:t>&lt;.</a:t>
+            </a:r>
+            <a:r>
+              <a:rPr lang="fr-FR" sz="900" dirty="0" err="1">
                 <a:solidFill>
                   <a:schemeClr val="accent1"/>
                 </a:solidFill>
               </a:rPr>
-              <a:t>title</a:t>
-            </a:r>
-            <a:r>
-              <a:rPr lang="fr-FR" sz="1100" dirty="0">
+              <a:t>searchbar</a:t>
+            </a:r>
+            <a:r>
+              <a:rPr lang="fr-FR" sz="900" dirty="0">
                 <a:solidFill>
                   <a:schemeClr val="accent1"/>
                 </a:solidFill>
               </a:rPr>
-              <a:t>-description&gt;</a:t>
-            </a:r>
-            <a:endParaRPr lang="en-BE" sz="1100" dirty="0">
+              <a:t>&gt;</a:t>
+            </a:r>
+            <a:endParaRPr lang="en-BE" sz="900" dirty="0">
               <a:solidFill>
                 <a:schemeClr val="accent1"/>
               </a:solidFill>
@@ -5231,10 +5655,10 @@
       </p:sp>
       <p:sp>
         <p:nvSpPr>
-          <p:cNvPr id="54" name="TextBox 53">
-            <a:extLst>
-              <a:ext uri="{FF2B5EF4-FFF2-40B4-BE49-F238E27FC236}">
-                <a16:creationId xmlns:a16="http://schemas.microsoft.com/office/drawing/2014/main" id="{D0CF92CE-0D2E-4944-A928-CF7189E71D76}"/>
+          <p:cNvPr id="58" name="TextBox 57">
+            <a:extLst>
+              <a:ext uri="{FF2B5EF4-FFF2-40B4-BE49-F238E27FC236}">
+                <a16:creationId xmlns:a16="http://schemas.microsoft.com/office/drawing/2014/main" id="{E3AED526-FC08-43C6-B5C5-B2024FC7813E}"/>
               </a:ext>
             </a:extLst>
           </p:cNvPr>
@@ -5243,8 +5667,8 @@
         </p:nvSpPr>
         <p:spPr>
           <a:xfrm>
-            <a:off x="2479448" y="2284723"/>
-            <a:ext cx="1141659" cy="261610"/>
+            <a:off x="5213894" y="2818819"/>
+            <a:ext cx="599844" cy="230832"/>
           </a:xfrm>
           <a:prstGeom prst="rect">
             <a:avLst/>
@@ -5258,14 +5682,30 @@
           <a:lstStyle/>
           <a:p>
             <a:r>
-              <a:rPr lang="fr-FR" sz="1100" dirty="0">
+              <a:rPr lang="fr-FR" sz="900" dirty="0">
                 <a:solidFill>
                   <a:schemeClr val="accent1"/>
                 </a:solidFill>
               </a:rPr>
-              <a:t>&lt;p #description&gt;</a:t>
-            </a:r>
-            <a:endParaRPr lang="en-BE" sz="1100" dirty="0">
+              <a:t>&lt;.</a:t>
+            </a:r>
+            <a:r>
+              <a:rPr lang="fr-FR" sz="900" dirty="0" err="1">
+                <a:solidFill>
+                  <a:schemeClr val="accent1"/>
+                </a:solidFill>
+              </a:rPr>
+              <a:t>filters</a:t>
+            </a:r>
+            <a:r>
+              <a:rPr lang="fr-FR" sz="900" dirty="0">
+                <a:solidFill>
+                  <a:schemeClr val="accent1"/>
+                </a:solidFill>
+              </a:rPr>
+              <a:t>&gt;</a:t>
+            </a:r>
+            <a:endParaRPr lang="en-BE" sz="900" dirty="0">
               <a:solidFill>
                 <a:schemeClr val="accent1"/>
               </a:solidFill>
@@ -5275,10 +5715,654 @@
       </p:sp>
       <p:sp>
         <p:nvSpPr>
-          <p:cNvPr id="55" name="Rectangle 54">
-            <a:extLst>
-              <a:ext uri="{FF2B5EF4-FFF2-40B4-BE49-F238E27FC236}">
-                <a16:creationId xmlns:a16="http://schemas.microsoft.com/office/drawing/2014/main" id="{8CD55DBA-B3DF-484D-90F1-C04C36BAC0EB}"/>
+          <p:cNvPr id="59" name="TextBox 58">
+            <a:extLst>
+              <a:ext uri="{FF2B5EF4-FFF2-40B4-BE49-F238E27FC236}">
+                <a16:creationId xmlns:a16="http://schemas.microsoft.com/office/drawing/2014/main" id="{F689B7D2-5FD4-45A0-9773-66B88479758F}"/>
+              </a:ext>
+            </a:extLst>
+          </p:cNvPr>
+          <p:cNvSpPr txBox="1"/>
+          <p:nvPr/>
+        </p:nvSpPr>
+        <p:spPr>
+          <a:xfrm>
+            <a:off x="2931446" y="3299142"/>
+            <a:ext cx="899605" cy="230832"/>
+          </a:xfrm>
+          <a:prstGeom prst="rect">
+            <a:avLst/>
+          </a:prstGeom>
+          <a:noFill/>
+        </p:spPr>
+        <p:txBody>
+          <a:bodyPr wrap="none" rtlCol="0">
+            <a:spAutoFit/>
+          </a:bodyPr>
+          <a:lstStyle/>
+          <a:p>
+            <a:r>
+              <a:rPr lang="fr-FR" sz="900" dirty="0">
+                <a:solidFill>
+                  <a:schemeClr val="accent1"/>
+                </a:solidFill>
+              </a:rPr>
+              <a:t>&lt;.</a:t>
+            </a:r>
+            <a:r>
+              <a:rPr lang="fr-FR" sz="900" dirty="0" err="1">
+                <a:solidFill>
+                  <a:schemeClr val="accent1"/>
+                </a:solidFill>
+              </a:rPr>
+              <a:t>filters</a:t>
+            </a:r>
+            <a:r>
+              <a:rPr lang="fr-FR" sz="900" dirty="0">
+                <a:solidFill>
+                  <a:schemeClr val="accent1"/>
+                </a:solidFill>
+              </a:rPr>
+              <a:t>__info&gt;</a:t>
+            </a:r>
+            <a:endParaRPr lang="en-BE" sz="900" dirty="0">
+              <a:solidFill>
+                <a:schemeClr val="accent1"/>
+              </a:solidFill>
+            </a:endParaRPr>
+          </a:p>
+        </p:txBody>
+      </p:sp>
+      <p:sp>
+        <p:nvSpPr>
+          <p:cNvPr id="60" name="TextBox 59">
+            <a:extLst>
+              <a:ext uri="{FF2B5EF4-FFF2-40B4-BE49-F238E27FC236}">
+                <a16:creationId xmlns:a16="http://schemas.microsoft.com/office/drawing/2014/main" id="{A0C9922B-66B4-444C-9939-3C9C726A5660}"/>
+              </a:ext>
+            </a:extLst>
+          </p:cNvPr>
+          <p:cNvSpPr txBox="1"/>
+          <p:nvPr/>
+        </p:nvSpPr>
+        <p:spPr>
+          <a:xfrm>
+            <a:off x="3569110" y="3580982"/>
+            <a:ext cx="643125" cy="230832"/>
+          </a:xfrm>
+          <a:prstGeom prst="rect">
+            <a:avLst/>
+          </a:prstGeom>
+          <a:noFill/>
+        </p:spPr>
+        <p:txBody>
+          <a:bodyPr wrap="none" rtlCol="0">
+            <a:spAutoFit/>
+          </a:bodyPr>
+          <a:lstStyle/>
+          <a:p>
+            <a:r>
+              <a:rPr lang="fr-FR" sz="900" dirty="0">
+                <a:solidFill>
+                  <a:schemeClr val="accent1"/>
+                </a:solidFill>
+              </a:rPr>
+              <a:t>&lt;.</a:t>
+            </a:r>
+            <a:r>
+              <a:rPr lang="fr-FR" sz="900" dirty="0" err="1">
+                <a:solidFill>
+                  <a:schemeClr val="accent1"/>
+                </a:solidFill>
+              </a:rPr>
+              <a:t>results</a:t>
+            </a:r>
+            <a:r>
+              <a:rPr lang="fr-FR" sz="900" dirty="0">
+                <a:solidFill>
+                  <a:schemeClr val="accent1"/>
+                </a:solidFill>
+              </a:rPr>
+              <a:t>&gt;</a:t>
+            </a:r>
+            <a:endParaRPr lang="en-BE" sz="900" dirty="0">
+              <a:solidFill>
+                <a:schemeClr val="accent1"/>
+              </a:solidFill>
+            </a:endParaRPr>
+          </a:p>
+        </p:txBody>
+      </p:sp>
+      <p:sp>
+        <p:nvSpPr>
+          <p:cNvPr id="61" name="TextBox 60">
+            <a:extLst>
+              <a:ext uri="{FF2B5EF4-FFF2-40B4-BE49-F238E27FC236}">
+                <a16:creationId xmlns:a16="http://schemas.microsoft.com/office/drawing/2014/main" id="{11FDBBE8-D944-40E6-9145-63281DB7DABF}"/>
+              </a:ext>
+            </a:extLst>
+          </p:cNvPr>
+          <p:cNvSpPr txBox="1"/>
+          <p:nvPr/>
+        </p:nvSpPr>
+        <p:spPr>
+          <a:xfrm>
+            <a:off x="5448085" y="3577412"/>
+            <a:ext cx="764953" cy="230832"/>
+          </a:xfrm>
+          <a:prstGeom prst="rect">
+            <a:avLst/>
+          </a:prstGeom>
+          <a:noFill/>
+        </p:spPr>
+        <p:txBody>
+          <a:bodyPr wrap="none" rtlCol="0">
+            <a:spAutoFit/>
+          </a:bodyPr>
+          <a:lstStyle/>
+          <a:p>
+            <a:r>
+              <a:rPr lang="fr-FR" sz="900" dirty="0">
+                <a:solidFill>
+                  <a:schemeClr val="accent1"/>
+                </a:solidFill>
+              </a:rPr>
+              <a:t>&lt;.</a:t>
+            </a:r>
+            <a:r>
+              <a:rPr lang="fr-FR" sz="900" dirty="0" err="1">
+                <a:solidFill>
+                  <a:schemeClr val="accent1"/>
+                </a:solidFill>
+              </a:rPr>
+              <a:t>populars</a:t>
+            </a:r>
+            <a:r>
+              <a:rPr lang="fr-FR" sz="900" dirty="0">
+                <a:solidFill>
+                  <a:schemeClr val="accent1"/>
+                </a:solidFill>
+              </a:rPr>
+              <a:t>&gt;</a:t>
+            </a:r>
+            <a:endParaRPr lang="en-BE" sz="900" dirty="0">
+              <a:solidFill>
+                <a:schemeClr val="accent1"/>
+              </a:solidFill>
+            </a:endParaRPr>
+          </a:p>
+        </p:txBody>
+      </p:sp>
+      <p:sp>
+        <p:nvSpPr>
+          <p:cNvPr id="62" name="TextBox 61">
+            <a:extLst>
+              <a:ext uri="{FF2B5EF4-FFF2-40B4-BE49-F238E27FC236}">
+                <a16:creationId xmlns:a16="http://schemas.microsoft.com/office/drawing/2014/main" id="{3ECC8D7C-8B8B-4008-BC00-70D7C86F24D3}"/>
+              </a:ext>
+            </a:extLst>
+          </p:cNvPr>
+          <p:cNvSpPr txBox="1"/>
+          <p:nvPr/>
+        </p:nvSpPr>
+        <p:spPr>
+          <a:xfrm>
+            <a:off x="1650986" y="6759809"/>
+            <a:ext cx="936475" cy="230832"/>
+          </a:xfrm>
+          <a:prstGeom prst="rect">
+            <a:avLst/>
+          </a:prstGeom>
+          <a:noFill/>
+        </p:spPr>
+        <p:txBody>
+          <a:bodyPr wrap="none" rtlCol="0">
+            <a:spAutoFit/>
+          </a:bodyPr>
+          <a:lstStyle/>
+          <a:p>
+            <a:r>
+              <a:rPr lang="fr-FR" sz="900" dirty="0">
+                <a:solidFill>
+                  <a:schemeClr val="accent1"/>
+                </a:solidFill>
+              </a:rPr>
+              <a:t>&lt;</a:t>
+            </a:r>
+            <a:r>
+              <a:rPr lang="fr-FR" sz="900" dirty="0" err="1">
+                <a:solidFill>
+                  <a:schemeClr val="accent1"/>
+                </a:solidFill>
+              </a:rPr>
+              <a:t>activities</a:t>
+            </a:r>
+            <a:r>
+              <a:rPr lang="fr-FR" sz="900" dirty="0">
+                <a:solidFill>
+                  <a:schemeClr val="accent1"/>
+                </a:solidFill>
+              </a:rPr>
+              <a:t>__</a:t>
+            </a:r>
+            <a:r>
+              <a:rPr lang="fr-FR" sz="900" dirty="0" err="1">
+                <a:solidFill>
+                  <a:schemeClr val="accent1"/>
+                </a:solidFill>
+              </a:rPr>
+              <a:t>ttl</a:t>
+            </a:r>
+            <a:r>
+              <a:rPr lang="fr-FR" sz="900" dirty="0">
+                <a:solidFill>
+                  <a:schemeClr val="accent1"/>
+                </a:solidFill>
+              </a:rPr>
+              <a:t>&gt;</a:t>
+            </a:r>
+            <a:endParaRPr lang="en-BE" sz="900" dirty="0">
+              <a:solidFill>
+                <a:schemeClr val="accent1"/>
+              </a:solidFill>
+            </a:endParaRPr>
+          </a:p>
+        </p:txBody>
+      </p:sp>
+      <p:sp>
+        <p:nvSpPr>
+          <p:cNvPr id="63" name="TextBox 62">
+            <a:extLst>
+              <a:ext uri="{FF2B5EF4-FFF2-40B4-BE49-F238E27FC236}">
+                <a16:creationId xmlns:a16="http://schemas.microsoft.com/office/drawing/2014/main" id="{631F0C02-676B-4EB4-AEAC-3AA150F4EC93}"/>
+              </a:ext>
+            </a:extLst>
+          </p:cNvPr>
+          <p:cNvSpPr txBox="1"/>
+          <p:nvPr/>
+        </p:nvSpPr>
+        <p:spPr>
+          <a:xfrm>
+            <a:off x="5505491" y="9151952"/>
+            <a:ext cx="1066318" cy="230832"/>
+          </a:xfrm>
+          <a:prstGeom prst="rect">
+            <a:avLst/>
+          </a:prstGeom>
+          <a:noFill/>
+        </p:spPr>
+        <p:txBody>
+          <a:bodyPr wrap="none" rtlCol="0">
+            <a:spAutoFit/>
+          </a:bodyPr>
+          <a:lstStyle/>
+          <a:p>
+            <a:r>
+              <a:rPr lang="fr-FR" sz="900" dirty="0">
+                <a:solidFill>
+                  <a:schemeClr val="accent1"/>
+                </a:solidFill>
+              </a:rPr>
+              <a:t>&lt;.</a:t>
+            </a:r>
+            <a:r>
+              <a:rPr lang="fr-FR" sz="900" dirty="0" err="1">
+                <a:solidFill>
+                  <a:schemeClr val="accent1"/>
+                </a:solidFill>
+              </a:rPr>
+              <a:t>activities</a:t>
+            </a:r>
+            <a:r>
+              <a:rPr lang="fr-FR" sz="900" dirty="0">
+                <a:solidFill>
+                  <a:schemeClr val="accent1"/>
+                </a:solidFill>
+              </a:rPr>
+              <a:t>__</a:t>
+            </a:r>
+            <a:r>
+              <a:rPr lang="fr-FR" sz="900" dirty="0" err="1">
+                <a:solidFill>
+                  <a:schemeClr val="accent1"/>
+                </a:solidFill>
+              </a:rPr>
+              <a:t>btns</a:t>
+            </a:r>
+            <a:r>
+              <a:rPr lang="fr-FR" sz="900" dirty="0">
+                <a:solidFill>
+                  <a:schemeClr val="accent1"/>
+                </a:solidFill>
+              </a:rPr>
+              <a:t>&gt;</a:t>
+            </a:r>
+            <a:endParaRPr lang="en-BE" sz="900" dirty="0">
+              <a:solidFill>
+                <a:schemeClr val="accent1"/>
+              </a:solidFill>
+            </a:endParaRPr>
+          </a:p>
+        </p:txBody>
+      </p:sp>
+      <p:sp>
+        <p:nvSpPr>
+          <p:cNvPr id="64" name="TextBox 63">
+            <a:extLst>
+              <a:ext uri="{FF2B5EF4-FFF2-40B4-BE49-F238E27FC236}">
+                <a16:creationId xmlns:a16="http://schemas.microsoft.com/office/drawing/2014/main" id="{16F57002-656B-4885-8B97-FD4779D4B1E9}"/>
+              </a:ext>
+            </a:extLst>
+          </p:cNvPr>
+          <p:cNvSpPr txBox="1"/>
+          <p:nvPr/>
+        </p:nvSpPr>
+        <p:spPr>
+          <a:xfrm>
+            <a:off x="856370" y="9688480"/>
+            <a:ext cx="535678" cy="230832"/>
+          </a:xfrm>
+          <a:prstGeom prst="rect">
+            <a:avLst/>
+          </a:prstGeom>
+          <a:noFill/>
+        </p:spPr>
+        <p:txBody>
+          <a:bodyPr wrap="square" rtlCol="0">
+            <a:spAutoFit/>
+          </a:bodyPr>
+          <a:lstStyle/>
+          <a:p>
+            <a:r>
+              <a:rPr lang="fr-FR" sz="900" dirty="0">
+                <a:solidFill>
+                  <a:schemeClr val="accent1"/>
+                </a:solidFill>
+              </a:rPr>
+              <a:t>&lt;h3&gt;</a:t>
+            </a:r>
+            <a:endParaRPr lang="en-BE" sz="900" dirty="0">
+              <a:solidFill>
+                <a:schemeClr val="accent1"/>
+              </a:solidFill>
+            </a:endParaRPr>
+          </a:p>
+        </p:txBody>
+      </p:sp>
+      <p:sp>
+        <p:nvSpPr>
+          <p:cNvPr id="65" name="TextBox 64">
+            <a:extLst>
+              <a:ext uri="{FF2B5EF4-FFF2-40B4-BE49-F238E27FC236}">
+                <a16:creationId xmlns:a16="http://schemas.microsoft.com/office/drawing/2014/main" id="{4F91F6B6-CADD-4A16-BCF5-2408CEFFD0C4}"/>
+              </a:ext>
+            </a:extLst>
+          </p:cNvPr>
+          <p:cNvSpPr txBox="1"/>
+          <p:nvPr/>
+        </p:nvSpPr>
+        <p:spPr>
+          <a:xfrm>
+            <a:off x="3464902" y="9688480"/>
+            <a:ext cx="535678" cy="230832"/>
+          </a:xfrm>
+          <a:prstGeom prst="rect">
+            <a:avLst/>
+          </a:prstGeom>
+          <a:noFill/>
+        </p:spPr>
+        <p:txBody>
+          <a:bodyPr wrap="square" rtlCol="0">
+            <a:spAutoFit/>
+          </a:bodyPr>
+          <a:lstStyle/>
+          <a:p>
+            <a:r>
+              <a:rPr lang="fr-FR" sz="900" dirty="0">
+                <a:solidFill>
+                  <a:schemeClr val="accent1"/>
+                </a:solidFill>
+              </a:rPr>
+              <a:t>&lt;h3&gt;</a:t>
+            </a:r>
+            <a:endParaRPr lang="en-BE" sz="900" dirty="0">
+              <a:solidFill>
+                <a:schemeClr val="accent1"/>
+              </a:solidFill>
+            </a:endParaRPr>
+          </a:p>
+        </p:txBody>
+      </p:sp>
+      <p:sp>
+        <p:nvSpPr>
+          <p:cNvPr id="66" name="TextBox 65">
+            <a:extLst>
+              <a:ext uri="{FF2B5EF4-FFF2-40B4-BE49-F238E27FC236}">
+                <a16:creationId xmlns:a16="http://schemas.microsoft.com/office/drawing/2014/main" id="{66673F4D-DA87-4485-8D89-BC8EF44654A6}"/>
+              </a:ext>
+            </a:extLst>
+          </p:cNvPr>
+          <p:cNvSpPr txBox="1"/>
+          <p:nvPr/>
+        </p:nvSpPr>
+        <p:spPr>
+          <a:xfrm>
+            <a:off x="5243737" y="9692869"/>
+            <a:ext cx="535678" cy="230832"/>
+          </a:xfrm>
+          <a:prstGeom prst="rect">
+            <a:avLst/>
+          </a:prstGeom>
+          <a:noFill/>
+        </p:spPr>
+        <p:txBody>
+          <a:bodyPr wrap="square" rtlCol="0">
+            <a:spAutoFit/>
+          </a:bodyPr>
+          <a:lstStyle/>
+          <a:p>
+            <a:r>
+              <a:rPr lang="fr-FR" sz="900" dirty="0">
+                <a:solidFill>
+                  <a:schemeClr val="accent1"/>
+                </a:solidFill>
+              </a:rPr>
+              <a:t>&lt;h3&gt;</a:t>
+            </a:r>
+            <a:endParaRPr lang="en-BE" sz="900" dirty="0">
+              <a:solidFill>
+                <a:schemeClr val="accent1"/>
+              </a:solidFill>
+            </a:endParaRPr>
+          </a:p>
+        </p:txBody>
+      </p:sp>
+      <p:sp>
+        <p:nvSpPr>
+          <p:cNvPr id="67" name="TextBox 66">
+            <a:extLst>
+              <a:ext uri="{FF2B5EF4-FFF2-40B4-BE49-F238E27FC236}">
+                <a16:creationId xmlns:a16="http://schemas.microsoft.com/office/drawing/2014/main" id="{D70EEDF7-5044-4954-8DD7-C4DDD0CC13FB}"/>
+              </a:ext>
+            </a:extLst>
+          </p:cNvPr>
+          <p:cNvSpPr txBox="1"/>
+          <p:nvPr/>
+        </p:nvSpPr>
+        <p:spPr>
+          <a:xfrm>
+            <a:off x="1008770" y="9840880"/>
+            <a:ext cx="535678" cy="230832"/>
+          </a:xfrm>
+          <a:prstGeom prst="rect">
+            <a:avLst/>
+          </a:prstGeom>
+          <a:noFill/>
+        </p:spPr>
+        <p:txBody>
+          <a:bodyPr wrap="square" rtlCol="0">
+            <a:spAutoFit/>
+          </a:bodyPr>
+          <a:lstStyle/>
+          <a:p>
+            <a:r>
+              <a:rPr lang="fr-FR" sz="900" dirty="0">
+                <a:solidFill>
+                  <a:schemeClr val="accent1"/>
+                </a:solidFill>
+              </a:rPr>
+              <a:t>&lt;</a:t>
+            </a:r>
+            <a:r>
+              <a:rPr lang="fr-FR" sz="900" dirty="0" err="1">
+                <a:solidFill>
+                  <a:schemeClr val="accent1"/>
+                </a:solidFill>
+              </a:rPr>
+              <a:t>ul</a:t>
+            </a:r>
+            <a:r>
+              <a:rPr lang="fr-FR" sz="900" dirty="0">
+                <a:solidFill>
+                  <a:schemeClr val="accent1"/>
+                </a:solidFill>
+              </a:rPr>
+              <a:t>&gt;</a:t>
+            </a:r>
+            <a:endParaRPr lang="en-BE" sz="900" dirty="0">
+              <a:solidFill>
+                <a:schemeClr val="accent1"/>
+              </a:solidFill>
+            </a:endParaRPr>
+          </a:p>
+        </p:txBody>
+      </p:sp>
+      <p:sp>
+        <p:nvSpPr>
+          <p:cNvPr id="68" name="TextBox 67">
+            <a:extLst>
+              <a:ext uri="{FF2B5EF4-FFF2-40B4-BE49-F238E27FC236}">
+                <a16:creationId xmlns:a16="http://schemas.microsoft.com/office/drawing/2014/main" id="{79809069-E4F0-45E7-835D-DF71399E088D}"/>
+              </a:ext>
+            </a:extLst>
+          </p:cNvPr>
+          <p:cNvSpPr txBox="1"/>
+          <p:nvPr/>
+        </p:nvSpPr>
+        <p:spPr>
+          <a:xfrm>
+            <a:off x="3451220" y="9899153"/>
+            <a:ext cx="535678" cy="230832"/>
+          </a:xfrm>
+          <a:prstGeom prst="rect">
+            <a:avLst/>
+          </a:prstGeom>
+          <a:noFill/>
+        </p:spPr>
+        <p:txBody>
+          <a:bodyPr wrap="square" rtlCol="0">
+            <a:spAutoFit/>
+          </a:bodyPr>
+          <a:lstStyle/>
+          <a:p>
+            <a:r>
+              <a:rPr lang="fr-FR" sz="900" dirty="0">
+                <a:solidFill>
+                  <a:schemeClr val="accent1"/>
+                </a:solidFill>
+              </a:rPr>
+              <a:t>&lt;</a:t>
+            </a:r>
+            <a:r>
+              <a:rPr lang="fr-FR" sz="900" dirty="0" err="1">
+                <a:solidFill>
+                  <a:schemeClr val="accent1"/>
+                </a:solidFill>
+              </a:rPr>
+              <a:t>ul</a:t>
+            </a:r>
+            <a:r>
+              <a:rPr lang="fr-FR" sz="900" dirty="0">
+                <a:solidFill>
+                  <a:schemeClr val="accent1"/>
+                </a:solidFill>
+              </a:rPr>
+              <a:t>&gt;</a:t>
+            </a:r>
+            <a:endParaRPr lang="en-BE" sz="900" dirty="0">
+              <a:solidFill>
+                <a:schemeClr val="accent1"/>
+              </a:solidFill>
+            </a:endParaRPr>
+          </a:p>
+        </p:txBody>
+      </p:sp>
+      <p:sp>
+        <p:nvSpPr>
+          <p:cNvPr id="69" name="TextBox 68">
+            <a:extLst>
+              <a:ext uri="{FF2B5EF4-FFF2-40B4-BE49-F238E27FC236}">
+                <a16:creationId xmlns:a16="http://schemas.microsoft.com/office/drawing/2014/main" id="{250CF495-0857-4D81-AD24-F8148AB38751}"/>
+              </a:ext>
+            </a:extLst>
+          </p:cNvPr>
+          <p:cNvSpPr txBox="1"/>
+          <p:nvPr/>
+        </p:nvSpPr>
+        <p:spPr>
+          <a:xfrm>
+            <a:off x="5299553" y="9884790"/>
+            <a:ext cx="535678" cy="230832"/>
+          </a:xfrm>
+          <a:prstGeom prst="rect">
+            <a:avLst/>
+          </a:prstGeom>
+          <a:noFill/>
+        </p:spPr>
+        <p:txBody>
+          <a:bodyPr wrap="square" rtlCol="0">
+            <a:spAutoFit/>
+          </a:bodyPr>
+          <a:lstStyle/>
+          <a:p>
+            <a:r>
+              <a:rPr lang="fr-FR" sz="900" dirty="0">
+                <a:solidFill>
+                  <a:schemeClr val="accent1"/>
+                </a:solidFill>
+              </a:rPr>
+              <a:t>&lt;</a:t>
+            </a:r>
+            <a:r>
+              <a:rPr lang="fr-FR" sz="900" dirty="0" err="1">
+                <a:solidFill>
+                  <a:schemeClr val="accent1"/>
+                </a:solidFill>
+              </a:rPr>
+              <a:t>ul</a:t>
+            </a:r>
+            <a:r>
+              <a:rPr lang="fr-FR" sz="900" dirty="0">
+                <a:solidFill>
+                  <a:schemeClr val="accent1"/>
+                </a:solidFill>
+              </a:rPr>
+              <a:t>&gt;</a:t>
+            </a:r>
+            <a:endParaRPr lang="en-BE" sz="900" dirty="0">
+              <a:solidFill>
+                <a:schemeClr val="accent1"/>
+              </a:solidFill>
+            </a:endParaRPr>
+          </a:p>
+        </p:txBody>
+      </p:sp>
+      <p:sp>
+        <p:nvSpPr>
+          <p:cNvPr id="70" name="Rectangle 69">
+            <a:extLst>
+              <a:ext uri="{FF2B5EF4-FFF2-40B4-BE49-F238E27FC236}">
+                <a16:creationId xmlns:a16="http://schemas.microsoft.com/office/drawing/2014/main" id="{D44C2464-E524-4F67-B5B8-A117538833F3}"/>
               </a:ext>
             </a:extLst>
           </p:cNvPr>
@@ -5287,8 +6371,8 @@
         </p:nvSpPr>
         <p:spPr>
           <a:xfrm>
-            <a:off x="4301613" y="1668855"/>
-            <a:ext cx="2510455" cy="537389"/>
+            <a:off x="264979" y="3646312"/>
+            <a:ext cx="3333627" cy="338191"/>
           </a:xfrm>
           <a:prstGeom prst="rect">
             <a:avLst/>
@@ -5296,7 +6380,7 @@
           <a:noFill/>
           <a:ln>
             <a:solidFill>
-              <a:schemeClr val="accent1"/>
+              <a:schemeClr val="accent6"/>
             </a:solidFill>
           </a:ln>
         </p:spPr>
@@ -5327,770 +6411,10 @@
       </p:sp>
       <p:sp>
         <p:nvSpPr>
-          <p:cNvPr id="56" name="TextBox 55">
-            <a:extLst>
-              <a:ext uri="{FF2B5EF4-FFF2-40B4-BE49-F238E27FC236}">
-                <a16:creationId xmlns:a16="http://schemas.microsoft.com/office/drawing/2014/main" id="{CF48875E-A23D-4DDA-A89D-4D04AA2FD0D8}"/>
-              </a:ext>
-            </a:extLst>
-          </p:cNvPr>
-          <p:cNvSpPr txBox="1"/>
-          <p:nvPr/>
-        </p:nvSpPr>
-        <p:spPr>
-          <a:xfrm>
-            <a:off x="4257368" y="1619940"/>
-            <a:ext cx="431528" cy="261610"/>
-          </a:xfrm>
-          <a:prstGeom prst="rect">
-            <a:avLst/>
-          </a:prstGeom>
-          <a:noFill/>
-        </p:spPr>
-        <p:txBody>
-          <a:bodyPr wrap="none" rtlCol="0">
-            <a:spAutoFit/>
-          </a:bodyPr>
-          <a:lstStyle/>
-          <a:p>
-            <a:r>
-              <a:rPr lang="fr-FR" sz="1100" dirty="0">
-                <a:solidFill>
-                  <a:schemeClr val="accent1"/>
-                </a:solidFill>
-              </a:rPr>
-              <a:t>&lt;</a:t>
-            </a:r>
-            <a:r>
-              <a:rPr lang="fr-FR" sz="1100" dirty="0" err="1">
-                <a:solidFill>
-                  <a:schemeClr val="accent1"/>
-                </a:solidFill>
-              </a:rPr>
-              <a:t>ul</a:t>
-            </a:r>
-            <a:r>
-              <a:rPr lang="fr-FR" sz="1100" dirty="0">
-                <a:solidFill>
-                  <a:schemeClr val="accent1"/>
-                </a:solidFill>
-              </a:rPr>
-              <a:t>&gt;</a:t>
-            </a:r>
-            <a:endParaRPr lang="en-BE" sz="1100" dirty="0">
-              <a:solidFill>
-                <a:schemeClr val="accent1"/>
-              </a:solidFill>
-            </a:endParaRPr>
-          </a:p>
-        </p:txBody>
-      </p:sp>
-      <p:sp>
-        <p:nvSpPr>
-          <p:cNvPr id="57" name="TextBox 56">
-            <a:extLst>
-              <a:ext uri="{FF2B5EF4-FFF2-40B4-BE49-F238E27FC236}">
-                <a16:creationId xmlns:a16="http://schemas.microsoft.com/office/drawing/2014/main" id="{6B58A52D-323F-4890-BDB1-44B704245B88}"/>
-              </a:ext>
-            </a:extLst>
-          </p:cNvPr>
-          <p:cNvSpPr txBox="1"/>
-          <p:nvPr/>
-        </p:nvSpPr>
-        <p:spPr>
-          <a:xfrm>
-            <a:off x="3726203" y="2538729"/>
-            <a:ext cx="1074333" cy="230832"/>
-          </a:xfrm>
-          <a:prstGeom prst="rect">
-            <a:avLst/>
-          </a:prstGeom>
-          <a:noFill/>
-        </p:spPr>
-        <p:txBody>
-          <a:bodyPr wrap="none" rtlCol="0">
-            <a:spAutoFit/>
-          </a:bodyPr>
-          <a:lstStyle/>
-          <a:p>
-            <a:r>
-              <a:rPr lang="fr-FR" sz="900" dirty="0">
-                <a:solidFill>
-                  <a:schemeClr val="accent1"/>
-                </a:solidFill>
-              </a:rPr>
-              <a:t>&lt;</a:t>
-            </a:r>
-            <a:r>
-              <a:rPr lang="fr-FR" sz="900" dirty="0" err="1">
-                <a:solidFill>
-                  <a:schemeClr val="accent1"/>
-                </a:solidFill>
-              </a:rPr>
-              <a:t>form</a:t>
-            </a:r>
-            <a:r>
-              <a:rPr lang="fr-FR" sz="900" dirty="0">
-                <a:solidFill>
-                  <a:schemeClr val="accent1"/>
-                </a:solidFill>
-              </a:rPr>
-              <a:t> #searchbar&gt;</a:t>
-            </a:r>
-            <a:endParaRPr lang="en-BE" sz="900" dirty="0">
-              <a:solidFill>
-                <a:schemeClr val="accent1"/>
-              </a:solidFill>
-            </a:endParaRPr>
-          </a:p>
-        </p:txBody>
-      </p:sp>
-      <p:sp>
-        <p:nvSpPr>
-          <p:cNvPr id="58" name="TextBox 57">
-            <a:extLst>
-              <a:ext uri="{FF2B5EF4-FFF2-40B4-BE49-F238E27FC236}">
-                <a16:creationId xmlns:a16="http://schemas.microsoft.com/office/drawing/2014/main" id="{E3AED526-FC08-43C6-B5C5-B2024FC7813E}"/>
-              </a:ext>
-            </a:extLst>
-          </p:cNvPr>
-          <p:cNvSpPr txBox="1"/>
-          <p:nvPr/>
-        </p:nvSpPr>
-        <p:spPr>
-          <a:xfrm>
-            <a:off x="5213894" y="2818819"/>
-            <a:ext cx="883575" cy="230832"/>
-          </a:xfrm>
-          <a:prstGeom prst="rect">
-            <a:avLst/>
-          </a:prstGeom>
-          <a:noFill/>
-        </p:spPr>
-        <p:txBody>
-          <a:bodyPr wrap="none" rtlCol="0">
-            <a:spAutoFit/>
-          </a:bodyPr>
-          <a:lstStyle/>
-          <a:p>
-            <a:r>
-              <a:rPr lang="fr-FR" sz="900" dirty="0">
-                <a:solidFill>
-                  <a:schemeClr val="accent1"/>
-                </a:solidFill>
-              </a:rPr>
-              <a:t>&lt;</a:t>
-            </a:r>
-            <a:r>
-              <a:rPr lang="fr-FR" sz="900" dirty="0" err="1">
-                <a:solidFill>
-                  <a:schemeClr val="accent1"/>
-                </a:solidFill>
-              </a:rPr>
-              <a:t>form</a:t>
-            </a:r>
-            <a:r>
-              <a:rPr lang="fr-FR" sz="900" dirty="0">
-                <a:solidFill>
-                  <a:schemeClr val="accent1"/>
-                </a:solidFill>
-              </a:rPr>
-              <a:t> #filters&gt;</a:t>
-            </a:r>
-            <a:endParaRPr lang="en-BE" sz="900" dirty="0">
-              <a:solidFill>
-                <a:schemeClr val="accent1"/>
-              </a:solidFill>
-            </a:endParaRPr>
-          </a:p>
-        </p:txBody>
-      </p:sp>
-      <p:sp>
-        <p:nvSpPr>
-          <p:cNvPr id="59" name="TextBox 58">
-            <a:extLst>
-              <a:ext uri="{FF2B5EF4-FFF2-40B4-BE49-F238E27FC236}">
-                <a16:creationId xmlns:a16="http://schemas.microsoft.com/office/drawing/2014/main" id="{F689B7D2-5FD4-45A0-9773-66B88479758F}"/>
-              </a:ext>
-            </a:extLst>
-          </p:cNvPr>
-          <p:cNvSpPr txBox="1"/>
-          <p:nvPr/>
-        </p:nvSpPr>
-        <p:spPr>
-          <a:xfrm>
-            <a:off x="2931446" y="3299142"/>
-            <a:ext cx="360996" cy="230832"/>
-          </a:xfrm>
-          <a:prstGeom prst="rect">
-            <a:avLst/>
-          </a:prstGeom>
-          <a:noFill/>
-        </p:spPr>
-        <p:txBody>
-          <a:bodyPr wrap="none" rtlCol="0">
-            <a:spAutoFit/>
-          </a:bodyPr>
-          <a:lstStyle/>
-          <a:p>
-            <a:r>
-              <a:rPr lang="fr-FR" sz="900" dirty="0">
-                <a:solidFill>
-                  <a:schemeClr val="accent1"/>
-                </a:solidFill>
-              </a:rPr>
-              <a:t>&lt;p&gt;</a:t>
-            </a:r>
-            <a:endParaRPr lang="en-BE" sz="900" dirty="0">
-              <a:solidFill>
-                <a:schemeClr val="accent1"/>
-              </a:solidFill>
-            </a:endParaRPr>
-          </a:p>
-        </p:txBody>
-      </p:sp>
-      <p:sp>
-        <p:nvSpPr>
-          <p:cNvPr id="60" name="TextBox 59">
-            <a:extLst>
-              <a:ext uri="{FF2B5EF4-FFF2-40B4-BE49-F238E27FC236}">
-                <a16:creationId xmlns:a16="http://schemas.microsoft.com/office/drawing/2014/main" id="{A0C9922B-66B4-444C-9939-3C9C726A5660}"/>
-              </a:ext>
-            </a:extLst>
-          </p:cNvPr>
-          <p:cNvSpPr txBox="1"/>
-          <p:nvPr/>
-        </p:nvSpPr>
-        <p:spPr>
-          <a:xfrm>
-            <a:off x="3569110" y="3580982"/>
-            <a:ext cx="962123" cy="230832"/>
-          </a:xfrm>
-          <a:prstGeom prst="rect">
-            <a:avLst/>
-          </a:prstGeom>
-          <a:noFill/>
-        </p:spPr>
-        <p:txBody>
-          <a:bodyPr wrap="none" rtlCol="0">
-            <a:spAutoFit/>
-          </a:bodyPr>
-          <a:lstStyle/>
-          <a:p>
-            <a:r>
-              <a:rPr lang="fr-FR" sz="900" dirty="0">
-                <a:solidFill>
-                  <a:schemeClr val="accent1"/>
-                </a:solidFill>
-              </a:rPr>
-              <a:t>&lt;article .</a:t>
-            </a:r>
-            <a:r>
-              <a:rPr lang="fr-FR" sz="900" dirty="0" err="1">
-                <a:solidFill>
-                  <a:schemeClr val="accent1"/>
-                </a:solidFill>
-              </a:rPr>
-              <a:t>results</a:t>
-            </a:r>
-            <a:r>
-              <a:rPr lang="fr-FR" sz="900" dirty="0">
-                <a:solidFill>
-                  <a:schemeClr val="accent1"/>
-                </a:solidFill>
-              </a:rPr>
-              <a:t>&gt;</a:t>
-            </a:r>
-            <a:endParaRPr lang="en-BE" sz="900" dirty="0">
-              <a:solidFill>
-                <a:schemeClr val="accent1"/>
-              </a:solidFill>
-            </a:endParaRPr>
-          </a:p>
-        </p:txBody>
-      </p:sp>
-      <p:sp>
-        <p:nvSpPr>
-          <p:cNvPr id="61" name="TextBox 60">
-            <a:extLst>
-              <a:ext uri="{FF2B5EF4-FFF2-40B4-BE49-F238E27FC236}">
-                <a16:creationId xmlns:a16="http://schemas.microsoft.com/office/drawing/2014/main" id="{11FDBBE8-D944-40E6-9145-63281DB7DABF}"/>
-              </a:ext>
-            </a:extLst>
-          </p:cNvPr>
-          <p:cNvSpPr txBox="1"/>
-          <p:nvPr/>
-        </p:nvSpPr>
-        <p:spPr>
-          <a:xfrm>
-            <a:off x="5448085" y="3577412"/>
-            <a:ext cx="1010213" cy="230832"/>
-          </a:xfrm>
-          <a:prstGeom prst="rect">
-            <a:avLst/>
-          </a:prstGeom>
-          <a:noFill/>
-        </p:spPr>
-        <p:txBody>
-          <a:bodyPr wrap="none" rtlCol="0">
-            <a:spAutoFit/>
-          </a:bodyPr>
-          <a:lstStyle/>
-          <a:p>
-            <a:r>
-              <a:rPr lang="fr-FR" sz="900" dirty="0">
-                <a:solidFill>
-                  <a:schemeClr val="accent1"/>
-                </a:solidFill>
-              </a:rPr>
-              <a:t>&lt;</a:t>
-            </a:r>
-            <a:r>
-              <a:rPr lang="fr-FR" sz="900" dirty="0" err="1">
-                <a:solidFill>
-                  <a:schemeClr val="accent1"/>
-                </a:solidFill>
-              </a:rPr>
-              <a:t>aside</a:t>
-            </a:r>
-            <a:r>
-              <a:rPr lang="fr-FR" sz="900" dirty="0">
-                <a:solidFill>
-                  <a:schemeClr val="accent1"/>
-                </a:solidFill>
-              </a:rPr>
-              <a:t> .</a:t>
-            </a:r>
-            <a:r>
-              <a:rPr lang="fr-FR" sz="900" dirty="0" err="1">
-                <a:solidFill>
-                  <a:schemeClr val="accent1"/>
-                </a:solidFill>
-              </a:rPr>
-              <a:t>populars</a:t>
-            </a:r>
-            <a:r>
-              <a:rPr lang="fr-FR" sz="900" dirty="0">
-                <a:solidFill>
-                  <a:schemeClr val="accent1"/>
-                </a:solidFill>
-              </a:rPr>
-              <a:t>&gt;</a:t>
-            </a:r>
-            <a:endParaRPr lang="en-BE" sz="900" dirty="0">
-              <a:solidFill>
-                <a:schemeClr val="accent1"/>
-              </a:solidFill>
-            </a:endParaRPr>
-          </a:p>
-        </p:txBody>
-      </p:sp>
-      <p:sp>
-        <p:nvSpPr>
-          <p:cNvPr id="62" name="TextBox 61">
-            <a:extLst>
-              <a:ext uri="{FF2B5EF4-FFF2-40B4-BE49-F238E27FC236}">
-                <a16:creationId xmlns:a16="http://schemas.microsoft.com/office/drawing/2014/main" id="{3ECC8D7C-8B8B-4008-BC00-70D7C86F24D3}"/>
-              </a:ext>
-            </a:extLst>
-          </p:cNvPr>
-          <p:cNvSpPr txBox="1"/>
-          <p:nvPr/>
-        </p:nvSpPr>
-        <p:spPr>
-          <a:xfrm>
-            <a:off x="1650986" y="6759809"/>
-            <a:ext cx="418704" cy="230832"/>
-          </a:xfrm>
-          <a:prstGeom prst="rect">
-            <a:avLst/>
-          </a:prstGeom>
-          <a:noFill/>
-        </p:spPr>
-        <p:txBody>
-          <a:bodyPr wrap="none" rtlCol="0">
-            <a:spAutoFit/>
-          </a:bodyPr>
-          <a:lstStyle/>
-          <a:p>
-            <a:r>
-              <a:rPr lang="fr-FR" sz="900" dirty="0">
-                <a:solidFill>
-                  <a:schemeClr val="accent1"/>
-                </a:solidFill>
-              </a:rPr>
-              <a:t>&lt;h2&gt;</a:t>
-            </a:r>
-            <a:endParaRPr lang="en-BE" sz="900" dirty="0">
-              <a:solidFill>
-                <a:schemeClr val="accent1"/>
-              </a:solidFill>
-            </a:endParaRPr>
-          </a:p>
-        </p:txBody>
-      </p:sp>
-      <p:sp>
-        <p:nvSpPr>
-          <p:cNvPr id="63" name="TextBox 62">
-            <a:extLst>
-              <a:ext uri="{FF2B5EF4-FFF2-40B4-BE49-F238E27FC236}">
-                <a16:creationId xmlns:a16="http://schemas.microsoft.com/office/drawing/2014/main" id="{631F0C02-676B-4EB4-AEAC-3AA150F4EC93}"/>
-              </a:ext>
-            </a:extLst>
-          </p:cNvPr>
-          <p:cNvSpPr txBox="1"/>
-          <p:nvPr/>
-        </p:nvSpPr>
-        <p:spPr>
-          <a:xfrm>
-            <a:off x="5505491" y="9151952"/>
-            <a:ext cx="1313180" cy="230832"/>
-          </a:xfrm>
-          <a:prstGeom prst="rect">
-            <a:avLst/>
-          </a:prstGeom>
-          <a:noFill/>
-        </p:spPr>
-        <p:txBody>
-          <a:bodyPr wrap="none" rtlCol="0">
-            <a:spAutoFit/>
-          </a:bodyPr>
-          <a:lstStyle/>
-          <a:p>
-            <a:r>
-              <a:rPr lang="fr-FR" sz="900" dirty="0">
-                <a:solidFill>
-                  <a:schemeClr val="accent1"/>
-                </a:solidFill>
-              </a:rPr>
-              <a:t>&lt;div #activities_results&gt;</a:t>
-            </a:r>
-            <a:endParaRPr lang="en-BE" sz="900" dirty="0">
-              <a:solidFill>
-                <a:schemeClr val="accent1"/>
-              </a:solidFill>
-            </a:endParaRPr>
-          </a:p>
-        </p:txBody>
-      </p:sp>
-      <p:sp>
-        <p:nvSpPr>
-          <p:cNvPr id="64" name="TextBox 63">
-            <a:extLst>
-              <a:ext uri="{FF2B5EF4-FFF2-40B4-BE49-F238E27FC236}">
-                <a16:creationId xmlns:a16="http://schemas.microsoft.com/office/drawing/2014/main" id="{16F57002-656B-4885-8B97-FD4779D4B1E9}"/>
-              </a:ext>
-            </a:extLst>
-          </p:cNvPr>
-          <p:cNvSpPr txBox="1"/>
-          <p:nvPr/>
-        </p:nvSpPr>
-        <p:spPr>
-          <a:xfrm>
-            <a:off x="856370" y="9688480"/>
-            <a:ext cx="535678" cy="230832"/>
-          </a:xfrm>
-          <a:prstGeom prst="rect">
-            <a:avLst/>
-          </a:prstGeom>
-          <a:noFill/>
-        </p:spPr>
-        <p:txBody>
-          <a:bodyPr wrap="square" rtlCol="0">
-            <a:spAutoFit/>
-          </a:bodyPr>
-          <a:lstStyle/>
-          <a:p>
-            <a:r>
-              <a:rPr lang="fr-FR" sz="900" dirty="0">
-                <a:solidFill>
-                  <a:schemeClr val="accent1"/>
-                </a:solidFill>
-              </a:rPr>
-              <a:t>&lt;h3&gt;</a:t>
-            </a:r>
-            <a:endParaRPr lang="en-BE" sz="900" dirty="0">
-              <a:solidFill>
-                <a:schemeClr val="accent1"/>
-              </a:solidFill>
-            </a:endParaRPr>
-          </a:p>
-        </p:txBody>
-      </p:sp>
-      <p:sp>
-        <p:nvSpPr>
-          <p:cNvPr id="65" name="TextBox 64">
-            <a:extLst>
-              <a:ext uri="{FF2B5EF4-FFF2-40B4-BE49-F238E27FC236}">
-                <a16:creationId xmlns:a16="http://schemas.microsoft.com/office/drawing/2014/main" id="{4F91F6B6-CADD-4A16-BCF5-2408CEFFD0C4}"/>
-              </a:ext>
-            </a:extLst>
-          </p:cNvPr>
-          <p:cNvSpPr txBox="1"/>
-          <p:nvPr/>
-        </p:nvSpPr>
-        <p:spPr>
-          <a:xfrm>
-            <a:off x="3464902" y="9688480"/>
-            <a:ext cx="535678" cy="230832"/>
-          </a:xfrm>
-          <a:prstGeom prst="rect">
-            <a:avLst/>
-          </a:prstGeom>
-          <a:noFill/>
-        </p:spPr>
-        <p:txBody>
-          <a:bodyPr wrap="square" rtlCol="0">
-            <a:spAutoFit/>
-          </a:bodyPr>
-          <a:lstStyle/>
-          <a:p>
-            <a:r>
-              <a:rPr lang="fr-FR" sz="900" dirty="0">
-                <a:solidFill>
-                  <a:schemeClr val="accent1"/>
-                </a:solidFill>
-              </a:rPr>
-              <a:t>&lt;h3&gt;</a:t>
-            </a:r>
-            <a:endParaRPr lang="en-BE" sz="900" dirty="0">
-              <a:solidFill>
-                <a:schemeClr val="accent1"/>
-              </a:solidFill>
-            </a:endParaRPr>
-          </a:p>
-        </p:txBody>
-      </p:sp>
-      <p:sp>
-        <p:nvSpPr>
-          <p:cNvPr id="66" name="TextBox 65">
-            <a:extLst>
-              <a:ext uri="{FF2B5EF4-FFF2-40B4-BE49-F238E27FC236}">
-                <a16:creationId xmlns:a16="http://schemas.microsoft.com/office/drawing/2014/main" id="{66673F4D-DA87-4485-8D89-BC8EF44654A6}"/>
-              </a:ext>
-            </a:extLst>
-          </p:cNvPr>
-          <p:cNvSpPr txBox="1"/>
-          <p:nvPr/>
-        </p:nvSpPr>
-        <p:spPr>
-          <a:xfrm>
-            <a:off x="5243737" y="9692869"/>
-            <a:ext cx="535678" cy="230832"/>
-          </a:xfrm>
-          <a:prstGeom prst="rect">
-            <a:avLst/>
-          </a:prstGeom>
-          <a:noFill/>
-        </p:spPr>
-        <p:txBody>
-          <a:bodyPr wrap="square" rtlCol="0">
-            <a:spAutoFit/>
-          </a:bodyPr>
-          <a:lstStyle/>
-          <a:p>
-            <a:r>
-              <a:rPr lang="fr-FR" sz="900" dirty="0">
-                <a:solidFill>
-                  <a:schemeClr val="accent1"/>
-                </a:solidFill>
-              </a:rPr>
-              <a:t>&lt;h3&gt;</a:t>
-            </a:r>
-            <a:endParaRPr lang="en-BE" sz="900" dirty="0">
-              <a:solidFill>
-                <a:schemeClr val="accent1"/>
-              </a:solidFill>
-            </a:endParaRPr>
-          </a:p>
-        </p:txBody>
-      </p:sp>
-      <p:sp>
-        <p:nvSpPr>
-          <p:cNvPr id="67" name="TextBox 66">
-            <a:extLst>
-              <a:ext uri="{FF2B5EF4-FFF2-40B4-BE49-F238E27FC236}">
-                <a16:creationId xmlns:a16="http://schemas.microsoft.com/office/drawing/2014/main" id="{D70EEDF7-5044-4954-8DD7-C4DDD0CC13FB}"/>
-              </a:ext>
-            </a:extLst>
-          </p:cNvPr>
-          <p:cNvSpPr txBox="1"/>
-          <p:nvPr/>
-        </p:nvSpPr>
-        <p:spPr>
-          <a:xfrm>
-            <a:off x="1008770" y="9840880"/>
-            <a:ext cx="535678" cy="230832"/>
-          </a:xfrm>
-          <a:prstGeom prst="rect">
-            <a:avLst/>
-          </a:prstGeom>
-          <a:noFill/>
-        </p:spPr>
-        <p:txBody>
-          <a:bodyPr wrap="square" rtlCol="0">
-            <a:spAutoFit/>
-          </a:bodyPr>
-          <a:lstStyle/>
-          <a:p>
-            <a:r>
-              <a:rPr lang="fr-FR" sz="900" dirty="0">
-                <a:solidFill>
-                  <a:schemeClr val="accent1"/>
-                </a:solidFill>
-              </a:rPr>
-              <a:t>&lt;</a:t>
-            </a:r>
-            <a:r>
-              <a:rPr lang="fr-FR" sz="900" dirty="0" err="1">
-                <a:solidFill>
-                  <a:schemeClr val="accent1"/>
-                </a:solidFill>
-              </a:rPr>
-              <a:t>ul</a:t>
-            </a:r>
-            <a:r>
-              <a:rPr lang="fr-FR" sz="900" dirty="0">
-                <a:solidFill>
-                  <a:schemeClr val="accent1"/>
-                </a:solidFill>
-              </a:rPr>
-              <a:t>&gt;</a:t>
-            </a:r>
-            <a:endParaRPr lang="en-BE" sz="900" dirty="0">
-              <a:solidFill>
-                <a:schemeClr val="accent1"/>
-              </a:solidFill>
-            </a:endParaRPr>
-          </a:p>
-        </p:txBody>
-      </p:sp>
-      <p:sp>
-        <p:nvSpPr>
-          <p:cNvPr id="68" name="TextBox 67">
-            <a:extLst>
-              <a:ext uri="{FF2B5EF4-FFF2-40B4-BE49-F238E27FC236}">
-                <a16:creationId xmlns:a16="http://schemas.microsoft.com/office/drawing/2014/main" id="{79809069-E4F0-45E7-835D-DF71399E088D}"/>
-              </a:ext>
-            </a:extLst>
-          </p:cNvPr>
-          <p:cNvSpPr txBox="1"/>
-          <p:nvPr/>
-        </p:nvSpPr>
-        <p:spPr>
-          <a:xfrm>
-            <a:off x="3451220" y="9899153"/>
-            <a:ext cx="535678" cy="230832"/>
-          </a:xfrm>
-          <a:prstGeom prst="rect">
-            <a:avLst/>
-          </a:prstGeom>
-          <a:noFill/>
-        </p:spPr>
-        <p:txBody>
-          <a:bodyPr wrap="square" rtlCol="0">
-            <a:spAutoFit/>
-          </a:bodyPr>
-          <a:lstStyle/>
-          <a:p>
-            <a:r>
-              <a:rPr lang="fr-FR" sz="900" dirty="0">
-                <a:solidFill>
-                  <a:schemeClr val="accent1"/>
-                </a:solidFill>
-              </a:rPr>
-              <a:t>&lt;</a:t>
-            </a:r>
-            <a:r>
-              <a:rPr lang="fr-FR" sz="900" dirty="0" err="1">
-                <a:solidFill>
-                  <a:schemeClr val="accent1"/>
-                </a:solidFill>
-              </a:rPr>
-              <a:t>ul</a:t>
-            </a:r>
-            <a:r>
-              <a:rPr lang="fr-FR" sz="900" dirty="0">
-                <a:solidFill>
-                  <a:schemeClr val="accent1"/>
-                </a:solidFill>
-              </a:rPr>
-              <a:t>&gt;</a:t>
-            </a:r>
-            <a:endParaRPr lang="en-BE" sz="900" dirty="0">
-              <a:solidFill>
-                <a:schemeClr val="accent1"/>
-              </a:solidFill>
-            </a:endParaRPr>
-          </a:p>
-        </p:txBody>
-      </p:sp>
-      <p:sp>
-        <p:nvSpPr>
-          <p:cNvPr id="69" name="TextBox 68">
-            <a:extLst>
-              <a:ext uri="{FF2B5EF4-FFF2-40B4-BE49-F238E27FC236}">
-                <a16:creationId xmlns:a16="http://schemas.microsoft.com/office/drawing/2014/main" id="{250CF495-0857-4D81-AD24-F8148AB38751}"/>
-              </a:ext>
-            </a:extLst>
-          </p:cNvPr>
-          <p:cNvSpPr txBox="1"/>
-          <p:nvPr/>
-        </p:nvSpPr>
-        <p:spPr>
-          <a:xfrm>
-            <a:off x="5299553" y="9884790"/>
-            <a:ext cx="535678" cy="230832"/>
-          </a:xfrm>
-          <a:prstGeom prst="rect">
-            <a:avLst/>
-          </a:prstGeom>
-          <a:noFill/>
-        </p:spPr>
-        <p:txBody>
-          <a:bodyPr wrap="square" rtlCol="0">
-            <a:spAutoFit/>
-          </a:bodyPr>
-          <a:lstStyle/>
-          <a:p>
-            <a:r>
-              <a:rPr lang="fr-FR" sz="900" dirty="0">
-                <a:solidFill>
-                  <a:schemeClr val="accent1"/>
-                </a:solidFill>
-              </a:rPr>
-              <a:t>&lt;</a:t>
-            </a:r>
-            <a:r>
-              <a:rPr lang="fr-FR" sz="900" dirty="0" err="1">
-                <a:solidFill>
-                  <a:schemeClr val="accent1"/>
-                </a:solidFill>
-              </a:rPr>
-              <a:t>ul</a:t>
-            </a:r>
-            <a:r>
-              <a:rPr lang="fr-FR" sz="900" dirty="0">
-                <a:solidFill>
-                  <a:schemeClr val="accent1"/>
-                </a:solidFill>
-              </a:rPr>
-              <a:t>&gt;</a:t>
-            </a:r>
-            <a:endParaRPr lang="en-BE" sz="900" dirty="0">
-              <a:solidFill>
-                <a:schemeClr val="accent1"/>
-              </a:solidFill>
-            </a:endParaRPr>
-          </a:p>
-        </p:txBody>
-      </p:sp>
-      <p:sp>
-        <p:nvSpPr>
-          <p:cNvPr id="70" name="Rectangle 69">
-            <a:extLst>
-              <a:ext uri="{FF2B5EF4-FFF2-40B4-BE49-F238E27FC236}">
-                <a16:creationId xmlns:a16="http://schemas.microsoft.com/office/drawing/2014/main" id="{D44C2464-E524-4F67-B5B8-A117538833F3}"/>
+          <p:cNvPr id="71" name="Rectangle 70">
+            <a:extLst>
+              <a:ext uri="{FF2B5EF4-FFF2-40B4-BE49-F238E27FC236}">
+                <a16:creationId xmlns:a16="http://schemas.microsoft.com/office/drawing/2014/main" id="{1D4695D6-93A1-4DDA-BC81-96C865E11A12}"/>
               </a:ext>
             </a:extLst>
           </p:cNvPr>
@@ -6099,8 +6423,8 @@
         </p:nvSpPr>
         <p:spPr>
           <a:xfrm>
-            <a:off x="264979" y="3646312"/>
-            <a:ext cx="3333627" cy="338191"/>
+            <a:off x="290994" y="4045825"/>
+            <a:ext cx="1314253" cy="1048525"/>
           </a:xfrm>
           <a:prstGeom prst="rect">
             <a:avLst/>
@@ -6108,7 +6432,7 @@
           <a:noFill/>
           <a:ln>
             <a:solidFill>
-              <a:schemeClr val="accent6"/>
+              <a:schemeClr val="accent4"/>
             </a:solidFill>
           </a:ln>
         </p:spPr>
@@ -6139,10 +6463,10 @@
       </p:sp>
       <p:sp>
         <p:nvSpPr>
-          <p:cNvPr id="71" name="Rectangle 70">
-            <a:extLst>
-              <a:ext uri="{FF2B5EF4-FFF2-40B4-BE49-F238E27FC236}">
-                <a16:creationId xmlns:a16="http://schemas.microsoft.com/office/drawing/2014/main" id="{1D4695D6-93A1-4DDA-BC81-96C865E11A12}"/>
+          <p:cNvPr id="72" name="Rectangle 71">
+            <a:extLst>
+              <a:ext uri="{FF2B5EF4-FFF2-40B4-BE49-F238E27FC236}">
+                <a16:creationId xmlns:a16="http://schemas.microsoft.com/office/drawing/2014/main" id="{674AD395-7E8F-4C1F-89D8-740F91E346DF}"/>
               </a:ext>
             </a:extLst>
           </p:cNvPr>
@@ -6151,8 +6475,8 @@
         </p:nvSpPr>
         <p:spPr>
           <a:xfrm>
-            <a:off x="290994" y="4045825"/>
-            <a:ext cx="1314253" cy="1048525"/>
+            <a:off x="273987" y="5130016"/>
+            <a:ext cx="1331260" cy="1043621"/>
           </a:xfrm>
           <a:prstGeom prst="rect">
             <a:avLst/>
@@ -6191,10 +6515,10 @@
       </p:sp>
       <p:sp>
         <p:nvSpPr>
-          <p:cNvPr id="72" name="Rectangle 71">
-            <a:extLst>
-              <a:ext uri="{FF2B5EF4-FFF2-40B4-BE49-F238E27FC236}">
-                <a16:creationId xmlns:a16="http://schemas.microsoft.com/office/drawing/2014/main" id="{674AD395-7E8F-4C1F-89D8-740F91E346DF}"/>
+          <p:cNvPr id="73" name="Rectangle 72">
+            <a:extLst>
+              <a:ext uri="{FF2B5EF4-FFF2-40B4-BE49-F238E27FC236}">
+                <a16:creationId xmlns:a16="http://schemas.microsoft.com/office/drawing/2014/main" id="{908ACD6E-5114-40AE-8143-2B3276D44161}"/>
               </a:ext>
             </a:extLst>
           </p:cNvPr>
@@ -6203,8 +6527,8 @@
         </p:nvSpPr>
         <p:spPr>
           <a:xfrm>
-            <a:off x="273987" y="5130016"/>
-            <a:ext cx="1331260" cy="1043621"/>
+            <a:off x="1629840" y="5131532"/>
+            <a:ext cx="1386007" cy="1042106"/>
           </a:xfrm>
           <a:prstGeom prst="rect">
             <a:avLst/>
@@ -6243,10 +6567,10 @@
       </p:sp>
       <p:sp>
         <p:nvSpPr>
-          <p:cNvPr id="73" name="Rectangle 72">
-            <a:extLst>
-              <a:ext uri="{FF2B5EF4-FFF2-40B4-BE49-F238E27FC236}">
-                <a16:creationId xmlns:a16="http://schemas.microsoft.com/office/drawing/2014/main" id="{908ACD6E-5114-40AE-8143-2B3276D44161}"/>
+          <p:cNvPr id="74" name="Rectangle 73">
+            <a:extLst>
+              <a:ext uri="{FF2B5EF4-FFF2-40B4-BE49-F238E27FC236}">
+                <a16:creationId xmlns:a16="http://schemas.microsoft.com/office/drawing/2014/main" id="{66360CD8-4086-4169-AEE8-D48A4C54EFAD}"/>
               </a:ext>
             </a:extLst>
           </p:cNvPr>
@@ -6255,7 +6579,7 @@
         </p:nvSpPr>
         <p:spPr>
           <a:xfrm>
-            <a:off x="1629840" y="5131532"/>
+            <a:off x="1631449" y="4052244"/>
             <a:ext cx="1386007" cy="1042106"/>
           </a:xfrm>
           <a:prstGeom prst="rect">
@@ -6295,10 +6619,10 @@
       </p:sp>
       <p:sp>
         <p:nvSpPr>
-          <p:cNvPr id="74" name="Rectangle 73">
-            <a:extLst>
-              <a:ext uri="{FF2B5EF4-FFF2-40B4-BE49-F238E27FC236}">
-                <a16:creationId xmlns:a16="http://schemas.microsoft.com/office/drawing/2014/main" id="{66360CD8-4086-4169-AEE8-D48A4C54EFAD}"/>
+          <p:cNvPr id="75" name="Rectangle 74">
+            <a:extLst>
+              <a:ext uri="{FF2B5EF4-FFF2-40B4-BE49-F238E27FC236}">
+                <a16:creationId xmlns:a16="http://schemas.microsoft.com/office/drawing/2014/main" id="{3596288D-B5AC-4F84-B7E0-A87130C6B19A}"/>
               </a:ext>
             </a:extLst>
           </p:cNvPr>
@@ -6307,8 +6631,8 @@
         </p:nvSpPr>
         <p:spPr>
           <a:xfrm>
-            <a:off x="1631449" y="4052244"/>
-            <a:ext cx="1386007" cy="1042106"/>
+            <a:off x="3048381" y="4067342"/>
+            <a:ext cx="1326909" cy="1027008"/>
           </a:xfrm>
           <a:prstGeom prst="rect">
             <a:avLst/>
@@ -6347,10 +6671,10 @@
       </p:sp>
       <p:sp>
         <p:nvSpPr>
-          <p:cNvPr id="75" name="Rectangle 74">
-            <a:extLst>
-              <a:ext uri="{FF2B5EF4-FFF2-40B4-BE49-F238E27FC236}">
-                <a16:creationId xmlns:a16="http://schemas.microsoft.com/office/drawing/2014/main" id="{3596288D-B5AC-4F84-B7E0-A87130C6B19A}"/>
+          <p:cNvPr id="76" name="Rectangle 75">
+            <a:extLst>
+              <a:ext uri="{FF2B5EF4-FFF2-40B4-BE49-F238E27FC236}">
+                <a16:creationId xmlns:a16="http://schemas.microsoft.com/office/drawing/2014/main" id="{019EF918-2ED2-4CAE-8B8E-488C9DBF80E4}"/>
               </a:ext>
             </a:extLst>
           </p:cNvPr>
@@ -6359,8 +6683,8 @@
         </p:nvSpPr>
         <p:spPr>
           <a:xfrm>
-            <a:off x="3048381" y="4067342"/>
-            <a:ext cx="1326909" cy="1027008"/>
+            <a:off x="3048381" y="5135190"/>
+            <a:ext cx="1326909" cy="1041685"/>
           </a:xfrm>
           <a:prstGeom prst="rect">
             <a:avLst/>
@@ -6399,10 +6723,10 @@
       </p:sp>
       <p:sp>
         <p:nvSpPr>
-          <p:cNvPr id="76" name="Rectangle 75">
-            <a:extLst>
-              <a:ext uri="{FF2B5EF4-FFF2-40B4-BE49-F238E27FC236}">
-                <a16:creationId xmlns:a16="http://schemas.microsoft.com/office/drawing/2014/main" id="{019EF918-2ED2-4CAE-8B8E-488C9DBF80E4}"/>
+          <p:cNvPr id="77" name="Rectangle 76">
+            <a:extLst>
+              <a:ext uri="{FF2B5EF4-FFF2-40B4-BE49-F238E27FC236}">
+                <a16:creationId xmlns:a16="http://schemas.microsoft.com/office/drawing/2014/main" id="{207A3283-D6DD-4828-BA21-D51C9F183BC4}"/>
               </a:ext>
             </a:extLst>
           </p:cNvPr>
@@ -6411,8 +6735,8 @@
         </p:nvSpPr>
         <p:spPr>
           <a:xfrm>
-            <a:off x="3048381" y="5135190"/>
-            <a:ext cx="1326909" cy="1041685"/>
+            <a:off x="4688896" y="3756464"/>
+            <a:ext cx="1904125" cy="293674"/>
           </a:xfrm>
           <a:prstGeom prst="rect">
             <a:avLst/>
@@ -6420,7 +6744,7 @@
           <a:noFill/>
           <a:ln>
             <a:solidFill>
-              <a:schemeClr val="accent4"/>
+              <a:schemeClr val="accent6"/>
             </a:solidFill>
           </a:ln>
         </p:spPr>
@@ -6451,10 +6775,10 @@
       </p:sp>
       <p:sp>
         <p:nvSpPr>
-          <p:cNvPr id="77" name="Rectangle 76">
-            <a:extLst>
-              <a:ext uri="{FF2B5EF4-FFF2-40B4-BE49-F238E27FC236}">
-                <a16:creationId xmlns:a16="http://schemas.microsoft.com/office/drawing/2014/main" id="{207A3283-D6DD-4828-BA21-D51C9F183BC4}"/>
+          <p:cNvPr id="78" name="Rectangle 77">
+            <a:extLst>
+              <a:ext uri="{FF2B5EF4-FFF2-40B4-BE49-F238E27FC236}">
+                <a16:creationId xmlns:a16="http://schemas.microsoft.com/office/drawing/2014/main" id="{3385A6F4-F463-4D52-9BA4-34ACE1646597}"/>
               </a:ext>
             </a:extLst>
           </p:cNvPr>
@@ -6463,8 +6787,8 @@
         </p:nvSpPr>
         <p:spPr>
           <a:xfrm>
-            <a:off x="4688896" y="3756464"/>
-            <a:ext cx="1904125" cy="293674"/>
+            <a:off x="4688486" y="4074916"/>
+            <a:ext cx="1904125" cy="735306"/>
           </a:xfrm>
           <a:prstGeom prst="rect">
             <a:avLst/>
@@ -6503,10 +6827,10 @@
       </p:sp>
       <p:sp>
         <p:nvSpPr>
-          <p:cNvPr id="78" name="Rectangle 77">
-            <a:extLst>
-              <a:ext uri="{FF2B5EF4-FFF2-40B4-BE49-F238E27FC236}">
-                <a16:creationId xmlns:a16="http://schemas.microsoft.com/office/drawing/2014/main" id="{3385A6F4-F463-4D52-9BA4-34ACE1646597}"/>
+          <p:cNvPr id="79" name="Rectangle 78">
+            <a:extLst>
+              <a:ext uri="{FF2B5EF4-FFF2-40B4-BE49-F238E27FC236}">
+                <a16:creationId xmlns:a16="http://schemas.microsoft.com/office/drawing/2014/main" id="{C2ABCF7E-942A-4F29-B33D-01AE88FC5132}"/>
               </a:ext>
             </a:extLst>
           </p:cNvPr>
@@ -6515,8 +6839,8 @@
         </p:nvSpPr>
         <p:spPr>
           <a:xfrm>
-            <a:off x="4688486" y="4074916"/>
-            <a:ext cx="1904125" cy="735306"/>
+            <a:off x="4688076" y="4842375"/>
+            <a:ext cx="1904125" cy="823908"/>
           </a:xfrm>
           <a:prstGeom prst="rect">
             <a:avLst/>
@@ -6555,10 +6879,10 @@
       </p:sp>
       <p:sp>
         <p:nvSpPr>
-          <p:cNvPr id="79" name="Rectangle 78">
-            <a:extLst>
-              <a:ext uri="{FF2B5EF4-FFF2-40B4-BE49-F238E27FC236}">
-                <a16:creationId xmlns:a16="http://schemas.microsoft.com/office/drawing/2014/main" id="{C2ABCF7E-942A-4F29-B33D-01AE88FC5132}"/>
+          <p:cNvPr id="80" name="Rectangle 79">
+            <a:extLst>
+              <a:ext uri="{FF2B5EF4-FFF2-40B4-BE49-F238E27FC236}">
+                <a16:creationId xmlns:a16="http://schemas.microsoft.com/office/drawing/2014/main" id="{ADA3AABE-FDE1-4432-958F-E1D4125AA1F7}"/>
               </a:ext>
             </a:extLst>
           </p:cNvPr>
@@ -6567,8 +6891,8 @@
         </p:nvSpPr>
         <p:spPr>
           <a:xfrm>
-            <a:off x="4688076" y="4842375"/>
-            <a:ext cx="1904125" cy="823908"/>
+            <a:off x="4687666" y="5713721"/>
+            <a:ext cx="1904125" cy="859030"/>
           </a:xfrm>
           <a:prstGeom prst="rect">
             <a:avLst/>
@@ -6607,10 +6931,10 @@
       </p:sp>
       <p:sp>
         <p:nvSpPr>
-          <p:cNvPr id="80" name="Rectangle 79">
-            <a:extLst>
-              <a:ext uri="{FF2B5EF4-FFF2-40B4-BE49-F238E27FC236}">
-                <a16:creationId xmlns:a16="http://schemas.microsoft.com/office/drawing/2014/main" id="{ADA3AABE-FDE1-4432-958F-E1D4125AA1F7}"/>
+          <p:cNvPr id="81" name="Rectangle 80">
+            <a:extLst>
+              <a:ext uri="{FF2B5EF4-FFF2-40B4-BE49-F238E27FC236}">
+                <a16:creationId xmlns:a16="http://schemas.microsoft.com/office/drawing/2014/main" id="{D05CFC00-A65C-4819-8F44-5377FFC9CBE4}"/>
               </a:ext>
             </a:extLst>
           </p:cNvPr>
@@ -6619,8 +6943,8 @@
         </p:nvSpPr>
         <p:spPr>
           <a:xfrm>
-            <a:off x="4687666" y="5713721"/>
-            <a:ext cx="1904125" cy="859030"/>
+            <a:off x="141926" y="7113843"/>
+            <a:ext cx="1600438" cy="2184520"/>
           </a:xfrm>
           <a:prstGeom prst="rect">
             <a:avLst/>
@@ -6659,10 +6983,10 @@
       </p:sp>
       <p:sp>
         <p:nvSpPr>
-          <p:cNvPr id="81" name="Rectangle 80">
-            <a:extLst>
-              <a:ext uri="{FF2B5EF4-FFF2-40B4-BE49-F238E27FC236}">
-                <a16:creationId xmlns:a16="http://schemas.microsoft.com/office/drawing/2014/main" id="{D05CFC00-A65C-4819-8F44-5377FFC9CBE4}"/>
+          <p:cNvPr id="82" name="Rectangle 81">
+            <a:extLst>
+              <a:ext uri="{FF2B5EF4-FFF2-40B4-BE49-F238E27FC236}">
+                <a16:creationId xmlns:a16="http://schemas.microsoft.com/office/drawing/2014/main" id="{6DD577EB-0E6B-4C11-805B-90E267751568}"/>
               </a:ext>
             </a:extLst>
           </p:cNvPr>
@@ -6671,8 +6995,8 @@
         </p:nvSpPr>
         <p:spPr>
           <a:xfrm>
-            <a:off x="141926" y="7113843"/>
-            <a:ext cx="1600438" cy="2184520"/>
+            <a:off x="1776777" y="7113636"/>
+            <a:ext cx="1600438" cy="1211885"/>
           </a:xfrm>
           <a:prstGeom prst="rect">
             <a:avLst/>
@@ -6711,10 +7035,10 @@
       </p:sp>
       <p:sp>
         <p:nvSpPr>
-          <p:cNvPr id="82" name="Rectangle 81">
-            <a:extLst>
-              <a:ext uri="{FF2B5EF4-FFF2-40B4-BE49-F238E27FC236}">
-                <a16:creationId xmlns:a16="http://schemas.microsoft.com/office/drawing/2014/main" id="{6DD577EB-0E6B-4C11-805B-90E267751568}"/>
+          <p:cNvPr id="83" name="Rectangle 82">
+            <a:extLst>
+              <a:ext uri="{FF2B5EF4-FFF2-40B4-BE49-F238E27FC236}">
+                <a16:creationId xmlns:a16="http://schemas.microsoft.com/office/drawing/2014/main" id="{CC2D1568-8C19-49AA-AF27-93B5E35C5A9B}"/>
               </a:ext>
             </a:extLst>
           </p:cNvPr>
@@ -6723,8 +7047,8 @@
         </p:nvSpPr>
         <p:spPr>
           <a:xfrm>
-            <a:off x="1776777" y="7113636"/>
-            <a:ext cx="1600438" cy="1211885"/>
+            <a:off x="1782882" y="8373143"/>
+            <a:ext cx="1594333" cy="925220"/>
           </a:xfrm>
           <a:prstGeom prst="rect">
             <a:avLst/>
@@ -6763,10 +7087,10 @@
       </p:sp>
       <p:sp>
         <p:nvSpPr>
-          <p:cNvPr id="83" name="Rectangle 82">
-            <a:extLst>
-              <a:ext uri="{FF2B5EF4-FFF2-40B4-BE49-F238E27FC236}">
-                <a16:creationId xmlns:a16="http://schemas.microsoft.com/office/drawing/2014/main" id="{CC2D1568-8C19-49AA-AF27-93B5E35C5A9B}"/>
+          <p:cNvPr id="84" name="Rectangle 83">
+            <a:extLst>
+              <a:ext uri="{FF2B5EF4-FFF2-40B4-BE49-F238E27FC236}">
+                <a16:creationId xmlns:a16="http://schemas.microsoft.com/office/drawing/2014/main" id="{66E8F296-ED6D-4000-913D-62D4EB7B04D0}"/>
               </a:ext>
             </a:extLst>
           </p:cNvPr>
@@ -6775,8 +7099,8 @@
         </p:nvSpPr>
         <p:spPr>
           <a:xfrm>
-            <a:off x="1782882" y="8373143"/>
-            <a:ext cx="1594333" cy="925220"/>
+            <a:off x="3411628" y="7117841"/>
+            <a:ext cx="1642593" cy="2180522"/>
           </a:xfrm>
           <a:prstGeom prst="rect">
             <a:avLst/>
@@ -6815,10 +7139,10 @@
       </p:sp>
       <p:sp>
         <p:nvSpPr>
-          <p:cNvPr id="84" name="Rectangle 83">
-            <a:extLst>
-              <a:ext uri="{FF2B5EF4-FFF2-40B4-BE49-F238E27FC236}">
-                <a16:creationId xmlns:a16="http://schemas.microsoft.com/office/drawing/2014/main" id="{66E8F296-ED6D-4000-913D-62D4EB7B04D0}"/>
+          <p:cNvPr id="85" name="Rectangle 84">
+            <a:extLst>
+              <a:ext uri="{FF2B5EF4-FFF2-40B4-BE49-F238E27FC236}">
+                <a16:creationId xmlns:a16="http://schemas.microsoft.com/office/drawing/2014/main" id="{2A520385-CF11-4285-85C0-E3DAB2916064}"/>
               </a:ext>
             </a:extLst>
           </p:cNvPr>
@@ -6827,8 +7151,8 @@
         </p:nvSpPr>
         <p:spPr>
           <a:xfrm>
-            <a:off x="3411628" y="7117841"/>
-            <a:ext cx="1642593" cy="2180522"/>
+            <a:off x="5088634" y="7125324"/>
+            <a:ext cx="1634851" cy="1024151"/>
           </a:xfrm>
           <a:prstGeom prst="rect">
             <a:avLst/>
@@ -6867,10 +7191,10 @@
       </p:sp>
       <p:sp>
         <p:nvSpPr>
-          <p:cNvPr id="85" name="Rectangle 84">
-            <a:extLst>
-              <a:ext uri="{FF2B5EF4-FFF2-40B4-BE49-F238E27FC236}">
-                <a16:creationId xmlns:a16="http://schemas.microsoft.com/office/drawing/2014/main" id="{2A520385-CF11-4285-85C0-E3DAB2916064}"/>
+          <p:cNvPr id="86" name="Rectangle 85">
+            <a:extLst>
+              <a:ext uri="{FF2B5EF4-FFF2-40B4-BE49-F238E27FC236}">
+                <a16:creationId xmlns:a16="http://schemas.microsoft.com/office/drawing/2014/main" id="{E617EABC-E4A1-468D-9BE7-A9ABB7E77595}"/>
               </a:ext>
             </a:extLst>
           </p:cNvPr>
@@ -6879,8 +7203,8 @@
         </p:nvSpPr>
         <p:spPr>
           <a:xfrm>
-            <a:off x="5088634" y="7125324"/>
-            <a:ext cx="1634851" cy="1024151"/>
+            <a:off x="5088634" y="8174253"/>
+            <a:ext cx="1634851" cy="1021746"/>
           </a:xfrm>
           <a:prstGeom prst="rect">
             <a:avLst/>
@@ -6919,10 +7243,822 @@
       </p:sp>
       <p:sp>
         <p:nvSpPr>
-          <p:cNvPr id="86" name="Rectangle 85">
-            <a:extLst>
-              <a:ext uri="{FF2B5EF4-FFF2-40B4-BE49-F238E27FC236}">
-                <a16:creationId xmlns:a16="http://schemas.microsoft.com/office/drawing/2014/main" id="{E617EABC-E4A1-468D-9BE7-A9ABB7E77595}"/>
+          <p:cNvPr id="87" name="TextBox 86">
+            <a:extLst>
+              <a:ext uri="{FF2B5EF4-FFF2-40B4-BE49-F238E27FC236}">
+                <a16:creationId xmlns:a16="http://schemas.microsoft.com/office/drawing/2014/main" id="{53AB2F5A-8748-4A48-A55D-B3E7A533CBDF}"/>
+              </a:ext>
+            </a:extLst>
+          </p:cNvPr>
+          <p:cNvSpPr txBox="1"/>
+          <p:nvPr/>
+        </p:nvSpPr>
+        <p:spPr>
+          <a:xfrm>
+            <a:off x="3098042" y="3730814"/>
+            <a:ext cx="862737" cy="230832"/>
+          </a:xfrm>
+          <a:prstGeom prst="rect">
+            <a:avLst/>
+          </a:prstGeom>
+          <a:noFill/>
+        </p:spPr>
+        <p:txBody>
+          <a:bodyPr wrap="none" rtlCol="0">
+            <a:spAutoFit/>
+          </a:bodyPr>
+          <a:lstStyle/>
+          <a:p>
+            <a:r>
+              <a:rPr lang="fr-FR" sz="900" dirty="0">
+                <a:solidFill>
+                  <a:schemeClr val="accent6"/>
+                </a:solidFill>
+              </a:rPr>
+              <a:t>&lt;.</a:t>
+            </a:r>
+            <a:r>
+              <a:rPr lang="fr-FR" sz="900" dirty="0" err="1">
+                <a:solidFill>
+                  <a:schemeClr val="accent6"/>
+                </a:solidFill>
+              </a:rPr>
+              <a:t>results</a:t>
+            </a:r>
+            <a:r>
+              <a:rPr lang="fr-FR" sz="900" dirty="0">
+                <a:solidFill>
+                  <a:schemeClr val="accent6"/>
+                </a:solidFill>
+              </a:rPr>
+              <a:t>__</a:t>
+            </a:r>
+            <a:r>
+              <a:rPr lang="fr-FR" sz="900" dirty="0" err="1">
+                <a:solidFill>
+                  <a:schemeClr val="accent6"/>
+                </a:solidFill>
+              </a:rPr>
+              <a:t>ttl</a:t>
+            </a:r>
+            <a:r>
+              <a:rPr lang="fr-FR" sz="900" dirty="0">
+                <a:solidFill>
+                  <a:schemeClr val="accent6"/>
+                </a:solidFill>
+              </a:rPr>
+              <a:t>&gt;</a:t>
+            </a:r>
+            <a:endParaRPr lang="en-BE" sz="900" dirty="0">
+              <a:solidFill>
+                <a:schemeClr val="accent6"/>
+              </a:solidFill>
+            </a:endParaRPr>
+          </a:p>
+        </p:txBody>
+      </p:sp>
+      <p:sp>
+        <p:nvSpPr>
+          <p:cNvPr id="88" name="TextBox 87">
+            <a:extLst>
+              <a:ext uri="{FF2B5EF4-FFF2-40B4-BE49-F238E27FC236}">
+                <a16:creationId xmlns:a16="http://schemas.microsoft.com/office/drawing/2014/main" id="{92CBEDB4-2192-4B67-A066-EC8132FC825A}"/>
+              </a:ext>
+            </a:extLst>
+          </p:cNvPr>
+          <p:cNvSpPr txBox="1"/>
+          <p:nvPr/>
+        </p:nvSpPr>
+        <p:spPr>
+          <a:xfrm>
+            <a:off x="5983536" y="3855682"/>
+            <a:ext cx="930063" cy="230832"/>
+          </a:xfrm>
+          <a:prstGeom prst="rect">
+            <a:avLst/>
+          </a:prstGeom>
+          <a:noFill/>
+        </p:spPr>
+        <p:txBody>
+          <a:bodyPr wrap="none" rtlCol="0">
+            <a:spAutoFit/>
+          </a:bodyPr>
+          <a:lstStyle/>
+          <a:p>
+            <a:r>
+              <a:rPr lang="fr-FR" sz="900" dirty="0">
+                <a:solidFill>
+                  <a:schemeClr val="accent6"/>
+                </a:solidFill>
+              </a:rPr>
+              <a:t>&lt;</a:t>
+            </a:r>
+            <a:r>
+              <a:rPr lang="fr-FR" sz="900" dirty="0" err="1">
+                <a:solidFill>
+                  <a:schemeClr val="accent6"/>
+                </a:solidFill>
+              </a:rPr>
+              <a:t>populars</a:t>
+            </a:r>
+            <a:r>
+              <a:rPr lang="fr-FR" sz="900" dirty="0">
+                <a:solidFill>
+                  <a:schemeClr val="accent6"/>
+                </a:solidFill>
+              </a:rPr>
+              <a:t>__</a:t>
+            </a:r>
+            <a:r>
+              <a:rPr lang="fr-FR" sz="900" dirty="0" err="1">
+                <a:solidFill>
+                  <a:schemeClr val="accent6"/>
+                </a:solidFill>
+              </a:rPr>
+              <a:t>ttl</a:t>
+            </a:r>
+            <a:r>
+              <a:rPr lang="fr-FR" sz="900" dirty="0">
+                <a:solidFill>
+                  <a:schemeClr val="accent6"/>
+                </a:solidFill>
+              </a:rPr>
+              <a:t>&gt;</a:t>
+            </a:r>
+            <a:endParaRPr lang="en-BE" sz="900" dirty="0">
+              <a:solidFill>
+                <a:schemeClr val="accent6"/>
+              </a:solidFill>
+            </a:endParaRPr>
+          </a:p>
+        </p:txBody>
+      </p:sp>
+      <p:sp>
+        <p:nvSpPr>
+          <p:cNvPr id="95" name="TextBox 94">
+            <a:extLst>
+              <a:ext uri="{FF2B5EF4-FFF2-40B4-BE49-F238E27FC236}">
+                <a16:creationId xmlns:a16="http://schemas.microsoft.com/office/drawing/2014/main" id="{E45D7822-C754-4E38-9DA9-862A592B8312}"/>
+              </a:ext>
+            </a:extLst>
+          </p:cNvPr>
+          <p:cNvSpPr txBox="1"/>
+          <p:nvPr/>
+        </p:nvSpPr>
+        <p:spPr>
+          <a:xfrm>
+            <a:off x="1226180" y="4875901"/>
+            <a:ext cx="441146" cy="230832"/>
+          </a:xfrm>
+          <a:prstGeom prst="rect">
+            <a:avLst/>
+          </a:prstGeom>
+          <a:noFill/>
+        </p:spPr>
+        <p:txBody>
+          <a:bodyPr wrap="none" rtlCol="0">
+            <a:spAutoFit/>
+          </a:bodyPr>
+          <a:lstStyle/>
+          <a:p>
+            <a:r>
+              <a:rPr lang="fr-FR" sz="900" dirty="0">
+                <a:solidFill>
+                  <a:schemeClr val="accent6"/>
+                </a:solidFill>
+              </a:rPr>
+              <a:t>&lt;div&gt;</a:t>
+            </a:r>
+            <a:endParaRPr lang="en-BE" sz="900" dirty="0">
+              <a:solidFill>
+                <a:schemeClr val="accent6"/>
+              </a:solidFill>
+            </a:endParaRPr>
+          </a:p>
+        </p:txBody>
+      </p:sp>
+      <p:sp>
+        <p:nvSpPr>
+          <p:cNvPr id="96" name="TextBox 95">
+            <a:extLst>
+              <a:ext uri="{FF2B5EF4-FFF2-40B4-BE49-F238E27FC236}">
+                <a16:creationId xmlns:a16="http://schemas.microsoft.com/office/drawing/2014/main" id="{F8FA0E71-2208-4EE4-AEB6-84FEF4668B7A}"/>
+              </a:ext>
+            </a:extLst>
+          </p:cNvPr>
+          <p:cNvSpPr txBox="1"/>
+          <p:nvPr/>
+        </p:nvSpPr>
+        <p:spPr>
+          <a:xfrm>
+            <a:off x="2602512" y="4877282"/>
+            <a:ext cx="441146" cy="230832"/>
+          </a:xfrm>
+          <a:prstGeom prst="rect">
+            <a:avLst/>
+          </a:prstGeom>
+          <a:noFill/>
+        </p:spPr>
+        <p:txBody>
+          <a:bodyPr wrap="none" rtlCol="0">
+            <a:spAutoFit/>
+          </a:bodyPr>
+          <a:lstStyle/>
+          <a:p>
+            <a:r>
+              <a:rPr lang="fr-FR" sz="900" dirty="0">
+                <a:solidFill>
+                  <a:schemeClr val="accent6"/>
+                </a:solidFill>
+              </a:rPr>
+              <a:t>&lt;div&gt;</a:t>
+            </a:r>
+            <a:endParaRPr lang="en-BE" sz="900" dirty="0">
+              <a:solidFill>
+                <a:schemeClr val="accent6"/>
+              </a:solidFill>
+            </a:endParaRPr>
+          </a:p>
+        </p:txBody>
+      </p:sp>
+      <p:sp>
+        <p:nvSpPr>
+          <p:cNvPr id="97" name="TextBox 96">
+            <a:extLst>
+              <a:ext uri="{FF2B5EF4-FFF2-40B4-BE49-F238E27FC236}">
+                <a16:creationId xmlns:a16="http://schemas.microsoft.com/office/drawing/2014/main" id="{6FC45715-CDAA-4C25-B716-27D39B6EAB8D}"/>
+              </a:ext>
+            </a:extLst>
+          </p:cNvPr>
+          <p:cNvSpPr txBox="1"/>
+          <p:nvPr/>
+        </p:nvSpPr>
+        <p:spPr>
+          <a:xfrm>
+            <a:off x="4031986" y="4865246"/>
+            <a:ext cx="441146" cy="230832"/>
+          </a:xfrm>
+          <a:prstGeom prst="rect">
+            <a:avLst/>
+          </a:prstGeom>
+          <a:noFill/>
+        </p:spPr>
+        <p:txBody>
+          <a:bodyPr wrap="none" rtlCol="0">
+            <a:spAutoFit/>
+          </a:bodyPr>
+          <a:lstStyle/>
+          <a:p>
+            <a:r>
+              <a:rPr lang="fr-FR" sz="900" dirty="0">
+                <a:solidFill>
+                  <a:schemeClr val="accent6"/>
+                </a:solidFill>
+              </a:rPr>
+              <a:t>&lt;div&gt;</a:t>
+            </a:r>
+            <a:endParaRPr lang="en-BE" sz="900" dirty="0">
+              <a:solidFill>
+                <a:schemeClr val="accent6"/>
+              </a:solidFill>
+            </a:endParaRPr>
+          </a:p>
+        </p:txBody>
+      </p:sp>
+      <p:sp>
+        <p:nvSpPr>
+          <p:cNvPr id="98" name="TextBox 97">
+            <a:extLst>
+              <a:ext uri="{FF2B5EF4-FFF2-40B4-BE49-F238E27FC236}">
+                <a16:creationId xmlns:a16="http://schemas.microsoft.com/office/drawing/2014/main" id="{511A2CBB-6098-475B-80F6-57E827601C75}"/>
+              </a:ext>
+            </a:extLst>
+          </p:cNvPr>
+          <p:cNvSpPr txBox="1"/>
+          <p:nvPr/>
+        </p:nvSpPr>
+        <p:spPr>
+          <a:xfrm>
+            <a:off x="1218848" y="6001883"/>
+            <a:ext cx="441146" cy="230832"/>
+          </a:xfrm>
+          <a:prstGeom prst="rect">
+            <a:avLst/>
+          </a:prstGeom>
+          <a:noFill/>
+        </p:spPr>
+        <p:txBody>
+          <a:bodyPr wrap="none" rtlCol="0">
+            <a:spAutoFit/>
+          </a:bodyPr>
+          <a:lstStyle/>
+          <a:p>
+            <a:r>
+              <a:rPr lang="fr-FR" sz="900" dirty="0">
+                <a:solidFill>
+                  <a:schemeClr val="accent6"/>
+                </a:solidFill>
+              </a:rPr>
+              <a:t>&lt;div&gt;</a:t>
+            </a:r>
+            <a:endParaRPr lang="en-BE" sz="900" dirty="0">
+              <a:solidFill>
+                <a:schemeClr val="accent6"/>
+              </a:solidFill>
+            </a:endParaRPr>
+          </a:p>
+        </p:txBody>
+      </p:sp>
+      <p:sp>
+        <p:nvSpPr>
+          <p:cNvPr id="99" name="TextBox 98">
+            <a:extLst>
+              <a:ext uri="{FF2B5EF4-FFF2-40B4-BE49-F238E27FC236}">
+                <a16:creationId xmlns:a16="http://schemas.microsoft.com/office/drawing/2014/main" id="{7E487BE4-2C40-4801-A03C-F054931CBF12}"/>
+              </a:ext>
+            </a:extLst>
+          </p:cNvPr>
+          <p:cNvSpPr txBox="1"/>
+          <p:nvPr/>
+        </p:nvSpPr>
+        <p:spPr>
+          <a:xfrm>
+            <a:off x="2603825" y="5982571"/>
+            <a:ext cx="441146" cy="230832"/>
+          </a:xfrm>
+          <a:prstGeom prst="rect">
+            <a:avLst/>
+          </a:prstGeom>
+          <a:noFill/>
+        </p:spPr>
+        <p:txBody>
+          <a:bodyPr wrap="none" rtlCol="0">
+            <a:spAutoFit/>
+          </a:bodyPr>
+          <a:lstStyle/>
+          <a:p>
+            <a:r>
+              <a:rPr lang="fr-FR" sz="900" dirty="0">
+                <a:solidFill>
+                  <a:schemeClr val="accent6"/>
+                </a:solidFill>
+              </a:rPr>
+              <a:t>&lt;div&gt;</a:t>
+            </a:r>
+            <a:endParaRPr lang="en-BE" sz="900" dirty="0">
+              <a:solidFill>
+                <a:schemeClr val="accent6"/>
+              </a:solidFill>
+            </a:endParaRPr>
+          </a:p>
+        </p:txBody>
+      </p:sp>
+      <p:sp>
+        <p:nvSpPr>
+          <p:cNvPr id="100" name="TextBox 99">
+            <a:extLst>
+              <a:ext uri="{FF2B5EF4-FFF2-40B4-BE49-F238E27FC236}">
+                <a16:creationId xmlns:a16="http://schemas.microsoft.com/office/drawing/2014/main" id="{61672D69-399C-47BC-8E53-8B4889A39CA0}"/>
+              </a:ext>
+            </a:extLst>
+          </p:cNvPr>
+          <p:cNvSpPr txBox="1"/>
+          <p:nvPr/>
+        </p:nvSpPr>
+        <p:spPr>
+          <a:xfrm>
+            <a:off x="4012351" y="6014804"/>
+            <a:ext cx="441146" cy="230832"/>
+          </a:xfrm>
+          <a:prstGeom prst="rect">
+            <a:avLst/>
+          </a:prstGeom>
+          <a:noFill/>
+        </p:spPr>
+        <p:txBody>
+          <a:bodyPr wrap="none" rtlCol="0">
+            <a:spAutoFit/>
+          </a:bodyPr>
+          <a:lstStyle/>
+          <a:p>
+            <a:r>
+              <a:rPr lang="fr-FR" sz="900" dirty="0">
+                <a:solidFill>
+                  <a:schemeClr val="accent6"/>
+                </a:solidFill>
+              </a:rPr>
+              <a:t>&lt;div&gt;</a:t>
+            </a:r>
+            <a:endParaRPr lang="en-BE" sz="900" dirty="0">
+              <a:solidFill>
+                <a:schemeClr val="accent6"/>
+              </a:solidFill>
+            </a:endParaRPr>
+          </a:p>
+        </p:txBody>
+      </p:sp>
+      <p:sp>
+        <p:nvSpPr>
+          <p:cNvPr id="101" name="TextBox 100">
+            <a:extLst>
+              <a:ext uri="{FF2B5EF4-FFF2-40B4-BE49-F238E27FC236}">
+                <a16:creationId xmlns:a16="http://schemas.microsoft.com/office/drawing/2014/main" id="{A2232D5C-FB88-4382-9756-49839C2938E8}"/>
+              </a:ext>
+            </a:extLst>
+          </p:cNvPr>
+          <p:cNvSpPr txBox="1"/>
+          <p:nvPr/>
+        </p:nvSpPr>
+        <p:spPr>
+          <a:xfrm>
+            <a:off x="6214880" y="4616218"/>
+            <a:ext cx="441146" cy="230832"/>
+          </a:xfrm>
+          <a:prstGeom prst="rect">
+            <a:avLst/>
+          </a:prstGeom>
+          <a:noFill/>
+        </p:spPr>
+        <p:txBody>
+          <a:bodyPr wrap="none" rtlCol="0">
+            <a:spAutoFit/>
+          </a:bodyPr>
+          <a:lstStyle/>
+          <a:p>
+            <a:r>
+              <a:rPr lang="fr-FR" sz="900" dirty="0">
+                <a:solidFill>
+                  <a:schemeClr val="accent6"/>
+                </a:solidFill>
+              </a:rPr>
+              <a:t>&lt;div&gt;</a:t>
+            </a:r>
+            <a:endParaRPr lang="en-BE" sz="900" dirty="0">
+              <a:solidFill>
+                <a:schemeClr val="accent6"/>
+              </a:solidFill>
+            </a:endParaRPr>
+          </a:p>
+        </p:txBody>
+      </p:sp>
+      <p:sp>
+        <p:nvSpPr>
+          <p:cNvPr id="102" name="TextBox 101">
+            <a:extLst>
+              <a:ext uri="{FF2B5EF4-FFF2-40B4-BE49-F238E27FC236}">
+                <a16:creationId xmlns:a16="http://schemas.microsoft.com/office/drawing/2014/main" id="{989B5C94-FFB4-42A3-A3CC-4DF3817F2B49}"/>
+              </a:ext>
+            </a:extLst>
+          </p:cNvPr>
+          <p:cNvSpPr txBox="1"/>
+          <p:nvPr/>
+        </p:nvSpPr>
+        <p:spPr>
+          <a:xfrm>
+            <a:off x="6191271" y="5445693"/>
+            <a:ext cx="441146" cy="230832"/>
+          </a:xfrm>
+          <a:prstGeom prst="rect">
+            <a:avLst/>
+          </a:prstGeom>
+          <a:noFill/>
+        </p:spPr>
+        <p:txBody>
+          <a:bodyPr wrap="none" rtlCol="0">
+            <a:spAutoFit/>
+          </a:bodyPr>
+          <a:lstStyle/>
+          <a:p>
+            <a:r>
+              <a:rPr lang="fr-FR" sz="900" dirty="0">
+                <a:solidFill>
+                  <a:schemeClr val="accent6"/>
+                </a:solidFill>
+              </a:rPr>
+              <a:t>&lt;div&gt;</a:t>
+            </a:r>
+            <a:endParaRPr lang="en-BE" sz="900" dirty="0">
+              <a:solidFill>
+                <a:schemeClr val="accent6"/>
+              </a:solidFill>
+            </a:endParaRPr>
+          </a:p>
+        </p:txBody>
+      </p:sp>
+      <p:sp>
+        <p:nvSpPr>
+          <p:cNvPr id="103" name="TextBox 102">
+            <a:extLst>
+              <a:ext uri="{FF2B5EF4-FFF2-40B4-BE49-F238E27FC236}">
+                <a16:creationId xmlns:a16="http://schemas.microsoft.com/office/drawing/2014/main" id="{751AC7F6-A4A3-4A0D-AFD6-DD115D40A1FD}"/>
+              </a:ext>
+            </a:extLst>
+          </p:cNvPr>
+          <p:cNvSpPr txBox="1"/>
+          <p:nvPr/>
+        </p:nvSpPr>
+        <p:spPr>
+          <a:xfrm>
+            <a:off x="6189974" y="6358462"/>
+            <a:ext cx="441146" cy="230832"/>
+          </a:xfrm>
+          <a:prstGeom prst="rect">
+            <a:avLst/>
+          </a:prstGeom>
+          <a:noFill/>
+        </p:spPr>
+        <p:txBody>
+          <a:bodyPr wrap="none" rtlCol="0">
+            <a:spAutoFit/>
+          </a:bodyPr>
+          <a:lstStyle/>
+          <a:p>
+            <a:r>
+              <a:rPr lang="fr-FR" sz="900" dirty="0">
+                <a:solidFill>
+                  <a:schemeClr val="accent6"/>
+                </a:solidFill>
+              </a:rPr>
+              <a:t>&lt;div&gt;</a:t>
+            </a:r>
+            <a:endParaRPr lang="en-BE" sz="900" dirty="0">
+              <a:solidFill>
+                <a:schemeClr val="accent6"/>
+              </a:solidFill>
+            </a:endParaRPr>
+          </a:p>
+        </p:txBody>
+      </p:sp>
+      <p:sp>
+        <p:nvSpPr>
+          <p:cNvPr id="104" name="TextBox 103">
+            <a:extLst>
+              <a:ext uri="{FF2B5EF4-FFF2-40B4-BE49-F238E27FC236}">
+                <a16:creationId xmlns:a16="http://schemas.microsoft.com/office/drawing/2014/main" id="{BCCE6B3A-7851-4D75-9A0F-DCAB61F37897}"/>
+              </a:ext>
+            </a:extLst>
+          </p:cNvPr>
+          <p:cNvSpPr txBox="1"/>
+          <p:nvPr/>
+        </p:nvSpPr>
+        <p:spPr>
+          <a:xfrm>
+            <a:off x="1312280" y="9074761"/>
+            <a:ext cx="441146" cy="230832"/>
+          </a:xfrm>
+          <a:prstGeom prst="rect">
+            <a:avLst/>
+          </a:prstGeom>
+          <a:noFill/>
+        </p:spPr>
+        <p:txBody>
+          <a:bodyPr wrap="none" rtlCol="0">
+            <a:spAutoFit/>
+          </a:bodyPr>
+          <a:lstStyle/>
+          <a:p>
+            <a:r>
+              <a:rPr lang="fr-FR" sz="900" dirty="0">
+                <a:solidFill>
+                  <a:schemeClr val="accent6"/>
+                </a:solidFill>
+              </a:rPr>
+              <a:t>&lt;div&gt;</a:t>
+            </a:r>
+            <a:endParaRPr lang="en-BE" sz="900" dirty="0">
+              <a:solidFill>
+                <a:schemeClr val="accent6"/>
+              </a:solidFill>
+            </a:endParaRPr>
+          </a:p>
+        </p:txBody>
+      </p:sp>
+      <p:sp>
+        <p:nvSpPr>
+          <p:cNvPr id="105" name="TextBox 104">
+            <a:extLst>
+              <a:ext uri="{FF2B5EF4-FFF2-40B4-BE49-F238E27FC236}">
+                <a16:creationId xmlns:a16="http://schemas.microsoft.com/office/drawing/2014/main" id="{DE4C4D26-DEA6-4091-88E8-553AF53D69F5}"/>
+              </a:ext>
+            </a:extLst>
+          </p:cNvPr>
+          <p:cNvSpPr txBox="1"/>
+          <p:nvPr/>
+        </p:nvSpPr>
+        <p:spPr>
+          <a:xfrm>
+            <a:off x="2980914" y="8101827"/>
+            <a:ext cx="441146" cy="230832"/>
+          </a:xfrm>
+          <a:prstGeom prst="rect">
+            <a:avLst/>
+          </a:prstGeom>
+          <a:noFill/>
+        </p:spPr>
+        <p:txBody>
+          <a:bodyPr wrap="none" rtlCol="0">
+            <a:spAutoFit/>
+          </a:bodyPr>
+          <a:lstStyle/>
+          <a:p>
+            <a:r>
+              <a:rPr lang="fr-FR" sz="900" dirty="0">
+                <a:solidFill>
+                  <a:schemeClr val="accent6"/>
+                </a:solidFill>
+              </a:rPr>
+              <a:t>&lt;div&gt;</a:t>
+            </a:r>
+            <a:endParaRPr lang="en-BE" sz="900" dirty="0">
+              <a:solidFill>
+                <a:schemeClr val="accent6"/>
+              </a:solidFill>
+            </a:endParaRPr>
+          </a:p>
+        </p:txBody>
+      </p:sp>
+      <p:sp>
+        <p:nvSpPr>
+          <p:cNvPr id="106" name="TextBox 105">
+            <a:extLst>
+              <a:ext uri="{FF2B5EF4-FFF2-40B4-BE49-F238E27FC236}">
+                <a16:creationId xmlns:a16="http://schemas.microsoft.com/office/drawing/2014/main" id="{39F1B6A5-E74F-4145-B41F-C0B9E6ECF099}"/>
+              </a:ext>
+            </a:extLst>
+          </p:cNvPr>
+          <p:cNvSpPr txBox="1"/>
+          <p:nvPr/>
+        </p:nvSpPr>
+        <p:spPr>
+          <a:xfrm>
+            <a:off x="2987443" y="9091342"/>
+            <a:ext cx="441146" cy="230832"/>
+          </a:xfrm>
+          <a:prstGeom prst="rect">
+            <a:avLst/>
+          </a:prstGeom>
+          <a:noFill/>
+        </p:spPr>
+        <p:txBody>
+          <a:bodyPr wrap="none" rtlCol="0">
+            <a:spAutoFit/>
+          </a:bodyPr>
+          <a:lstStyle/>
+          <a:p>
+            <a:r>
+              <a:rPr lang="fr-FR" sz="900" dirty="0">
+                <a:solidFill>
+                  <a:schemeClr val="accent6"/>
+                </a:solidFill>
+              </a:rPr>
+              <a:t>&lt;div&gt;</a:t>
+            </a:r>
+            <a:endParaRPr lang="en-BE" sz="900" dirty="0">
+              <a:solidFill>
+                <a:schemeClr val="accent6"/>
+              </a:solidFill>
+            </a:endParaRPr>
+          </a:p>
+        </p:txBody>
+      </p:sp>
+      <p:sp>
+        <p:nvSpPr>
+          <p:cNvPr id="107" name="TextBox 106">
+            <a:extLst>
+              <a:ext uri="{FF2B5EF4-FFF2-40B4-BE49-F238E27FC236}">
+                <a16:creationId xmlns:a16="http://schemas.microsoft.com/office/drawing/2014/main" id="{3C668374-7BFF-41A6-9EC7-6140AA1B8685}"/>
+              </a:ext>
+            </a:extLst>
+          </p:cNvPr>
+          <p:cNvSpPr txBox="1"/>
+          <p:nvPr/>
+        </p:nvSpPr>
+        <p:spPr>
+          <a:xfrm>
+            <a:off x="4645645" y="9075810"/>
+            <a:ext cx="441146" cy="230832"/>
+          </a:xfrm>
+          <a:prstGeom prst="rect">
+            <a:avLst/>
+          </a:prstGeom>
+          <a:noFill/>
+        </p:spPr>
+        <p:txBody>
+          <a:bodyPr wrap="none" rtlCol="0">
+            <a:spAutoFit/>
+          </a:bodyPr>
+          <a:lstStyle/>
+          <a:p>
+            <a:r>
+              <a:rPr lang="fr-FR" sz="900" dirty="0">
+                <a:solidFill>
+                  <a:schemeClr val="accent6"/>
+                </a:solidFill>
+              </a:rPr>
+              <a:t>&lt;div&gt;</a:t>
+            </a:r>
+            <a:endParaRPr lang="en-BE" sz="900" dirty="0">
+              <a:solidFill>
+                <a:schemeClr val="accent6"/>
+              </a:solidFill>
+            </a:endParaRPr>
+          </a:p>
+        </p:txBody>
+      </p:sp>
+      <p:sp>
+        <p:nvSpPr>
+          <p:cNvPr id="108" name="TextBox 107">
+            <a:extLst>
+              <a:ext uri="{FF2B5EF4-FFF2-40B4-BE49-F238E27FC236}">
+                <a16:creationId xmlns:a16="http://schemas.microsoft.com/office/drawing/2014/main" id="{76382931-9116-4E0F-B49F-60EDF119A7E2}"/>
+              </a:ext>
+            </a:extLst>
+          </p:cNvPr>
+          <p:cNvSpPr txBox="1"/>
+          <p:nvPr/>
+        </p:nvSpPr>
+        <p:spPr>
+          <a:xfrm>
+            <a:off x="6309384" y="7924580"/>
+            <a:ext cx="441146" cy="230832"/>
+          </a:xfrm>
+          <a:prstGeom prst="rect">
+            <a:avLst/>
+          </a:prstGeom>
+          <a:noFill/>
+        </p:spPr>
+        <p:txBody>
+          <a:bodyPr wrap="none" rtlCol="0">
+            <a:spAutoFit/>
+          </a:bodyPr>
+          <a:lstStyle/>
+          <a:p>
+            <a:r>
+              <a:rPr lang="fr-FR" sz="900" dirty="0">
+                <a:solidFill>
+                  <a:schemeClr val="accent6"/>
+                </a:solidFill>
+              </a:rPr>
+              <a:t>&lt;div&gt;</a:t>
+            </a:r>
+            <a:endParaRPr lang="en-BE" sz="900" dirty="0">
+              <a:solidFill>
+                <a:schemeClr val="accent6"/>
+              </a:solidFill>
+            </a:endParaRPr>
+          </a:p>
+        </p:txBody>
+      </p:sp>
+      <p:sp>
+        <p:nvSpPr>
+          <p:cNvPr id="109" name="TextBox 108">
+            <a:extLst>
+              <a:ext uri="{FF2B5EF4-FFF2-40B4-BE49-F238E27FC236}">
+                <a16:creationId xmlns:a16="http://schemas.microsoft.com/office/drawing/2014/main" id="{17D8667D-FA62-4147-97B2-AAB08B9E55C6}"/>
+              </a:ext>
+            </a:extLst>
+          </p:cNvPr>
+          <p:cNvSpPr txBox="1"/>
+          <p:nvPr/>
+        </p:nvSpPr>
+        <p:spPr>
+          <a:xfrm>
+            <a:off x="6315446" y="8978202"/>
+            <a:ext cx="441146" cy="230832"/>
+          </a:xfrm>
+          <a:prstGeom prst="rect">
+            <a:avLst/>
+          </a:prstGeom>
+          <a:noFill/>
+        </p:spPr>
+        <p:txBody>
+          <a:bodyPr wrap="none" rtlCol="0">
+            <a:spAutoFit/>
+          </a:bodyPr>
+          <a:lstStyle/>
+          <a:p>
+            <a:r>
+              <a:rPr lang="fr-FR" sz="900" dirty="0">
+                <a:solidFill>
+                  <a:schemeClr val="accent6"/>
+                </a:solidFill>
+              </a:rPr>
+              <a:t>&lt;div&gt;</a:t>
+            </a:r>
+            <a:endParaRPr lang="en-BE" sz="900" dirty="0">
+              <a:solidFill>
+                <a:schemeClr val="accent6"/>
+              </a:solidFill>
+            </a:endParaRPr>
+          </a:p>
+        </p:txBody>
+      </p:sp>
+      <p:sp>
+        <p:nvSpPr>
+          <p:cNvPr id="110" name="Rectangle 109">
+            <a:extLst>
+              <a:ext uri="{FF2B5EF4-FFF2-40B4-BE49-F238E27FC236}">
+                <a16:creationId xmlns:a16="http://schemas.microsoft.com/office/drawing/2014/main" id="{1020D115-7C4B-416B-9C44-50EBC5C39DD4}"/>
               </a:ext>
             </a:extLst>
           </p:cNvPr>
@@ -6931,8 +8067,8 @@
         </p:nvSpPr>
         <p:spPr>
           <a:xfrm>
-            <a:off x="5088634" y="8174253"/>
-            <a:ext cx="1634851" cy="1021746"/>
+            <a:off x="219240" y="6242944"/>
+            <a:ext cx="4215148" cy="346350"/>
           </a:xfrm>
           <a:prstGeom prst="rect">
             <a:avLst/>
@@ -6971,10 +8107,10 @@
       </p:sp>
       <p:sp>
         <p:nvSpPr>
-          <p:cNvPr id="87" name="TextBox 86">
-            <a:extLst>
-              <a:ext uri="{FF2B5EF4-FFF2-40B4-BE49-F238E27FC236}">
-                <a16:creationId xmlns:a16="http://schemas.microsoft.com/office/drawing/2014/main" id="{53AB2F5A-8748-4A48-A55D-B3E7A533CBDF}"/>
+          <p:cNvPr id="111" name="TextBox 110">
+            <a:extLst>
+              <a:ext uri="{FF2B5EF4-FFF2-40B4-BE49-F238E27FC236}">
+                <a16:creationId xmlns:a16="http://schemas.microsoft.com/office/drawing/2014/main" id="{615D27C1-6416-4C0C-8C03-EFDD01EC656A}"/>
               </a:ext>
             </a:extLst>
           </p:cNvPr>
@@ -6983,8 +8119,8 @@
         </p:nvSpPr>
         <p:spPr>
           <a:xfrm>
-            <a:off x="3098042" y="3730814"/>
-            <a:ext cx="418704" cy="230832"/>
+            <a:off x="4037527" y="6372305"/>
+            <a:ext cx="580608" cy="230832"/>
           </a:xfrm>
           <a:prstGeom prst="rect">
             <a:avLst/>
@@ -7003,823 +8139,7 @@
                   <a:schemeClr val="accent6"/>
                 </a:solidFill>
               </a:rPr>
-              <a:t>&lt;h2&gt;</a:t>
-            </a:r>
-            <a:endParaRPr lang="en-BE" sz="900" dirty="0">
-              <a:solidFill>
-                <a:schemeClr val="accent6"/>
-              </a:solidFill>
-            </a:endParaRPr>
-          </a:p>
-        </p:txBody>
-      </p:sp>
-      <p:sp>
-        <p:nvSpPr>
-          <p:cNvPr id="88" name="TextBox 87">
-            <a:extLst>
-              <a:ext uri="{FF2B5EF4-FFF2-40B4-BE49-F238E27FC236}">
-                <a16:creationId xmlns:a16="http://schemas.microsoft.com/office/drawing/2014/main" id="{92CBEDB4-2192-4B67-A066-EC8132FC825A}"/>
-              </a:ext>
-            </a:extLst>
-          </p:cNvPr>
-          <p:cNvSpPr txBox="1"/>
-          <p:nvPr/>
-        </p:nvSpPr>
-        <p:spPr>
-          <a:xfrm>
-            <a:off x="5983536" y="3855682"/>
-            <a:ext cx="418704" cy="230832"/>
-          </a:xfrm>
-          <a:prstGeom prst="rect">
-            <a:avLst/>
-          </a:prstGeom>
-          <a:noFill/>
-        </p:spPr>
-        <p:txBody>
-          <a:bodyPr wrap="none" rtlCol="0">
-            <a:spAutoFit/>
-          </a:bodyPr>
-          <a:lstStyle/>
-          <a:p>
-            <a:r>
-              <a:rPr lang="fr-FR" sz="900" dirty="0">
-                <a:solidFill>
-                  <a:schemeClr val="accent6"/>
-                </a:solidFill>
-              </a:rPr>
-              <a:t>&lt;h2&gt;</a:t>
-            </a:r>
-            <a:endParaRPr lang="en-BE" sz="900" dirty="0">
-              <a:solidFill>
-                <a:schemeClr val="accent6"/>
-              </a:solidFill>
-            </a:endParaRPr>
-          </a:p>
-        </p:txBody>
-      </p:sp>
-      <p:sp>
-        <p:nvSpPr>
-          <p:cNvPr id="95" name="TextBox 94">
-            <a:extLst>
-              <a:ext uri="{FF2B5EF4-FFF2-40B4-BE49-F238E27FC236}">
-                <a16:creationId xmlns:a16="http://schemas.microsoft.com/office/drawing/2014/main" id="{E45D7822-C754-4E38-9DA9-862A592B8312}"/>
-              </a:ext>
-            </a:extLst>
-          </p:cNvPr>
-          <p:cNvSpPr txBox="1"/>
-          <p:nvPr/>
-        </p:nvSpPr>
-        <p:spPr>
-          <a:xfrm>
-            <a:off x="1226180" y="4875901"/>
-            <a:ext cx="441146" cy="230832"/>
-          </a:xfrm>
-          <a:prstGeom prst="rect">
-            <a:avLst/>
-          </a:prstGeom>
-          <a:noFill/>
-        </p:spPr>
-        <p:txBody>
-          <a:bodyPr wrap="none" rtlCol="0">
-            <a:spAutoFit/>
-          </a:bodyPr>
-          <a:lstStyle/>
-          <a:p>
-            <a:r>
-              <a:rPr lang="fr-FR" sz="900" dirty="0">
-                <a:solidFill>
-                  <a:schemeClr val="accent6"/>
-                </a:solidFill>
-              </a:rPr>
-              <a:t>&lt;div&gt;</a:t>
-            </a:r>
-            <a:endParaRPr lang="en-BE" sz="900" dirty="0">
-              <a:solidFill>
-                <a:schemeClr val="accent6"/>
-              </a:solidFill>
-            </a:endParaRPr>
-          </a:p>
-        </p:txBody>
-      </p:sp>
-      <p:sp>
-        <p:nvSpPr>
-          <p:cNvPr id="96" name="TextBox 95">
-            <a:extLst>
-              <a:ext uri="{FF2B5EF4-FFF2-40B4-BE49-F238E27FC236}">
-                <a16:creationId xmlns:a16="http://schemas.microsoft.com/office/drawing/2014/main" id="{F8FA0E71-2208-4EE4-AEB6-84FEF4668B7A}"/>
-              </a:ext>
-            </a:extLst>
-          </p:cNvPr>
-          <p:cNvSpPr txBox="1"/>
-          <p:nvPr/>
-        </p:nvSpPr>
-        <p:spPr>
-          <a:xfrm>
-            <a:off x="2602512" y="4877282"/>
-            <a:ext cx="441146" cy="230832"/>
-          </a:xfrm>
-          <a:prstGeom prst="rect">
-            <a:avLst/>
-          </a:prstGeom>
-          <a:noFill/>
-        </p:spPr>
-        <p:txBody>
-          <a:bodyPr wrap="none" rtlCol="0">
-            <a:spAutoFit/>
-          </a:bodyPr>
-          <a:lstStyle/>
-          <a:p>
-            <a:r>
-              <a:rPr lang="fr-FR" sz="900" dirty="0">
-                <a:solidFill>
-                  <a:schemeClr val="accent6"/>
-                </a:solidFill>
-              </a:rPr>
-              <a:t>&lt;div&gt;</a:t>
-            </a:r>
-            <a:endParaRPr lang="en-BE" sz="900" dirty="0">
-              <a:solidFill>
-                <a:schemeClr val="accent6"/>
-              </a:solidFill>
-            </a:endParaRPr>
-          </a:p>
-        </p:txBody>
-      </p:sp>
-      <p:sp>
-        <p:nvSpPr>
-          <p:cNvPr id="97" name="TextBox 96">
-            <a:extLst>
-              <a:ext uri="{FF2B5EF4-FFF2-40B4-BE49-F238E27FC236}">
-                <a16:creationId xmlns:a16="http://schemas.microsoft.com/office/drawing/2014/main" id="{6FC45715-CDAA-4C25-B716-27D39B6EAB8D}"/>
-              </a:ext>
-            </a:extLst>
-          </p:cNvPr>
-          <p:cNvSpPr txBox="1"/>
-          <p:nvPr/>
-        </p:nvSpPr>
-        <p:spPr>
-          <a:xfrm>
-            <a:off x="4031986" y="4865246"/>
-            <a:ext cx="441146" cy="230832"/>
-          </a:xfrm>
-          <a:prstGeom prst="rect">
-            <a:avLst/>
-          </a:prstGeom>
-          <a:noFill/>
-        </p:spPr>
-        <p:txBody>
-          <a:bodyPr wrap="none" rtlCol="0">
-            <a:spAutoFit/>
-          </a:bodyPr>
-          <a:lstStyle/>
-          <a:p>
-            <a:r>
-              <a:rPr lang="fr-FR" sz="900" dirty="0">
-                <a:solidFill>
-                  <a:schemeClr val="accent6"/>
-                </a:solidFill>
-              </a:rPr>
-              <a:t>&lt;div&gt;</a:t>
-            </a:r>
-            <a:endParaRPr lang="en-BE" sz="900" dirty="0">
-              <a:solidFill>
-                <a:schemeClr val="accent6"/>
-              </a:solidFill>
-            </a:endParaRPr>
-          </a:p>
-        </p:txBody>
-      </p:sp>
-      <p:sp>
-        <p:nvSpPr>
-          <p:cNvPr id="98" name="TextBox 97">
-            <a:extLst>
-              <a:ext uri="{FF2B5EF4-FFF2-40B4-BE49-F238E27FC236}">
-                <a16:creationId xmlns:a16="http://schemas.microsoft.com/office/drawing/2014/main" id="{511A2CBB-6098-475B-80F6-57E827601C75}"/>
-              </a:ext>
-            </a:extLst>
-          </p:cNvPr>
-          <p:cNvSpPr txBox="1"/>
-          <p:nvPr/>
-        </p:nvSpPr>
-        <p:spPr>
-          <a:xfrm>
-            <a:off x="1218848" y="6001883"/>
-            <a:ext cx="441146" cy="230832"/>
-          </a:xfrm>
-          <a:prstGeom prst="rect">
-            <a:avLst/>
-          </a:prstGeom>
-          <a:noFill/>
-        </p:spPr>
-        <p:txBody>
-          <a:bodyPr wrap="none" rtlCol="0">
-            <a:spAutoFit/>
-          </a:bodyPr>
-          <a:lstStyle/>
-          <a:p>
-            <a:r>
-              <a:rPr lang="fr-FR" sz="900" dirty="0">
-                <a:solidFill>
-                  <a:schemeClr val="accent6"/>
-                </a:solidFill>
-              </a:rPr>
-              <a:t>&lt;div&gt;</a:t>
-            </a:r>
-            <a:endParaRPr lang="en-BE" sz="900" dirty="0">
-              <a:solidFill>
-                <a:schemeClr val="accent6"/>
-              </a:solidFill>
-            </a:endParaRPr>
-          </a:p>
-        </p:txBody>
-      </p:sp>
-      <p:sp>
-        <p:nvSpPr>
-          <p:cNvPr id="99" name="TextBox 98">
-            <a:extLst>
-              <a:ext uri="{FF2B5EF4-FFF2-40B4-BE49-F238E27FC236}">
-                <a16:creationId xmlns:a16="http://schemas.microsoft.com/office/drawing/2014/main" id="{7E487BE4-2C40-4801-A03C-F054931CBF12}"/>
-              </a:ext>
-            </a:extLst>
-          </p:cNvPr>
-          <p:cNvSpPr txBox="1"/>
-          <p:nvPr/>
-        </p:nvSpPr>
-        <p:spPr>
-          <a:xfrm>
-            <a:off x="2603825" y="5982571"/>
-            <a:ext cx="441146" cy="230832"/>
-          </a:xfrm>
-          <a:prstGeom prst="rect">
-            <a:avLst/>
-          </a:prstGeom>
-          <a:noFill/>
-        </p:spPr>
-        <p:txBody>
-          <a:bodyPr wrap="none" rtlCol="0">
-            <a:spAutoFit/>
-          </a:bodyPr>
-          <a:lstStyle/>
-          <a:p>
-            <a:r>
-              <a:rPr lang="fr-FR" sz="900" dirty="0">
-                <a:solidFill>
-                  <a:schemeClr val="accent6"/>
-                </a:solidFill>
-              </a:rPr>
-              <a:t>&lt;div&gt;</a:t>
-            </a:r>
-            <a:endParaRPr lang="en-BE" sz="900" dirty="0">
-              <a:solidFill>
-                <a:schemeClr val="accent6"/>
-              </a:solidFill>
-            </a:endParaRPr>
-          </a:p>
-        </p:txBody>
-      </p:sp>
-      <p:sp>
-        <p:nvSpPr>
-          <p:cNvPr id="100" name="TextBox 99">
-            <a:extLst>
-              <a:ext uri="{FF2B5EF4-FFF2-40B4-BE49-F238E27FC236}">
-                <a16:creationId xmlns:a16="http://schemas.microsoft.com/office/drawing/2014/main" id="{61672D69-399C-47BC-8E53-8B4889A39CA0}"/>
-              </a:ext>
-            </a:extLst>
-          </p:cNvPr>
-          <p:cNvSpPr txBox="1"/>
-          <p:nvPr/>
-        </p:nvSpPr>
-        <p:spPr>
-          <a:xfrm>
-            <a:off x="4012351" y="6014804"/>
-            <a:ext cx="441146" cy="230832"/>
-          </a:xfrm>
-          <a:prstGeom prst="rect">
-            <a:avLst/>
-          </a:prstGeom>
-          <a:noFill/>
-        </p:spPr>
-        <p:txBody>
-          <a:bodyPr wrap="none" rtlCol="0">
-            <a:spAutoFit/>
-          </a:bodyPr>
-          <a:lstStyle/>
-          <a:p>
-            <a:r>
-              <a:rPr lang="fr-FR" sz="900" dirty="0">
-                <a:solidFill>
-                  <a:schemeClr val="accent6"/>
-                </a:solidFill>
-              </a:rPr>
-              <a:t>&lt;div&gt;</a:t>
-            </a:r>
-            <a:endParaRPr lang="en-BE" sz="900" dirty="0">
-              <a:solidFill>
-                <a:schemeClr val="accent6"/>
-              </a:solidFill>
-            </a:endParaRPr>
-          </a:p>
-        </p:txBody>
-      </p:sp>
-      <p:sp>
-        <p:nvSpPr>
-          <p:cNvPr id="101" name="TextBox 100">
-            <a:extLst>
-              <a:ext uri="{FF2B5EF4-FFF2-40B4-BE49-F238E27FC236}">
-                <a16:creationId xmlns:a16="http://schemas.microsoft.com/office/drawing/2014/main" id="{A2232D5C-FB88-4382-9756-49839C2938E8}"/>
-              </a:ext>
-            </a:extLst>
-          </p:cNvPr>
-          <p:cNvSpPr txBox="1"/>
-          <p:nvPr/>
-        </p:nvSpPr>
-        <p:spPr>
-          <a:xfrm>
-            <a:off x="6214880" y="4616218"/>
-            <a:ext cx="441146" cy="230832"/>
-          </a:xfrm>
-          <a:prstGeom prst="rect">
-            <a:avLst/>
-          </a:prstGeom>
-          <a:noFill/>
-        </p:spPr>
-        <p:txBody>
-          <a:bodyPr wrap="none" rtlCol="0">
-            <a:spAutoFit/>
-          </a:bodyPr>
-          <a:lstStyle/>
-          <a:p>
-            <a:r>
-              <a:rPr lang="fr-FR" sz="900" dirty="0">
-                <a:solidFill>
-                  <a:schemeClr val="accent6"/>
-                </a:solidFill>
-              </a:rPr>
-              <a:t>&lt;div&gt;</a:t>
-            </a:r>
-            <a:endParaRPr lang="en-BE" sz="900" dirty="0">
-              <a:solidFill>
-                <a:schemeClr val="accent6"/>
-              </a:solidFill>
-            </a:endParaRPr>
-          </a:p>
-        </p:txBody>
-      </p:sp>
-      <p:sp>
-        <p:nvSpPr>
-          <p:cNvPr id="102" name="TextBox 101">
-            <a:extLst>
-              <a:ext uri="{FF2B5EF4-FFF2-40B4-BE49-F238E27FC236}">
-                <a16:creationId xmlns:a16="http://schemas.microsoft.com/office/drawing/2014/main" id="{989B5C94-FFB4-42A3-A3CC-4DF3817F2B49}"/>
-              </a:ext>
-            </a:extLst>
-          </p:cNvPr>
-          <p:cNvSpPr txBox="1"/>
-          <p:nvPr/>
-        </p:nvSpPr>
-        <p:spPr>
-          <a:xfrm>
-            <a:off x="6191271" y="5445693"/>
-            <a:ext cx="441146" cy="230832"/>
-          </a:xfrm>
-          <a:prstGeom prst="rect">
-            <a:avLst/>
-          </a:prstGeom>
-          <a:noFill/>
-        </p:spPr>
-        <p:txBody>
-          <a:bodyPr wrap="none" rtlCol="0">
-            <a:spAutoFit/>
-          </a:bodyPr>
-          <a:lstStyle/>
-          <a:p>
-            <a:r>
-              <a:rPr lang="fr-FR" sz="900" dirty="0">
-                <a:solidFill>
-                  <a:schemeClr val="accent6"/>
-                </a:solidFill>
-              </a:rPr>
-              <a:t>&lt;div&gt;</a:t>
-            </a:r>
-            <a:endParaRPr lang="en-BE" sz="900" dirty="0">
-              <a:solidFill>
-                <a:schemeClr val="accent6"/>
-              </a:solidFill>
-            </a:endParaRPr>
-          </a:p>
-        </p:txBody>
-      </p:sp>
-      <p:sp>
-        <p:nvSpPr>
-          <p:cNvPr id="103" name="TextBox 102">
-            <a:extLst>
-              <a:ext uri="{FF2B5EF4-FFF2-40B4-BE49-F238E27FC236}">
-                <a16:creationId xmlns:a16="http://schemas.microsoft.com/office/drawing/2014/main" id="{751AC7F6-A4A3-4A0D-AFD6-DD115D40A1FD}"/>
-              </a:ext>
-            </a:extLst>
-          </p:cNvPr>
-          <p:cNvSpPr txBox="1"/>
-          <p:nvPr/>
-        </p:nvSpPr>
-        <p:spPr>
-          <a:xfrm>
-            <a:off x="6189974" y="6358462"/>
-            <a:ext cx="441146" cy="230832"/>
-          </a:xfrm>
-          <a:prstGeom prst="rect">
-            <a:avLst/>
-          </a:prstGeom>
-          <a:noFill/>
-        </p:spPr>
-        <p:txBody>
-          <a:bodyPr wrap="none" rtlCol="0">
-            <a:spAutoFit/>
-          </a:bodyPr>
-          <a:lstStyle/>
-          <a:p>
-            <a:r>
-              <a:rPr lang="fr-FR" sz="900" dirty="0">
-                <a:solidFill>
-                  <a:schemeClr val="accent6"/>
-                </a:solidFill>
-              </a:rPr>
-              <a:t>&lt;div&gt;</a:t>
-            </a:r>
-            <a:endParaRPr lang="en-BE" sz="900" dirty="0">
-              <a:solidFill>
-                <a:schemeClr val="accent6"/>
-              </a:solidFill>
-            </a:endParaRPr>
-          </a:p>
-        </p:txBody>
-      </p:sp>
-      <p:sp>
-        <p:nvSpPr>
-          <p:cNvPr id="104" name="TextBox 103">
-            <a:extLst>
-              <a:ext uri="{FF2B5EF4-FFF2-40B4-BE49-F238E27FC236}">
-                <a16:creationId xmlns:a16="http://schemas.microsoft.com/office/drawing/2014/main" id="{BCCE6B3A-7851-4D75-9A0F-DCAB61F37897}"/>
-              </a:ext>
-            </a:extLst>
-          </p:cNvPr>
-          <p:cNvSpPr txBox="1"/>
-          <p:nvPr/>
-        </p:nvSpPr>
-        <p:spPr>
-          <a:xfrm>
-            <a:off x="1312280" y="9074761"/>
-            <a:ext cx="441146" cy="230832"/>
-          </a:xfrm>
-          <a:prstGeom prst="rect">
-            <a:avLst/>
-          </a:prstGeom>
-          <a:noFill/>
-        </p:spPr>
-        <p:txBody>
-          <a:bodyPr wrap="none" rtlCol="0">
-            <a:spAutoFit/>
-          </a:bodyPr>
-          <a:lstStyle/>
-          <a:p>
-            <a:r>
-              <a:rPr lang="fr-FR" sz="900" dirty="0">
-                <a:solidFill>
-                  <a:schemeClr val="accent6"/>
-                </a:solidFill>
-              </a:rPr>
-              <a:t>&lt;div&gt;</a:t>
-            </a:r>
-            <a:endParaRPr lang="en-BE" sz="900" dirty="0">
-              <a:solidFill>
-                <a:schemeClr val="accent6"/>
-              </a:solidFill>
-            </a:endParaRPr>
-          </a:p>
-        </p:txBody>
-      </p:sp>
-      <p:sp>
-        <p:nvSpPr>
-          <p:cNvPr id="105" name="TextBox 104">
-            <a:extLst>
-              <a:ext uri="{FF2B5EF4-FFF2-40B4-BE49-F238E27FC236}">
-                <a16:creationId xmlns:a16="http://schemas.microsoft.com/office/drawing/2014/main" id="{DE4C4D26-DEA6-4091-88E8-553AF53D69F5}"/>
-              </a:ext>
-            </a:extLst>
-          </p:cNvPr>
-          <p:cNvSpPr txBox="1"/>
-          <p:nvPr/>
-        </p:nvSpPr>
-        <p:spPr>
-          <a:xfrm>
-            <a:off x="2980914" y="8101827"/>
-            <a:ext cx="441146" cy="230832"/>
-          </a:xfrm>
-          <a:prstGeom prst="rect">
-            <a:avLst/>
-          </a:prstGeom>
-          <a:noFill/>
-        </p:spPr>
-        <p:txBody>
-          <a:bodyPr wrap="none" rtlCol="0">
-            <a:spAutoFit/>
-          </a:bodyPr>
-          <a:lstStyle/>
-          <a:p>
-            <a:r>
-              <a:rPr lang="fr-FR" sz="900" dirty="0">
-                <a:solidFill>
-                  <a:schemeClr val="accent6"/>
-                </a:solidFill>
-              </a:rPr>
-              <a:t>&lt;div&gt;</a:t>
-            </a:r>
-            <a:endParaRPr lang="en-BE" sz="900" dirty="0">
-              <a:solidFill>
-                <a:schemeClr val="accent6"/>
-              </a:solidFill>
-            </a:endParaRPr>
-          </a:p>
-        </p:txBody>
-      </p:sp>
-      <p:sp>
-        <p:nvSpPr>
-          <p:cNvPr id="106" name="TextBox 105">
-            <a:extLst>
-              <a:ext uri="{FF2B5EF4-FFF2-40B4-BE49-F238E27FC236}">
-                <a16:creationId xmlns:a16="http://schemas.microsoft.com/office/drawing/2014/main" id="{39F1B6A5-E74F-4145-B41F-C0B9E6ECF099}"/>
-              </a:ext>
-            </a:extLst>
-          </p:cNvPr>
-          <p:cNvSpPr txBox="1"/>
-          <p:nvPr/>
-        </p:nvSpPr>
-        <p:spPr>
-          <a:xfrm>
-            <a:off x="2987443" y="9091342"/>
-            <a:ext cx="441146" cy="230832"/>
-          </a:xfrm>
-          <a:prstGeom prst="rect">
-            <a:avLst/>
-          </a:prstGeom>
-          <a:noFill/>
-        </p:spPr>
-        <p:txBody>
-          <a:bodyPr wrap="none" rtlCol="0">
-            <a:spAutoFit/>
-          </a:bodyPr>
-          <a:lstStyle/>
-          <a:p>
-            <a:r>
-              <a:rPr lang="fr-FR" sz="900" dirty="0">
-                <a:solidFill>
-                  <a:schemeClr val="accent6"/>
-                </a:solidFill>
-              </a:rPr>
-              <a:t>&lt;div&gt;</a:t>
-            </a:r>
-            <a:endParaRPr lang="en-BE" sz="900" dirty="0">
-              <a:solidFill>
-                <a:schemeClr val="accent6"/>
-              </a:solidFill>
-            </a:endParaRPr>
-          </a:p>
-        </p:txBody>
-      </p:sp>
-      <p:sp>
-        <p:nvSpPr>
-          <p:cNvPr id="107" name="TextBox 106">
-            <a:extLst>
-              <a:ext uri="{FF2B5EF4-FFF2-40B4-BE49-F238E27FC236}">
-                <a16:creationId xmlns:a16="http://schemas.microsoft.com/office/drawing/2014/main" id="{3C668374-7BFF-41A6-9EC7-6140AA1B8685}"/>
-              </a:ext>
-            </a:extLst>
-          </p:cNvPr>
-          <p:cNvSpPr txBox="1"/>
-          <p:nvPr/>
-        </p:nvSpPr>
-        <p:spPr>
-          <a:xfrm>
-            <a:off x="4645645" y="9075810"/>
-            <a:ext cx="441146" cy="230832"/>
-          </a:xfrm>
-          <a:prstGeom prst="rect">
-            <a:avLst/>
-          </a:prstGeom>
-          <a:noFill/>
-        </p:spPr>
-        <p:txBody>
-          <a:bodyPr wrap="none" rtlCol="0">
-            <a:spAutoFit/>
-          </a:bodyPr>
-          <a:lstStyle/>
-          <a:p>
-            <a:r>
-              <a:rPr lang="fr-FR" sz="900" dirty="0">
-                <a:solidFill>
-                  <a:schemeClr val="accent6"/>
-                </a:solidFill>
-              </a:rPr>
-              <a:t>&lt;div&gt;</a:t>
-            </a:r>
-            <a:endParaRPr lang="en-BE" sz="900" dirty="0">
-              <a:solidFill>
-                <a:schemeClr val="accent6"/>
-              </a:solidFill>
-            </a:endParaRPr>
-          </a:p>
-        </p:txBody>
-      </p:sp>
-      <p:sp>
-        <p:nvSpPr>
-          <p:cNvPr id="108" name="TextBox 107">
-            <a:extLst>
-              <a:ext uri="{FF2B5EF4-FFF2-40B4-BE49-F238E27FC236}">
-                <a16:creationId xmlns:a16="http://schemas.microsoft.com/office/drawing/2014/main" id="{76382931-9116-4E0F-B49F-60EDF119A7E2}"/>
-              </a:ext>
-            </a:extLst>
-          </p:cNvPr>
-          <p:cNvSpPr txBox="1"/>
-          <p:nvPr/>
-        </p:nvSpPr>
-        <p:spPr>
-          <a:xfrm>
-            <a:off x="6309384" y="7924580"/>
-            <a:ext cx="441146" cy="230832"/>
-          </a:xfrm>
-          <a:prstGeom prst="rect">
-            <a:avLst/>
-          </a:prstGeom>
-          <a:noFill/>
-        </p:spPr>
-        <p:txBody>
-          <a:bodyPr wrap="none" rtlCol="0">
-            <a:spAutoFit/>
-          </a:bodyPr>
-          <a:lstStyle/>
-          <a:p>
-            <a:r>
-              <a:rPr lang="fr-FR" sz="900" dirty="0">
-                <a:solidFill>
-                  <a:schemeClr val="accent6"/>
-                </a:solidFill>
-              </a:rPr>
-              <a:t>&lt;div&gt;</a:t>
-            </a:r>
-            <a:endParaRPr lang="en-BE" sz="900" dirty="0">
-              <a:solidFill>
-                <a:schemeClr val="accent6"/>
-              </a:solidFill>
-            </a:endParaRPr>
-          </a:p>
-        </p:txBody>
-      </p:sp>
-      <p:sp>
-        <p:nvSpPr>
-          <p:cNvPr id="109" name="TextBox 108">
-            <a:extLst>
-              <a:ext uri="{FF2B5EF4-FFF2-40B4-BE49-F238E27FC236}">
-                <a16:creationId xmlns:a16="http://schemas.microsoft.com/office/drawing/2014/main" id="{17D8667D-FA62-4147-97B2-AAB08B9E55C6}"/>
-              </a:ext>
-            </a:extLst>
-          </p:cNvPr>
-          <p:cNvSpPr txBox="1"/>
-          <p:nvPr/>
-        </p:nvSpPr>
-        <p:spPr>
-          <a:xfrm>
-            <a:off x="6315446" y="8978202"/>
-            <a:ext cx="441146" cy="230832"/>
-          </a:xfrm>
-          <a:prstGeom prst="rect">
-            <a:avLst/>
-          </a:prstGeom>
-          <a:noFill/>
-        </p:spPr>
-        <p:txBody>
-          <a:bodyPr wrap="none" rtlCol="0">
-            <a:spAutoFit/>
-          </a:bodyPr>
-          <a:lstStyle/>
-          <a:p>
-            <a:r>
-              <a:rPr lang="fr-FR" sz="900" dirty="0">
-                <a:solidFill>
-                  <a:schemeClr val="accent6"/>
-                </a:solidFill>
-              </a:rPr>
-              <a:t>&lt;div&gt;</a:t>
-            </a:r>
-            <a:endParaRPr lang="en-BE" sz="900" dirty="0">
-              <a:solidFill>
-                <a:schemeClr val="accent6"/>
-              </a:solidFill>
-            </a:endParaRPr>
-          </a:p>
-        </p:txBody>
-      </p:sp>
-      <p:sp>
-        <p:nvSpPr>
-          <p:cNvPr id="110" name="Rectangle 109">
-            <a:extLst>
-              <a:ext uri="{FF2B5EF4-FFF2-40B4-BE49-F238E27FC236}">
-                <a16:creationId xmlns:a16="http://schemas.microsoft.com/office/drawing/2014/main" id="{1020D115-7C4B-416B-9C44-50EBC5C39DD4}"/>
-              </a:ext>
-            </a:extLst>
-          </p:cNvPr>
-          <p:cNvSpPr/>
-          <p:nvPr/>
-        </p:nvSpPr>
-        <p:spPr>
-          <a:xfrm>
-            <a:off x="219240" y="6242944"/>
-            <a:ext cx="4215148" cy="346350"/>
-          </a:xfrm>
-          <a:prstGeom prst="rect">
-            <a:avLst/>
-          </a:prstGeom>
-          <a:noFill/>
-          <a:ln>
-            <a:solidFill>
-              <a:schemeClr val="accent6"/>
-            </a:solidFill>
-          </a:ln>
-        </p:spPr>
-        <p:style>
-          <a:lnRef idx="2">
-            <a:schemeClr val="accent1">
-              <a:shade val="50000"/>
-            </a:schemeClr>
-          </a:lnRef>
-          <a:fillRef idx="1">
-            <a:schemeClr val="accent1"/>
-          </a:fillRef>
-          <a:effectRef idx="0">
-            <a:schemeClr val="accent1"/>
-          </a:effectRef>
-          <a:fontRef idx="minor">
-            <a:schemeClr val="lt1"/>
-          </a:fontRef>
-        </p:style>
-        <p:txBody>
-          <a:bodyPr rtlCol="0" anchor="ctr"/>
-          <a:lstStyle/>
-          <a:p>
-            <a:pPr algn="ctr"/>
-            <a:endParaRPr lang="en-BE"/>
-          </a:p>
-        </p:txBody>
-      </p:sp>
-      <p:sp>
-        <p:nvSpPr>
-          <p:cNvPr id="111" name="TextBox 110">
-            <a:extLst>
-              <a:ext uri="{FF2B5EF4-FFF2-40B4-BE49-F238E27FC236}">
-                <a16:creationId xmlns:a16="http://schemas.microsoft.com/office/drawing/2014/main" id="{615D27C1-6416-4C0C-8C03-EFDD01EC656A}"/>
-              </a:ext>
-            </a:extLst>
-          </p:cNvPr>
-          <p:cNvSpPr txBox="1"/>
-          <p:nvPr/>
-        </p:nvSpPr>
-        <p:spPr>
-          <a:xfrm>
-            <a:off x="4037527" y="6372305"/>
-            <a:ext cx="468398" cy="230832"/>
-          </a:xfrm>
-          <a:prstGeom prst="rect">
-            <a:avLst/>
-          </a:prstGeom>
-          <a:noFill/>
-        </p:spPr>
-        <p:txBody>
-          <a:bodyPr wrap="none" rtlCol="0">
-            <a:spAutoFit/>
-          </a:bodyPr>
-          <a:lstStyle/>
-          <a:p>
-            <a:r>
-              <a:rPr lang="fr-FR" sz="900" dirty="0">
-                <a:solidFill>
-                  <a:schemeClr val="accent6"/>
-                </a:solidFill>
-              </a:rPr>
-              <a:t>&lt;</a:t>
-            </a:r>
-            <a:r>
-              <a:rPr lang="fr-FR" sz="900" dirty="0" err="1">
-                <a:solidFill>
-                  <a:schemeClr val="accent6"/>
-                </a:solidFill>
-              </a:rPr>
-              <a:t>link</a:t>
-            </a:r>
-            <a:r>
-              <a:rPr lang="fr-FR" sz="900" dirty="0">
-                <a:solidFill>
-                  <a:schemeClr val="accent6"/>
-                </a:solidFill>
-              </a:rPr>
-              <a:t>&gt;</a:t>
+              <a:t>&lt;.more&gt;</a:t>
             </a:r>
             <a:endParaRPr lang="en-BE" sz="900" dirty="0">
               <a:solidFill>
